--- a/lab/lab3/ECE_383_Lab3.pptx
+++ b/lab/lab3/ECE_383_Lab3.pptx
@@ -6,32 +6,45 @@
     <p:sldMasterId id="2147483687" r:id="rId2"/>
   </p:sldMasterIdLst>
   <p:notesMasterIdLst>
-    <p:notesMasterId r:id="rId20"/>
+    <p:notesMasterId r:id="rId30"/>
   </p:notesMasterIdLst>
   <p:handoutMasterIdLst>
-    <p:handoutMasterId r:id="rId21"/>
+    <p:handoutMasterId r:id="rId31"/>
   </p:handoutMasterIdLst>
   <p:sldIdLst>
     <p:sldId id="364" r:id="rId3"/>
-    <p:sldId id="300" r:id="rId4"/>
-    <p:sldId id="356" r:id="rId5"/>
-    <p:sldId id="387" r:id="rId6"/>
-    <p:sldId id="358" r:id="rId7"/>
-    <p:sldId id="365" r:id="rId8"/>
-    <p:sldId id="388" r:id="rId9"/>
-    <p:sldId id="366" r:id="rId10"/>
-    <p:sldId id="360" r:id="rId11"/>
-    <p:sldId id="361" r:id="rId12"/>
-    <p:sldId id="389" r:id="rId13"/>
-    <p:sldId id="390" r:id="rId14"/>
-    <p:sldId id="369" r:id="rId15"/>
-    <p:sldId id="376" r:id="rId16"/>
-    <p:sldId id="370" r:id="rId17"/>
-    <p:sldId id="380" r:id="rId18"/>
-    <p:sldId id="372" r:id="rId19"/>
+    <p:sldId id="398" r:id="rId4"/>
+    <p:sldId id="300" r:id="rId5"/>
+    <p:sldId id="356" r:id="rId6"/>
+    <p:sldId id="387" r:id="rId7"/>
+    <p:sldId id="358" r:id="rId8"/>
+    <p:sldId id="365" r:id="rId9"/>
+    <p:sldId id="388" r:id="rId10"/>
+    <p:sldId id="366" r:id="rId11"/>
+    <p:sldId id="392" r:id="rId12"/>
+    <p:sldId id="393" r:id="rId13"/>
+    <p:sldId id="394" r:id="rId14"/>
+    <p:sldId id="395" r:id="rId15"/>
+    <p:sldId id="396" r:id="rId16"/>
+    <p:sldId id="397" r:id="rId17"/>
+    <p:sldId id="360" r:id="rId18"/>
+    <p:sldId id="361" r:id="rId19"/>
+    <p:sldId id="389" r:id="rId20"/>
+    <p:sldId id="390" r:id="rId21"/>
+    <p:sldId id="375" r:id="rId22"/>
+    <p:sldId id="368" r:id="rId23"/>
+    <p:sldId id="369" r:id="rId24"/>
+    <p:sldId id="376" r:id="rId25"/>
+    <p:sldId id="370" r:id="rId26"/>
+    <p:sldId id="380" r:id="rId27"/>
+    <p:sldId id="372" r:id="rId28"/>
+    <p:sldId id="391" r:id="rId29"/>
   </p:sldIdLst>
   <p:sldSz cx="9144000" cy="6858000" type="screen4x3"/>
   <p:notesSz cx="6985000" cy="9283700"/>
+  <p:custDataLst>
+    <p:tags r:id="rId32"/>
+  </p:custDataLst>
   <p:defaultTextStyle>
     <a:defPPr>
       <a:defRPr lang="en-US"/>
@@ -166,6 +179,22 @@
       </a:defRPr>
     </a:lvl9pPr>
   </p:defaultTextStyle>
+  <p:extLst>
+    <p:ext uri="{EFAFB233-063F-42B5-8137-9DF3F51BA10A}">
+      <p15:sldGuideLst xmlns:p15="http://schemas.microsoft.com/office/powerpoint/2012/main">
+        <p15:guide id="1" orient="horz" pos="2160">
+          <p15:clr>
+            <a:srgbClr val="A4A3A4"/>
+          </p15:clr>
+        </p15:guide>
+        <p15:guide id="2" pos="2880">
+          <p15:clr>
+            <a:srgbClr val="A4A3A4"/>
+          </p15:clr>
+        </p15:guide>
+      </p15:sldGuideLst>
+    </p:ext>
+  </p:extLst>
 </p:presentation>
 </file>
 
@@ -1057,7 +1086,7 @@
                 </a:solidFill>
               </a:rPr>
               <a:pPr/>
-              <a:t>3/1/2017</a:t>
+              <a:t>3/8/2021</a:t>
             </a:fld>
             <a:endParaRPr lang="en-US">
               <a:solidFill>
@@ -1259,7 +1288,7 @@
                 </a:solidFill>
               </a:rPr>
               <a:pPr/>
-              <a:t>3/1/2017</a:t>
+              <a:t>3/8/2021</a:t>
             </a:fld>
             <a:endParaRPr lang="en-US">
               <a:solidFill>
@@ -1471,7 +1500,7 @@
                 </a:solidFill>
               </a:rPr>
               <a:pPr/>
-              <a:t>3/1/2017</a:t>
+              <a:t>3/8/2021</a:t>
             </a:fld>
             <a:endParaRPr lang="en-US">
               <a:solidFill>
@@ -1962,7 +1991,7 @@
                 </a:spcAft>
                 <a:defRPr/>
               </a:pPr>
-              <a:t>1 March 2017</a:t>
+              <a:t>8 March 2021</a:t>
             </a:fld>
             <a:endParaRPr lang="en-US" sz="1800">
               <a:solidFill>
@@ -2227,7 +2256,7 @@
                 </a:spcAft>
                 <a:defRPr/>
               </a:pPr>
-              <a:t>1 March 2017</a:t>
+              <a:t>8 March 2021</a:t>
             </a:fld>
             <a:endParaRPr lang="en-US" sz="1800">
               <a:solidFill>
@@ -2581,7 +2610,7 @@
                 </a:spcAft>
                 <a:defRPr/>
               </a:pPr>
-              <a:t>1 March 2017</a:t>
+              <a:t>8 March 2021</a:t>
             </a:fld>
             <a:endParaRPr lang="en-US" sz="1800">
               <a:solidFill>
@@ -3074,7 +3103,7 @@
                 </a:spcAft>
                 <a:defRPr/>
               </a:pPr>
-              <a:t>1 March 2017</a:t>
+              <a:t>8 March 2021</a:t>
             </a:fld>
             <a:endParaRPr lang="en-US" sz="1800">
               <a:solidFill>
@@ -3258,7 +3287,7 @@
                 </a:spcAft>
                 <a:defRPr/>
               </a:pPr>
-              <a:t>1 March 2017</a:t>
+              <a:t>8 March 2021</a:t>
             </a:fld>
             <a:endParaRPr lang="en-US" sz="1800">
               <a:solidFill>
@@ -3419,7 +3448,7 @@
                 </a:spcAft>
                 <a:defRPr/>
               </a:pPr>
-              <a:t>1 March 2017</a:t>
+              <a:t>8 March 2021</a:t>
             </a:fld>
             <a:endParaRPr lang="en-US" sz="1800">
               <a:solidFill>
@@ -3762,7 +3791,7 @@
                 </a:spcAft>
                 <a:defRPr/>
               </a:pPr>
-              <a:t>1 March 2017</a:t>
+              <a:t>8 March 2021</a:t>
             </a:fld>
             <a:endParaRPr lang="en-US" sz="1800">
               <a:solidFill>
@@ -3901,7 +3930,7 @@
                 </a:solidFill>
               </a:rPr>
               <a:pPr/>
-              <a:t>3/1/2017</a:t>
+              <a:t>3/8/2021</a:t>
             </a:fld>
             <a:endParaRPr lang="en-US">
               <a:solidFill>
@@ -4284,7 +4313,7 @@
                 </a:spcAft>
                 <a:defRPr/>
               </a:pPr>
-              <a:t>1 March 2017</a:t>
+              <a:t>8 March 2021</a:t>
             </a:fld>
             <a:endParaRPr lang="en-US" sz="1800">
               <a:solidFill>
@@ -4520,7 +4549,7 @@
                 </a:spcAft>
                 <a:defRPr/>
               </a:pPr>
-              <a:t>1 March 2017</a:t>
+              <a:t>8 March 2021</a:t>
             </a:fld>
             <a:endParaRPr lang="en-US" sz="1800">
               <a:solidFill>
@@ -4766,7 +4795,7 @@
                 </a:spcAft>
                 <a:defRPr/>
               </a:pPr>
-              <a:t>1 March 2017</a:t>
+              <a:t>8 March 2021</a:t>
             </a:fld>
             <a:endParaRPr lang="en-US" sz="1800">
               <a:solidFill>
@@ -4980,7 +5009,7 @@
                 </a:spcAft>
                 <a:defRPr/>
               </a:pPr>
-              <a:t>1 March 2017</a:t>
+              <a:t>8 March 2021</a:t>
             </a:fld>
             <a:endParaRPr lang="en-US" sz="1800">
               <a:solidFill>
@@ -5195,7 +5224,7 @@
                 </a:solidFill>
               </a:rPr>
               <a:pPr/>
-              <a:t>3/1/2017</a:t>
+              <a:t>3/8/2021</a:t>
             </a:fld>
             <a:endParaRPr lang="en-US">
               <a:solidFill>
@@ -5515,7 +5544,7 @@
                 </a:solidFill>
               </a:rPr>
               <a:pPr/>
-              <a:t>3/1/2017</a:t>
+              <a:t>3/8/2021</a:t>
             </a:fld>
             <a:endParaRPr lang="en-US">
               <a:solidFill>
@@ -5969,7 +5998,7 @@
                 </a:solidFill>
               </a:rPr>
               <a:pPr/>
-              <a:t>3/1/2017</a:t>
+              <a:t>3/8/2021</a:t>
             </a:fld>
             <a:endParaRPr lang="en-US">
               <a:solidFill>
@@ -6119,7 +6148,7 @@
                 </a:solidFill>
               </a:rPr>
               <a:pPr/>
-              <a:t>3/1/2017</a:t>
+              <a:t>3/8/2021</a:t>
             </a:fld>
             <a:endParaRPr lang="en-US">
               <a:solidFill>
@@ -6246,7 +6275,7 @@
                 </a:solidFill>
               </a:rPr>
               <a:pPr/>
-              <a:t>3/1/2017</a:t>
+              <a:t>3/8/2021</a:t>
             </a:fld>
             <a:endParaRPr lang="en-US">
               <a:solidFill>
@@ -6555,7 +6584,7 @@
                 </a:solidFill>
               </a:rPr>
               <a:pPr/>
-              <a:t>3/1/2017</a:t>
+              <a:t>3/8/2021</a:t>
             </a:fld>
             <a:endParaRPr lang="en-US">
               <a:solidFill>
@@ -6840,7 +6869,7 @@
                 </a:solidFill>
               </a:rPr>
               <a:pPr/>
-              <a:t>3/1/2017</a:t>
+              <a:t>3/8/2021</a:t>
             </a:fld>
             <a:endParaRPr lang="en-US">
               <a:solidFill>
@@ -7101,7 +7130,7 @@
                   <a:spcPts val="0"/>
                 </a:spcAft>
               </a:pPr>
-              <a:t>3/1/2017</a:t>
+              <a:t>3/8/2021</a:t>
             </a:fld>
             <a:endParaRPr lang="en-US">
               <a:solidFill>
@@ -8906,59 +8935,6 @@
           </a:p>
         </p:txBody>
       </p:sp>
-      <p:sp>
-        <p:nvSpPr>
-          <p:cNvPr id="9" name="Rectangle 10"/>
-          <p:cNvSpPr>
-            <a:spLocks noGrp="1" noChangeArrowheads="1"/>
-          </p:cNvSpPr>
-          <p:nvPr>
-            <p:ph type="subTitle" idx="1"/>
-          </p:nvPr>
-        </p:nvSpPr>
-        <p:spPr>
-          <a:xfrm>
-            <a:off x="4159624" y="4743733"/>
-            <a:ext cx="4508500" cy="1489075"/>
-          </a:xfrm>
-        </p:spPr>
-        <p:txBody>
-          <a:bodyPr anchor="ctr">
-            <a:normAutofit lnSpcReduction="10000"/>
-          </a:bodyPr>
-          <a:lstStyle>
-            <a:lvl1pPr marL="0" indent="0" algn="r">
-              <a:buFont typeface="Wingdings" pitchFamily="2" charset="2"/>
-              <a:buNone/>
-              <a:defRPr/>
-            </a:lvl1pPr>
-          </a:lstStyle>
-          <a:p>
-            <a:r>
-              <a:rPr lang="en-US" dirty="0" smtClean="0"/>
-              <a:t>Maj Jeffrey </a:t>
-            </a:r>
-            <a:r>
-              <a:rPr lang="en-US" dirty="0"/>
-              <a:t>Falkinburg</a:t>
-            </a:r>
-            <a:br>
-              <a:rPr lang="en-US" dirty="0"/>
-            </a:br>
-            <a:r>
-              <a:rPr lang="en-US" dirty="0"/>
-              <a:t>Room 2E46E</a:t>
-            </a:r>
-            <a:br>
-              <a:rPr lang="en-US" dirty="0"/>
-            </a:br>
-            <a:r>
-              <a:rPr lang="en-US" dirty="0" smtClean="0"/>
-              <a:t>333-9193</a:t>
-            </a:r>
-          </a:p>
-        </p:txBody>
-      </p:sp>
       <p:pic>
         <p:nvPicPr>
           <p:cNvPr id="1026" name="Picture 2" descr="https://sharepoint.usafa.edu/hq/CM/Shared%20Documents/Logo/USAFA%20Logo%20v%203%20line%20CMYK.png"/>
@@ -8968,7 +8944,7 @@
           <p:nvPr/>
         </p:nvPicPr>
         <p:blipFill>
-          <a:blip r:embed="rId2" cstate="print">
+          <a:blip r:embed="rId3" cstate="print">
             <a:extLst>
               <a:ext uri="{28A0092B-C50C-407E-A947-70E740481C1C}">
                 <a14:useLocalDpi xmlns:a14="http://schemas.microsoft.com/office/drawing/2010/main" val="0"/>
@@ -9001,6 +8977,9 @@
         </p:spPr>
       </p:pic>
     </p:spTree>
+    <p:custDataLst>
+      <p:tags r:id="rId1"/>
+    </p:custDataLst>
     <p:extLst>
       <p:ext uri="{BB962C8B-B14F-4D97-AF65-F5344CB8AC3E}">
         <p14:creationId xmlns:p14="http://schemas.microsoft.com/office/powerpoint/2010/main" val="1858006198"/>
@@ -9029,6 +9008,1024 @@
 </file>
 
 <file path=ppt/slides/slide10.xml><?xml version="1.0" encoding="utf-8"?>
+<p:sld xmlns:a="http://schemas.openxmlformats.org/drawingml/2006/main" xmlns:r="http://schemas.openxmlformats.org/officeDocument/2006/relationships" xmlns:p="http://schemas.openxmlformats.org/presentationml/2006/main" showMasterSp="0">
+  <p:cSld>
+    <p:spTree>
+      <p:nvGrpSpPr>
+        <p:cNvPr id="1" name=""/>
+        <p:cNvGrpSpPr/>
+        <p:nvPr/>
+      </p:nvGrpSpPr>
+      <p:grpSpPr>
+        <a:xfrm>
+          <a:off x="0" y="0"/>
+          <a:ext cx="0" cy="0"/>
+          <a:chOff x="0" y="0"/>
+          <a:chExt cx="0" cy="0"/>
+        </a:xfrm>
+      </p:grpSpPr>
+      <p:sp>
+        <p:nvSpPr>
+          <p:cNvPr id="4" name="Slide Number Placeholder 3"/>
+          <p:cNvSpPr>
+            <a:spLocks noGrp="1"/>
+          </p:cNvSpPr>
+          <p:nvPr>
+            <p:ph type="sldNum" sz="quarter" idx="10"/>
+          </p:nvPr>
+        </p:nvSpPr>
+        <p:spPr/>
+        <p:txBody>
+          <a:bodyPr/>
+          <a:lstStyle/>
+          <a:p>
+            <a:pPr>
+              <a:defRPr/>
+            </a:pPr>
+            <a:fld id="{62D6D4B2-7611-498F-8780-1EDC26277454}" type="slidenum">
+              <a:rPr lang="en-US" smtClean="0">
+                <a:solidFill>
+                  <a:srgbClr val="000000"/>
+                </a:solidFill>
+              </a:rPr>
+              <a:pPr>
+                <a:defRPr/>
+              </a:pPr>
+              <a:t>10</a:t>
+            </a:fld>
+            <a:endParaRPr lang="en-US" dirty="0">
+              <a:solidFill>
+                <a:srgbClr val="000000"/>
+              </a:solidFill>
+            </a:endParaRPr>
+          </a:p>
+        </p:txBody>
+      </p:sp>
+      <p:sp>
+        <p:nvSpPr>
+          <p:cNvPr id="5" name="Date Placeholder 4"/>
+          <p:cNvSpPr>
+            <a:spLocks noGrp="1"/>
+          </p:cNvSpPr>
+          <p:nvPr>
+            <p:ph type="dt" sz="half" idx="11"/>
+          </p:nvPr>
+        </p:nvSpPr>
+        <p:spPr/>
+        <p:txBody>
+          <a:bodyPr/>
+          <a:lstStyle/>
+          <a:p>
+            <a:pPr fontAlgn="auto">
+              <a:spcBef>
+                <a:spcPts val="0"/>
+              </a:spcBef>
+              <a:spcAft>
+                <a:spcPts val="0"/>
+              </a:spcAft>
+              <a:defRPr/>
+            </a:pPr>
+            <a:endParaRPr lang="en-US" sz="1800" smtClean="0">
+              <a:solidFill>
+                <a:srgbClr val="000000"/>
+              </a:solidFill>
+            </a:endParaRPr>
+          </a:p>
+          <a:p>
+            <a:pPr fontAlgn="auto">
+              <a:spcBef>
+                <a:spcPts val="0"/>
+              </a:spcBef>
+              <a:spcAft>
+                <a:spcPts val="0"/>
+              </a:spcAft>
+              <a:defRPr/>
+            </a:pPr>
+            <a:fld id="{D957A480-45FD-4E4A-ABAC-1E7EB071E91C}" type="datetime3">
+              <a:rPr lang="en-US" sz="1800" smtClean="0">
+                <a:solidFill>
+                  <a:srgbClr val="000000"/>
+                </a:solidFill>
+              </a:rPr>
+              <a:pPr fontAlgn="auto">
+                <a:spcBef>
+                  <a:spcPts val="0"/>
+                </a:spcBef>
+                <a:spcAft>
+                  <a:spcPts val="0"/>
+                </a:spcAft>
+                <a:defRPr/>
+              </a:pPr>
+              <a:t>8 March 2021</a:t>
+            </a:fld>
+            <a:endParaRPr lang="en-US" sz="1800">
+              <a:solidFill>
+                <a:srgbClr val="000000"/>
+              </a:solidFill>
+            </a:endParaRPr>
+          </a:p>
+        </p:txBody>
+      </p:sp>
+      <p:pic>
+        <p:nvPicPr>
+          <p:cNvPr id="6" name="Picture 5"/>
+          <p:cNvPicPr>
+            <a:picLocks noChangeAspect="1"/>
+          </p:cNvPicPr>
+          <p:nvPr/>
+        </p:nvPicPr>
+        <p:blipFill>
+          <a:blip r:embed="rId2"/>
+          <a:stretch>
+            <a:fillRect/>
+          </a:stretch>
+        </p:blipFill>
+        <p:spPr>
+          <a:xfrm>
+            <a:off x="3848" y="959169"/>
+            <a:ext cx="9140152" cy="4009873"/>
+          </a:xfrm>
+          <a:prstGeom prst="rect">
+            <a:avLst/>
+          </a:prstGeom>
+        </p:spPr>
+      </p:pic>
+    </p:spTree>
+    <p:extLst>
+      <p:ext uri="{BB962C8B-B14F-4D97-AF65-F5344CB8AC3E}">
+        <p14:creationId xmlns:p14="http://schemas.microsoft.com/office/powerpoint/2010/main" val="81109088"/>
+      </p:ext>
+    </p:extLst>
+  </p:cSld>
+  <p:clrMapOvr>
+    <a:masterClrMapping/>
+  </p:clrMapOvr>
+</p:sld>
+</file>
+
+<file path=ppt/slides/slide11.xml><?xml version="1.0" encoding="utf-8"?>
+<p:sld xmlns:a="http://schemas.openxmlformats.org/drawingml/2006/main" xmlns:r="http://schemas.openxmlformats.org/officeDocument/2006/relationships" xmlns:p="http://schemas.openxmlformats.org/presentationml/2006/main" showMasterSp="0">
+  <p:cSld>
+    <p:spTree>
+      <p:nvGrpSpPr>
+        <p:cNvPr id="1" name=""/>
+        <p:cNvGrpSpPr/>
+        <p:nvPr/>
+      </p:nvGrpSpPr>
+      <p:grpSpPr>
+        <a:xfrm>
+          <a:off x="0" y="0"/>
+          <a:ext cx="0" cy="0"/>
+          <a:chOff x="0" y="0"/>
+          <a:chExt cx="0" cy="0"/>
+        </a:xfrm>
+      </p:grpSpPr>
+      <p:sp>
+        <p:nvSpPr>
+          <p:cNvPr id="4" name="Slide Number Placeholder 3"/>
+          <p:cNvSpPr>
+            <a:spLocks noGrp="1"/>
+          </p:cNvSpPr>
+          <p:nvPr>
+            <p:ph type="sldNum" sz="quarter" idx="10"/>
+          </p:nvPr>
+        </p:nvSpPr>
+        <p:spPr/>
+        <p:txBody>
+          <a:bodyPr/>
+          <a:lstStyle/>
+          <a:p>
+            <a:pPr>
+              <a:defRPr/>
+            </a:pPr>
+            <a:fld id="{62D6D4B2-7611-498F-8780-1EDC26277454}" type="slidenum">
+              <a:rPr lang="en-US" smtClean="0">
+                <a:solidFill>
+                  <a:srgbClr val="000000"/>
+                </a:solidFill>
+              </a:rPr>
+              <a:pPr>
+                <a:defRPr/>
+              </a:pPr>
+              <a:t>11</a:t>
+            </a:fld>
+            <a:endParaRPr lang="en-US" dirty="0">
+              <a:solidFill>
+                <a:srgbClr val="000000"/>
+              </a:solidFill>
+            </a:endParaRPr>
+          </a:p>
+        </p:txBody>
+      </p:sp>
+      <p:sp>
+        <p:nvSpPr>
+          <p:cNvPr id="5" name="Date Placeholder 4"/>
+          <p:cNvSpPr>
+            <a:spLocks noGrp="1"/>
+          </p:cNvSpPr>
+          <p:nvPr>
+            <p:ph type="dt" sz="half" idx="11"/>
+          </p:nvPr>
+        </p:nvSpPr>
+        <p:spPr/>
+        <p:txBody>
+          <a:bodyPr/>
+          <a:lstStyle/>
+          <a:p>
+            <a:pPr fontAlgn="auto">
+              <a:spcBef>
+                <a:spcPts val="0"/>
+              </a:spcBef>
+              <a:spcAft>
+                <a:spcPts val="0"/>
+              </a:spcAft>
+              <a:defRPr/>
+            </a:pPr>
+            <a:endParaRPr lang="en-US" sz="1800" smtClean="0">
+              <a:solidFill>
+                <a:srgbClr val="000000"/>
+              </a:solidFill>
+            </a:endParaRPr>
+          </a:p>
+          <a:p>
+            <a:pPr fontAlgn="auto">
+              <a:spcBef>
+                <a:spcPts val="0"/>
+              </a:spcBef>
+              <a:spcAft>
+                <a:spcPts val="0"/>
+              </a:spcAft>
+              <a:defRPr/>
+            </a:pPr>
+            <a:fld id="{D957A480-45FD-4E4A-ABAC-1E7EB071E91C}" type="datetime3">
+              <a:rPr lang="en-US" sz="1800" smtClean="0">
+                <a:solidFill>
+                  <a:srgbClr val="000000"/>
+                </a:solidFill>
+              </a:rPr>
+              <a:pPr fontAlgn="auto">
+                <a:spcBef>
+                  <a:spcPts val="0"/>
+                </a:spcBef>
+                <a:spcAft>
+                  <a:spcPts val="0"/>
+                </a:spcAft>
+                <a:defRPr/>
+              </a:pPr>
+              <a:t>8 March 2021</a:t>
+            </a:fld>
+            <a:endParaRPr lang="en-US" sz="1800">
+              <a:solidFill>
+                <a:srgbClr val="000000"/>
+              </a:solidFill>
+            </a:endParaRPr>
+          </a:p>
+        </p:txBody>
+      </p:sp>
+      <p:pic>
+        <p:nvPicPr>
+          <p:cNvPr id="6" name="Picture 5"/>
+          <p:cNvPicPr>
+            <a:picLocks noChangeAspect="1"/>
+          </p:cNvPicPr>
+          <p:nvPr/>
+        </p:nvPicPr>
+        <p:blipFill>
+          <a:blip r:embed="rId2"/>
+          <a:stretch>
+            <a:fillRect/>
+          </a:stretch>
+        </p:blipFill>
+        <p:spPr>
+          <a:xfrm>
+            <a:off x="1567112" y="9163"/>
+            <a:ext cx="5699961" cy="6825584"/>
+          </a:xfrm>
+          <a:prstGeom prst="rect">
+            <a:avLst/>
+          </a:prstGeom>
+        </p:spPr>
+      </p:pic>
+      <p:sp>
+        <p:nvSpPr>
+          <p:cNvPr id="7" name="Rectangle 6"/>
+          <p:cNvSpPr/>
+          <p:nvPr/>
+        </p:nvSpPr>
+        <p:spPr bwMode="auto">
+          <a:xfrm>
+            <a:off x="5985711" y="4698332"/>
+            <a:ext cx="1485900" cy="2159668"/>
+          </a:xfrm>
+          <a:prstGeom prst="rect">
+            <a:avLst/>
+          </a:prstGeom>
+          <a:solidFill>
+            <a:schemeClr val="bg1"/>
+          </a:solidFill>
+          <a:ln w="12700" cap="flat" cmpd="sng" algn="ctr">
+            <a:solidFill>
+              <a:schemeClr val="bg1"/>
+            </a:solidFill>
+            <a:prstDash val="solid"/>
+            <a:round/>
+            <a:headEnd type="none" w="med" len="med"/>
+            <a:tailEnd type="none" w="med" len="med"/>
+          </a:ln>
+          <a:effectLst/>
+        </p:spPr>
+        <p:txBody>
+          <a:bodyPr vert="horz" wrap="square" lIns="91440" tIns="45720" rIns="91440" bIns="45720" numCol="1" rtlCol="0" anchor="t" anchorCtr="0" compatLnSpc="1">
+            <a:prstTxWarp prst="textNoShape">
+              <a:avLst/>
+            </a:prstTxWarp>
+          </a:bodyPr>
+          <a:lstStyle/>
+          <a:p>
+            <a:pPr marL="0" marR="0" indent="0" algn="ctr" defTabSz="914400" rtl="0" eaLnBrk="0" fontAlgn="base" latinLnBrk="0" hangingPunct="0">
+              <a:lnSpc>
+                <a:spcPct val="100000"/>
+              </a:lnSpc>
+              <a:spcBef>
+                <a:spcPct val="0"/>
+              </a:spcBef>
+              <a:spcAft>
+                <a:spcPct val="0"/>
+              </a:spcAft>
+              <a:buClrTx/>
+              <a:buSzTx/>
+              <a:buFontTx/>
+              <a:buNone/>
+              <a:tabLst/>
+            </a:pPr>
+            <a:endParaRPr kumimoji="0" lang="en-US" sz="1400" b="0" i="0" u="none" strike="noStrike" cap="none" normalizeH="0" baseline="0" smtClean="0">
+              <a:ln>
+                <a:noFill/>
+              </a:ln>
+              <a:solidFill>
+                <a:schemeClr val="tx1"/>
+              </a:solidFill>
+              <a:effectLst/>
+              <a:latin typeface="Arial" pitchFamily="34" charset="0"/>
+            </a:endParaRPr>
+          </a:p>
+        </p:txBody>
+      </p:sp>
+    </p:spTree>
+    <p:extLst>
+      <p:ext uri="{BB962C8B-B14F-4D97-AF65-F5344CB8AC3E}">
+        <p14:creationId xmlns:p14="http://schemas.microsoft.com/office/powerpoint/2010/main" val="1205147992"/>
+      </p:ext>
+    </p:extLst>
+  </p:cSld>
+  <p:clrMapOvr>
+    <a:masterClrMapping/>
+  </p:clrMapOvr>
+</p:sld>
+</file>
+
+<file path=ppt/slides/slide12.xml><?xml version="1.0" encoding="utf-8"?>
+<p:sld xmlns:a="http://schemas.openxmlformats.org/drawingml/2006/main" xmlns:r="http://schemas.openxmlformats.org/officeDocument/2006/relationships" xmlns:p="http://schemas.openxmlformats.org/presentationml/2006/main" showMasterSp="0">
+  <p:cSld>
+    <p:spTree>
+      <p:nvGrpSpPr>
+        <p:cNvPr id="1" name=""/>
+        <p:cNvGrpSpPr/>
+        <p:nvPr/>
+      </p:nvGrpSpPr>
+      <p:grpSpPr>
+        <a:xfrm>
+          <a:off x="0" y="0"/>
+          <a:ext cx="0" cy="0"/>
+          <a:chOff x="0" y="0"/>
+          <a:chExt cx="0" cy="0"/>
+        </a:xfrm>
+      </p:grpSpPr>
+      <p:sp>
+        <p:nvSpPr>
+          <p:cNvPr id="4" name="Slide Number Placeholder 3"/>
+          <p:cNvSpPr>
+            <a:spLocks noGrp="1"/>
+          </p:cNvSpPr>
+          <p:nvPr>
+            <p:ph type="sldNum" sz="quarter" idx="10"/>
+          </p:nvPr>
+        </p:nvSpPr>
+        <p:spPr/>
+        <p:txBody>
+          <a:bodyPr/>
+          <a:lstStyle/>
+          <a:p>
+            <a:pPr>
+              <a:defRPr/>
+            </a:pPr>
+            <a:fld id="{62D6D4B2-7611-498F-8780-1EDC26277454}" type="slidenum">
+              <a:rPr lang="en-US" smtClean="0">
+                <a:solidFill>
+                  <a:srgbClr val="000000"/>
+                </a:solidFill>
+              </a:rPr>
+              <a:pPr>
+                <a:defRPr/>
+              </a:pPr>
+              <a:t>12</a:t>
+            </a:fld>
+            <a:endParaRPr lang="en-US" dirty="0">
+              <a:solidFill>
+                <a:srgbClr val="000000"/>
+              </a:solidFill>
+            </a:endParaRPr>
+          </a:p>
+        </p:txBody>
+      </p:sp>
+      <p:sp>
+        <p:nvSpPr>
+          <p:cNvPr id="5" name="Date Placeholder 4"/>
+          <p:cNvSpPr>
+            <a:spLocks noGrp="1"/>
+          </p:cNvSpPr>
+          <p:nvPr>
+            <p:ph type="dt" sz="half" idx="11"/>
+          </p:nvPr>
+        </p:nvSpPr>
+        <p:spPr/>
+        <p:txBody>
+          <a:bodyPr/>
+          <a:lstStyle/>
+          <a:p>
+            <a:pPr fontAlgn="auto">
+              <a:spcBef>
+                <a:spcPts val="0"/>
+              </a:spcBef>
+              <a:spcAft>
+                <a:spcPts val="0"/>
+              </a:spcAft>
+              <a:defRPr/>
+            </a:pPr>
+            <a:endParaRPr lang="en-US" sz="1800" smtClean="0">
+              <a:solidFill>
+                <a:srgbClr val="000000"/>
+              </a:solidFill>
+            </a:endParaRPr>
+          </a:p>
+          <a:p>
+            <a:pPr fontAlgn="auto">
+              <a:spcBef>
+                <a:spcPts val="0"/>
+              </a:spcBef>
+              <a:spcAft>
+                <a:spcPts val="0"/>
+              </a:spcAft>
+              <a:defRPr/>
+            </a:pPr>
+            <a:fld id="{D957A480-45FD-4E4A-ABAC-1E7EB071E91C}" type="datetime3">
+              <a:rPr lang="en-US" sz="1800" smtClean="0">
+                <a:solidFill>
+                  <a:srgbClr val="000000"/>
+                </a:solidFill>
+              </a:rPr>
+              <a:pPr fontAlgn="auto">
+                <a:spcBef>
+                  <a:spcPts val="0"/>
+                </a:spcBef>
+                <a:spcAft>
+                  <a:spcPts val="0"/>
+                </a:spcAft>
+                <a:defRPr/>
+              </a:pPr>
+              <a:t>8 March 2021</a:t>
+            </a:fld>
+            <a:endParaRPr lang="en-US" sz="1800">
+              <a:solidFill>
+                <a:srgbClr val="000000"/>
+              </a:solidFill>
+            </a:endParaRPr>
+          </a:p>
+        </p:txBody>
+      </p:sp>
+    </p:spTree>
+    <p:extLst>
+      <p:ext uri="{BB962C8B-B14F-4D97-AF65-F5344CB8AC3E}">
+        <p14:creationId xmlns:p14="http://schemas.microsoft.com/office/powerpoint/2010/main" val="2323142120"/>
+      </p:ext>
+    </p:extLst>
+  </p:cSld>
+  <p:clrMapOvr>
+    <a:masterClrMapping/>
+  </p:clrMapOvr>
+</p:sld>
+</file>
+
+<file path=ppt/slides/slide13.xml><?xml version="1.0" encoding="utf-8"?>
+<p:sld xmlns:a="http://schemas.openxmlformats.org/drawingml/2006/main" xmlns:r="http://schemas.openxmlformats.org/officeDocument/2006/relationships" xmlns:p="http://schemas.openxmlformats.org/presentationml/2006/main" showMasterSp="0">
+  <p:cSld>
+    <p:spTree>
+      <p:nvGrpSpPr>
+        <p:cNvPr id="1" name=""/>
+        <p:cNvGrpSpPr/>
+        <p:nvPr/>
+      </p:nvGrpSpPr>
+      <p:grpSpPr>
+        <a:xfrm>
+          <a:off x="0" y="0"/>
+          <a:ext cx="0" cy="0"/>
+          <a:chOff x="0" y="0"/>
+          <a:chExt cx="0" cy="0"/>
+        </a:xfrm>
+      </p:grpSpPr>
+      <p:sp>
+        <p:nvSpPr>
+          <p:cNvPr id="4" name="Slide Number Placeholder 3"/>
+          <p:cNvSpPr>
+            <a:spLocks noGrp="1"/>
+          </p:cNvSpPr>
+          <p:nvPr>
+            <p:ph type="sldNum" sz="quarter" idx="10"/>
+          </p:nvPr>
+        </p:nvSpPr>
+        <p:spPr/>
+        <p:txBody>
+          <a:bodyPr/>
+          <a:lstStyle/>
+          <a:p>
+            <a:pPr>
+              <a:defRPr/>
+            </a:pPr>
+            <a:fld id="{62D6D4B2-7611-498F-8780-1EDC26277454}" type="slidenum">
+              <a:rPr lang="en-US" smtClean="0">
+                <a:solidFill>
+                  <a:srgbClr val="000000"/>
+                </a:solidFill>
+              </a:rPr>
+              <a:pPr>
+                <a:defRPr/>
+              </a:pPr>
+              <a:t>13</a:t>
+            </a:fld>
+            <a:endParaRPr lang="en-US" dirty="0">
+              <a:solidFill>
+                <a:srgbClr val="000000"/>
+              </a:solidFill>
+            </a:endParaRPr>
+          </a:p>
+        </p:txBody>
+      </p:sp>
+      <p:sp>
+        <p:nvSpPr>
+          <p:cNvPr id="5" name="Date Placeholder 4"/>
+          <p:cNvSpPr>
+            <a:spLocks noGrp="1"/>
+          </p:cNvSpPr>
+          <p:nvPr>
+            <p:ph type="dt" sz="half" idx="11"/>
+          </p:nvPr>
+        </p:nvSpPr>
+        <p:spPr/>
+        <p:txBody>
+          <a:bodyPr/>
+          <a:lstStyle/>
+          <a:p>
+            <a:pPr fontAlgn="auto">
+              <a:spcBef>
+                <a:spcPts val="0"/>
+              </a:spcBef>
+              <a:spcAft>
+                <a:spcPts val="0"/>
+              </a:spcAft>
+              <a:defRPr/>
+            </a:pPr>
+            <a:endParaRPr lang="en-US" sz="1800" smtClean="0">
+              <a:solidFill>
+                <a:srgbClr val="000000"/>
+              </a:solidFill>
+            </a:endParaRPr>
+          </a:p>
+          <a:p>
+            <a:pPr fontAlgn="auto">
+              <a:spcBef>
+                <a:spcPts val="0"/>
+              </a:spcBef>
+              <a:spcAft>
+                <a:spcPts val="0"/>
+              </a:spcAft>
+              <a:defRPr/>
+            </a:pPr>
+            <a:fld id="{D957A480-45FD-4E4A-ABAC-1E7EB071E91C}" type="datetime3">
+              <a:rPr lang="en-US" sz="1800" smtClean="0">
+                <a:solidFill>
+                  <a:srgbClr val="000000"/>
+                </a:solidFill>
+              </a:rPr>
+              <a:pPr fontAlgn="auto">
+                <a:spcBef>
+                  <a:spcPts val="0"/>
+                </a:spcBef>
+                <a:spcAft>
+                  <a:spcPts val="0"/>
+                </a:spcAft>
+                <a:defRPr/>
+              </a:pPr>
+              <a:t>8 March 2021</a:t>
+            </a:fld>
+            <a:endParaRPr lang="en-US" sz="1800">
+              <a:solidFill>
+                <a:srgbClr val="000000"/>
+              </a:solidFill>
+            </a:endParaRPr>
+          </a:p>
+        </p:txBody>
+      </p:sp>
+      <p:pic>
+        <p:nvPicPr>
+          <p:cNvPr id="2" name="Picture 1"/>
+          <p:cNvPicPr>
+            <a:picLocks noChangeAspect="1"/>
+          </p:cNvPicPr>
+          <p:nvPr/>
+        </p:nvPicPr>
+        <p:blipFill>
+          <a:blip r:embed="rId2"/>
+          <a:stretch>
+            <a:fillRect/>
+          </a:stretch>
+        </p:blipFill>
+        <p:spPr>
+          <a:xfrm>
+            <a:off x="95250" y="282742"/>
+            <a:ext cx="9030541" cy="5374953"/>
+          </a:xfrm>
+          <a:prstGeom prst="rect">
+            <a:avLst/>
+          </a:prstGeom>
+        </p:spPr>
+      </p:pic>
+    </p:spTree>
+    <p:extLst>
+      <p:ext uri="{BB962C8B-B14F-4D97-AF65-F5344CB8AC3E}">
+        <p14:creationId xmlns:p14="http://schemas.microsoft.com/office/powerpoint/2010/main" val="2224609640"/>
+      </p:ext>
+    </p:extLst>
+  </p:cSld>
+  <p:clrMapOvr>
+    <a:masterClrMapping/>
+  </p:clrMapOvr>
+</p:sld>
+</file>
+
+<file path=ppt/slides/slide14.xml><?xml version="1.0" encoding="utf-8"?>
+<p:sld xmlns:a="http://schemas.openxmlformats.org/drawingml/2006/main" xmlns:r="http://schemas.openxmlformats.org/officeDocument/2006/relationships" xmlns:p="http://schemas.openxmlformats.org/presentationml/2006/main" showMasterSp="0">
+  <p:cSld>
+    <p:spTree>
+      <p:nvGrpSpPr>
+        <p:cNvPr id="1" name=""/>
+        <p:cNvGrpSpPr/>
+        <p:nvPr/>
+      </p:nvGrpSpPr>
+      <p:grpSpPr>
+        <a:xfrm>
+          <a:off x="0" y="0"/>
+          <a:ext cx="0" cy="0"/>
+          <a:chOff x="0" y="0"/>
+          <a:chExt cx="0" cy="0"/>
+        </a:xfrm>
+      </p:grpSpPr>
+      <p:sp>
+        <p:nvSpPr>
+          <p:cNvPr id="4" name="Slide Number Placeholder 3"/>
+          <p:cNvSpPr>
+            <a:spLocks noGrp="1"/>
+          </p:cNvSpPr>
+          <p:nvPr>
+            <p:ph type="sldNum" sz="quarter" idx="10"/>
+          </p:nvPr>
+        </p:nvSpPr>
+        <p:spPr/>
+        <p:txBody>
+          <a:bodyPr/>
+          <a:lstStyle/>
+          <a:p>
+            <a:pPr>
+              <a:defRPr/>
+            </a:pPr>
+            <a:fld id="{62D6D4B2-7611-498F-8780-1EDC26277454}" type="slidenum">
+              <a:rPr lang="en-US" smtClean="0">
+                <a:solidFill>
+                  <a:srgbClr val="000000"/>
+                </a:solidFill>
+              </a:rPr>
+              <a:pPr>
+                <a:defRPr/>
+              </a:pPr>
+              <a:t>14</a:t>
+            </a:fld>
+            <a:endParaRPr lang="en-US" dirty="0">
+              <a:solidFill>
+                <a:srgbClr val="000000"/>
+              </a:solidFill>
+            </a:endParaRPr>
+          </a:p>
+        </p:txBody>
+      </p:sp>
+      <p:sp>
+        <p:nvSpPr>
+          <p:cNvPr id="5" name="Date Placeholder 4"/>
+          <p:cNvSpPr>
+            <a:spLocks noGrp="1"/>
+          </p:cNvSpPr>
+          <p:nvPr>
+            <p:ph type="dt" sz="half" idx="11"/>
+          </p:nvPr>
+        </p:nvSpPr>
+        <p:spPr/>
+        <p:txBody>
+          <a:bodyPr/>
+          <a:lstStyle/>
+          <a:p>
+            <a:pPr fontAlgn="auto">
+              <a:spcBef>
+                <a:spcPts val="0"/>
+              </a:spcBef>
+              <a:spcAft>
+                <a:spcPts val="0"/>
+              </a:spcAft>
+              <a:defRPr/>
+            </a:pPr>
+            <a:endParaRPr lang="en-US" sz="1800" smtClean="0">
+              <a:solidFill>
+                <a:srgbClr val="000000"/>
+              </a:solidFill>
+            </a:endParaRPr>
+          </a:p>
+          <a:p>
+            <a:pPr fontAlgn="auto">
+              <a:spcBef>
+                <a:spcPts val="0"/>
+              </a:spcBef>
+              <a:spcAft>
+                <a:spcPts val="0"/>
+              </a:spcAft>
+              <a:defRPr/>
+            </a:pPr>
+            <a:fld id="{D957A480-45FD-4E4A-ABAC-1E7EB071E91C}" type="datetime3">
+              <a:rPr lang="en-US" sz="1800" smtClean="0">
+                <a:solidFill>
+                  <a:srgbClr val="000000"/>
+                </a:solidFill>
+              </a:rPr>
+              <a:pPr fontAlgn="auto">
+                <a:spcBef>
+                  <a:spcPts val="0"/>
+                </a:spcBef>
+                <a:spcAft>
+                  <a:spcPts val="0"/>
+                </a:spcAft>
+                <a:defRPr/>
+              </a:pPr>
+              <a:t>8 March 2021</a:t>
+            </a:fld>
+            <a:endParaRPr lang="en-US" sz="1800">
+              <a:solidFill>
+                <a:srgbClr val="000000"/>
+              </a:solidFill>
+            </a:endParaRPr>
+          </a:p>
+        </p:txBody>
+      </p:sp>
+    </p:spTree>
+    <p:extLst>
+      <p:ext uri="{BB962C8B-B14F-4D97-AF65-F5344CB8AC3E}">
+        <p14:creationId xmlns:p14="http://schemas.microsoft.com/office/powerpoint/2010/main" val="688406408"/>
+      </p:ext>
+    </p:extLst>
+  </p:cSld>
+  <p:clrMapOvr>
+    <a:masterClrMapping/>
+  </p:clrMapOvr>
+</p:sld>
+</file>
+
+<file path=ppt/slides/slide15.xml><?xml version="1.0" encoding="utf-8"?>
+<p:sld xmlns:a="http://schemas.openxmlformats.org/drawingml/2006/main" xmlns:r="http://schemas.openxmlformats.org/officeDocument/2006/relationships" xmlns:p="http://schemas.openxmlformats.org/presentationml/2006/main" showMasterSp="0">
+  <p:cSld>
+    <p:spTree>
+      <p:nvGrpSpPr>
+        <p:cNvPr id="1" name=""/>
+        <p:cNvGrpSpPr/>
+        <p:nvPr/>
+      </p:nvGrpSpPr>
+      <p:grpSpPr>
+        <a:xfrm>
+          <a:off x="0" y="0"/>
+          <a:ext cx="0" cy="0"/>
+          <a:chOff x="0" y="0"/>
+          <a:chExt cx="0" cy="0"/>
+        </a:xfrm>
+      </p:grpSpPr>
+      <p:sp>
+        <p:nvSpPr>
+          <p:cNvPr id="4" name="Slide Number Placeholder 3"/>
+          <p:cNvSpPr>
+            <a:spLocks noGrp="1"/>
+          </p:cNvSpPr>
+          <p:nvPr>
+            <p:ph type="sldNum" sz="quarter" idx="10"/>
+          </p:nvPr>
+        </p:nvSpPr>
+        <p:spPr/>
+        <p:txBody>
+          <a:bodyPr/>
+          <a:lstStyle/>
+          <a:p>
+            <a:pPr>
+              <a:defRPr/>
+            </a:pPr>
+            <a:fld id="{62D6D4B2-7611-498F-8780-1EDC26277454}" type="slidenum">
+              <a:rPr lang="en-US" smtClean="0">
+                <a:solidFill>
+                  <a:srgbClr val="000000"/>
+                </a:solidFill>
+              </a:rPr>
+              <a:pPr>
+                <a:defRPr/>
+              </a:pPr>
+              <a:t>15</a:t>
+            </a:fld>
+            <a:endParaRPr lang="en-US" dirty="0">
+              <a:solidFill>
+                <a:srgbClr val="000000"/>
+              </a:solidFill>
+            </a:endParaRPr>
+          </a:p>
+        </p:txBody>
+      </p:sp>
+      <p:sp>
+        <p:nvSpPr>
+          <p:cNvPr id="5" name="Date Placeholder 4"/>
+          <p:cNvSpPr>
+            <a:spLocks noGrp="1"/>
+          </p:cNvSpPr>
+          <p:nvPr>
+            <p:ph type="dt" sz="half" idx="11"/>
+          </p:nvPr>
+        </p:nvSpPr>
+        <p:spPr/>
+        <p:txBody>
+          <a:bodyPr/>
+          <a:lstStyle/>
+          <a:p>
+            <a:pPr fontAlgn="auto">
+              <a:spcBef>
+                <a:spcPts val="0"/>
+              </a:spcBef>
+              <a:spcAft>
+                <a:spcPts val="0"/>
+              </a:spcAft>
+              <a:defRPr/>
+            </a:pPr>
+            <a:endParaRPr lang="en-US" sz="1800" smtClean="0">
+              <a:solidFill>
+                <a:srgbClr val="000000"/>
+              </a:solidFill>
+            </a:endParaRPr>
+          </a:p>
+          <a:p>
+            <a:pPr fontAlgn="auto">
+              <a:spcBef>
+                <a:spcPts val="0"/>
+              </a:spcBef>
+              <a:spcAft>
+                <a:spcPts val="0"/>
+              </a:spcAft>
+              <a:defRPr/>
+            </a:pPr>
+            <a:fld id="{D957A480-45FD-4E4A-ABAC-1E7EB071E91C}" type="datetime3">
+              <a:rPr lang="en-US" sz="1800" smtClean="0">
+                <a:solidFill>
+                  <a:srgbClr val="000000"/>
+                </a:solidFill>
+              </a:rPr>
+              <a:pPr fontAlgn="auto">
+                <a:spcBef>
+                  <a:spcPts val="0"/>
+                </a:spcBef>
+                <a:spcAft>
+                  <a:spcPts val="0"/>
+                </a:spcAft>
+                <a:defRPr/>
+              </a:pPr>
+              <a:t>8 March 2021</a:t>
+            </a:fld>
+            <a:endParaRPr lang="en-US" sz="1800">
+              <a:solidFill>
+                <a:srgbClr val="000000"/>
+              </a:solidFill>
+            </a:endParaRPr>
+          </a:p>
+        </p:txBody>
+      </p:sp>
+      <p:pic>
+        <p:nvPicPr>
+          <p:cNvPr id="2" name="Picture 1"/>
+          <p:cNvPicPr>
+            <a:picLocks noChangeAspect="1"/>
+          </p:cNvPicPr>
+          <p:nvPr/>
+        </p:nvPicPr>
+        <p:blipFill>
+          <a:blip r:embed="rId2"/>
+          <a:stretch>
+            <a:fillRect/>
+          </a:stretch>
+        </p:blipFill>
+        <p:spPr>
+          <a:xfrm>
+            <a:off x="0" y="0"/>
+            <a:ext cx="8458200" cy="6889792"/>
+          </a:xfrm>
+          <a:prstGeom prst="rect">
+            <a:avLst/>
+          </a:prstGeom>
+        </p:spPr>
+      </p:pic>
+      <p:sp>
+        <p:nvSpPr>
+          <p:cNvPr id="3" name="Rectangle 2"/>
+          <p:cNvSpPr/>
+          <p:nvPr/>
+        </p:nvSpPr>
+        <p:spPr bwMode="auto">
+          <a:xfrm>
+            <a:off x="1" y="0"/>
+            <a:ext cx="2003258" cy="4788568"/>
+          </a:xfrm>
+          <a:prstGeom prst="rect">
+            <a:avLst/>
+          </a:prstGeom>
+          <a:solidFill>
+            <a:schemeClr val="bg1"/>
+          </a:solidFill>
+          <a:ln w="12700" cap="flat" cmpd="sng" algn="ctr">
+            <a:solidFill>
+              <a:schemeClr val="bg1"/>
+            </a:solidFill>
+            <a:prstDash val="solid"/>
+            <a:round/>
+            <a:headEnd type="none" w="med" len="med"/>
+            <a:tailEnd type="none" w="med" len="med"/>
+          </a:ln>
+          <a:effectLst/>
+        </p:spPr>
+        <p:txBody>
+          <a:bodyPr vert="horz" wrap="square" lIns="91440" tIns="45720" rIns="91440" bIns="45720" numCol="1" rtlCol="0" anchor="t" anchorCtr="0" compatLnSpc="1">
+            <a:prstTxWarp prst="textNoShape">
+              <a:avLst/>
+            </a:prstTxWarp>
+          </a:bodyPr>
+          <a:lstStyle/>
+          <a:p>
+            <a:pPr marL="0" marR="0" indent="0" algn="ctr" defTabSz="914400" rtl="0" eaLnBrk="0" fontAlgn="base" latinLnBrk="0" hangingPunct="0">
+              <a:lnSpc>
+                <a:spcPct val="100000"/>
+              </a:lnSpc>
+              <a:spcBef>
+                <a:spcPct val="0"/>
+              </a:spcBef>
+              <a:spcAft>
+                <a:spcPct val="0"/>
+              </a:spcAft>
+              <a:buClrTx/>
+              <a:buSzTx/>
+              <a:buFontTx/>
+              <a:buNone/>
+              <a:tabLst/>
+            </a:pPr>
+            <a:endParaRPr kumimoji="0" lang="en-US" sz="1400" b="0" i="0" u="none" strike="noStrike" cap="none" normalizeH="0" baseline="0" smtClean="0">
+              <a:ln>
+                <a:noFill/>
+              </a:ln>
+              <a:solidFill>
+                <a:schemeClr val="tx1"/>
+              </a:solidFill>
+              <a:effectLst/>
+              <a:latin typeface="Arial" pitchFamily="34" charset="0"/>
+            </a:endParaRPr>
+          </a:p>
+        </p:txBody>
+      </p:sp>
+    </p:spTree>
+    <p:extLst>
+      <p:ext uri="{BB962C8B-B14F-4D97-AF65-F5344CB8AC3E}">
+        <p14:creationId xmlns:p14="http://schemas.microsoft.com/office/powerpoint/2010/main" val="4039301504"/>
+      </p:ext>
+    </p:extLst>
+  </p:cSld>
+  <p:clrMapOvr>
+    <a:masterClrMapping/>
+  </p:clrMapOvr>
+</p:sld>
+</file>
+
+<file path=ppt/slides/slide16.xml><?xml version="1.0" encoding="utf-8"?>
 <p:sld xmlns:a="http://schemas.openxmlformats.org/drawingml/2006/main" xmlns:r="http://schemas.openxmlformats.org/officeDocument/2006/relationships" xmlns:p="http://schemas.openxmlformats.org/presentationml/2006/main">
   <p:cSld>
     <p:spTree>
@@ -9074,6 +10071,211 @@
             </a:r>
             <a:r>
               <a:rPr lang="en-US" dirty="0" smtClean="0"/>
+              <a:t>UART Note</a:t>
+            </a:r>
+            <a:endParaRPr lang="en-US" dirty="0"/>
+          </a:p>
+        </p:txBody>
+      </p:sp>
+      <p:sp>
+        <p:nvSpPr>
+          <p:cNvPr id="4" name="Content Placeholder 3"/>
+          <p:cNvSpPr>
+            <a:spLocks noGrp="1"/>
+          </p:cNvSpPr>
+          <p:nvPr>
+            <p:ph idx="1"/>
+          </p:nvPr>
+        </p:nvSpPr>
+        <p:spPr>
+          <a:xfrm>
+            <a:off x="581736" y="1523052"/>
+            <a:ext cx="8131175" cy="4324350"/>
+          </a:xfrm>
+        </p:spPr>
+        <p:txBody>
+          <a:bodyPr/>
+          <a:lstStyle/>
+          <a:p>
+            <a:r>
+              <a:rPr lang="en-US" dirty="0"/>
+              <a:t>Note:</a:t>
+            </a:r>
+            <a:r>
+              <a:rPr lang="en-US" b="0" dirty="0"/>
+              <a:t> In your program, you may want to check if the users has hit the key on the keyboard without having to </a:t>
+            </a:r>
+            <a:r>
+              <a:rPr lang="en-US" b="0" dirty="0" smtClean="0"/>
+              <a:t>actually </a:t>
+            </a:r>
+            <a:r>
+              <a:rPr lang="en-US" b="0" dirty="0"/>
+              <a:t>read the key. For these cases the following command will prove useful. Note that "</a:t>
+            </a:r>
+            <a:r>
+              <a:rPr lang="en-US" b="0" dirty="0" err="1"/>
+              <a:t>uartRecReg</a:t>
+            </a:r>
+            <a:r>
+              <a:rPr lang="en-US" b="0" dirty="0"/>
+              <a:t>" is a constant, the address of the </a:t>
+            </a:r>
+            <a:r>
+              <a:rPr lang="en-US" b="0" dirty="0" err="1"/>
+              <a:t>uart</a:t>
+            </a:r>
+            <a:r>
+              <a:rPr lang="en-US" b="0" dirty="0" smtClean="0"/>
+              <a:t>.</a:t>
+            </a:r>
+          </a:p>
+          <a:p>
+            <a:pPr marL="0" indent="0">
+              <a:buNone/>
+            </a:pPr>
+            <a:r>
+              <a:rPr lang="en-US" dirty="0"/>
+              <a:t/>
+            </a:r>
+            <a:br>
+              <a:rPr lang="en-US" dirty="0"/>
+            </a:br>
+            <a:r>
+              <a:rPr lang="en-US" dirty="0" smtClean="0"/>
+              <a:t>	</a:t>
+            </a:r>
+            <a:r>
+              <a:rPr lang="en-US" dirty="0" err="1" smtClean="0"/>
+              <a:t>XUartLite_IsReceiveEmpty</a:t>
+            </a:r>
+            <a:r>
+              <a:rPr lang="en-US" dirty="0" smtClean="0"/>
+              <a:t>(</a:t>
+            </a:r>
+            <a:r>
+              <a:rPr lang="en-US" dirty="0" err="1" smtClean="0"/>
+              <a:t>uartRecReg</a:t>
+            </a:r>
+            <a:r>
+              <a:rPr lang="en-US" dirty="0"/>
+              <a:t>);</a:t>
+            </a:r>
+            <a:endParaRPr lang="en-US" b="0" dirty="0"/>
+          </a:p>
+        </p:txBody>
+      </p:sp>
+      <p:sp>
+        <p:nvSpPr>
+          <p:cNvPr id="6" name="Slide Number Placeholder 3"/>
+          <p:cNvSpPr>
+            <a:spLocks noGrp="1"/>
+          </p:cNvSpPr>
+          <p:nvPr>
+            <p:ph type="sldNum" sz="quarter" idx="10"/>
+          </p:nvPr>
+        </p:nvSpPr>
+        <p:spPr>
+          <a:xfrm>
+            <a:off x="6942160" y="6381750"/>
+            <a:ext cx="2133600" cy="476250"/>
+          </a:xfrm>
+        </p:spPr>
+        <p:txBody>
+          <a:bodyPr/>
+          <a:lstStyle/>
+          <a:p>
+            <a:pPr>
+              <a:defRPr/>
+            </a:pPr>
+            <a:fld id="{62D6D4B2-7611-498F-8780-1EDC26277454}" type="slidenum">
+              <a:rPr lang="en-US" smtClean="0">
+                <a:solidFill>
+                  <a:srgbClr val="000000"/>
+                </a:solidFill>
+              </a:rPr>
+              <a:pPr>
+                <a:defRPr/>
+              </a:pPr>
+              <a:t>16</a:t>
+            </a:fld>
+            <a:endParaRPr lang="en-US" dirty="0">
+              <a:solidFill>
+                <a:srgbClr val="000000"/>
+              </a:solidFill>
+            </a:endParaRPr>
+          </a:p>
+        </p:txBody>
+      </p:sp>
+    </p:spTree>
+    <p:custDataLst>
+      <p:tags r:id="rId1"/>
+    </p:custDataLst>
+    <p:extLst>
+      <p:ext uri="{BB962C8B-B14F-4D97-AF65-F5344CB8AC3E}">
+        <p14:creationId xmlns:p14="http://schemas.microsoft.com/office/powerpoint/2010/main" val="105213148"/>
+      </p:ext>
+    </p:extLst>
+  </p:cSld>
+  <p:clrMapOvr>
+    <a:masterClrMapping/>
+  </p:clrMapOvr>
+  <p:timing>
+    <p:tnLst>
+      <p:par>
+        <p:cTn id="1" dur="indefinite" restart="never" nodeType="tmRoot"/>
+      </p:par>
+    </p:tnLst>
+  </p:timing>
+</p:sld>
+</file>
+
+<file path=ppt/slides/slide17.xml><?xml version="1.0" encoding="utf-8"?>
+<p:sld xmlns:a="http://schemas.openxmlformats.org/drawingml/2006/main" xmlns:r="http://schemas.openxmlformats.org/officeDocument/2006/relationships" xmlns:p="http://schemas.openxmlformats.org/presentationml/2006/main">
+  <p:cSld>
+    <p:spTree>
+      <p:nvGrpSpPr>
+        <p:cNvPr id="1" name=""/>
+        <p:cNvGrpSpPr/>
+        <p:nvPr/>
+      </p:nvGrpSpPr>
+      <p:grpSpPr>
+        <a:xfrm>
+          <a:off x="0" y="0"/>
+          <a:ext cx="0" cy="0"/>
+          <a:chOff x="0" y="0"/>
+          <a:chExt cx="0" cy="0"/>
+        </a:xfrm>
+      </p:grpSpPr>
+      <p:sp>
+        <p:nvSpPr>
+          <p:cNvPr id="2" name="Title 1"/>
+          <p:cNvSpPr>
+            <a:spLocks noGrp="1"/>
+          </p:cNvSpPr>
+          <p:nvPr>
+            <p:ph type="title"/>
+          </p:nvPr>
+        </p:nvSpPr>
+        <p:spPr/>
+        <p:txBody>
+          <a:bodyPr/>
+          <a:lstStyle/>
+          <a:p>
+            <a:r>
+              <a:rPr lang="en-US" dirty="0"/>
+              <a:t>Lab </a:t>
+            </a:r>
+            <a:r>
+              <a:rPr lang="en-US" dirty="0" smtClean="0"/>
+              <a:t>3 </a:t>
+            </a:r>
+            <a:r>
+              <a:rPr lang="en-US" dirty="0"/>
+              <a:t>– </a:t>
+            </a:r>
+            <a:r>
+              <a:rPr lang="en-US" dirty="0" smtClean="0"/>
               <a:t>Hardware</a:t>
             </a:r>
             <a:endParaRPr lang="en-US" dirty="0"/>
@@ -9090,7 +10292,7 @@
         </p:nvSpPr>
         <p:spPr bwMode="auto">
           <a:xfrm>
-            <a:off x="581736" y="1523052"/>
+            <a:off x="561975" y="1355252"/>
             <a:ext cx="8131175" cy="4324350"/>
           </a:xfrm>
           <a:prstGeom prst="rect">
@@ -9296,28 +10498,20 @@
           </a:lstStyle>
           <a:p>
             <a:r>
-              <a:rPr lang="en-US" b="0" dirty="0"/>
-              <a:t>With the </a:t>
-            </a:r>
-            <a:r>
-              <a:rPr lang="en-US" b="0" dirty="0" smtClean="0"/>
-              <a:t>exception of </a:t>
-            </a:r>
-            <a:r>
-              <a:rPr lang="en-US" b="0" dirty="0"/>
-              <a:t>the following engineering change orders (ECO) in the table below, the hardware you developed in lab2 will be unchanged. For the following ECO, please refer to the high-level architecture in </a:t>
-            </a:r>
-            <a:r>
-              <a:rPr lang="en-US" b="0" dirty="0">
-                <a:hlinkClick r:id="rId2"/>
+              <a:rPr lang="en-US" sz="2000" b="0" dirty="0"/>
+              <a:t>With the expectation of the following engineering change orders (ECO) in the table below, the hardware you developed in lab2 will be unchanged. For the following ECO, please refer to the high-level architecture in </a:t>
+            </a:r>
+            <a:r>
+              <a:rPr lang="en-US" sz="2000" b="0" dirty="0">
+                <a:hlinkClick r:id="rId3"/>
               </a:rPr>
               <a:t>lab 2</a:t>
             </a:r>
             <a:r>
-              <a:rPr lang="en-US" b="0" dirty="0"/>
+              <a:rPr lang="en-US" sz="2000" b="0" dirty="0"/>
               <a:t>.</a:t>
             </a:r>
-            <a:endParaRPr lang="en-US" b="0" kern="0" dirty="0"/>
+            <a:endParaRPr lang="en-US" sz="2000" b="0" kern="0" dirty="0"/>
           </a:p>
         </p:txBody>
       </p:sp>
@@ -9331,24 +10525,36 @@
             <p:ph idx="1"/>
             <p:extLst>
               <p:ext uri="{D42A27DB-BD31-4B8C-83A1-F6EECF244321}">
-                <p14:modId xmlns:p14="http://schemas.microsoft.com/office/powerpoint/2010/main" val="1057756426"/>
+                <p14:modId xmlns:p14="http://schemas.microsoft.com/office/powerpoint/2010/main" val="2608764432"/>
               </p:ext>
             </p:extLst>
           </p:nvPr>
         </p:nvGraphicFramePr>
         <p:xfrm>
-          <a:off x="581736" y="3167955"/>
-          <a:ext cx="8131174" cy="3157659"/>
+          <a:off x="439694" y="2654483"/>
+          <a:ext cx="8131174" cy="3025119"/>
         </p:xfrm>
         <a:graphic>
           <a:graphicData uri="http://schemas.openxmlformats.org/drawingml/2006/table">
             <a:tbl>
               <a:tblPr/>
               <a:tblGrid>
-                <a:gridCol w="1096939"/>
-                <a:gridCol w="7034235"/>
+                <a:gridCol w="1096939">
+                  <a:extLst>
+                    <a:ext uri="{9D8B030D-6E8A-4147-A177-3AD203B41FA5}">
+                      <a16:colId xmlns:a16="http://schemas.microsoft.com/office/drawing/2014/main" val="20000"/>
+                    </a:ext>
+                  </a:extLst>
+                </a:gridCol>
+                <a:gridCol w="7034235">
+                  <a:extLst>
+                    <a:ext uri="{9D8B030D-6E8A-4147-A177-3AD203B41FA5}">
+                      <a16:colId xmlns:a16="http://schemas.microsoft.com/office/drawing/2014/main" val="20001"/>
+                    </a:ext>
+                  </a:extLst>
+                </a:gridCol>
               </a:tblGrid>
-              <a:tr h="255969">
+              <a:tr h="281916">
                 <a:tc>
                   <a:txBody>
                     <a:bodyPr/>
@@ -9461,8 +10667,13 @@
                     </a:solidFill>
                   </a:tcPr>
                 </a:tc>
+                <a:extLst>
+                  <a:ext uri="{0D108BD9-81ED-4DB2-BD59-A6C34878D82A}">
+                    <a16:rowId xmlns:a16="http://schemas.microsoft.com/office/drawing/2014/main" val="10000"/>
+                  </a:ext>
+                </a:extLst>
               </a:tr>
-              <a:tr h="255969">
+              <a:tr h="281916">
                 <a:tc>
                   <a:txBody>
                     <a:bodyPr/>
@@ -9575,8 +10786,13 @@
                     </a:solidFill>
                   </a:tcPr>
                 </a:tc>
+                <a:extLst>
+                  <a:ext uri="{0D108BD9-81ED-4DB2-BD59-A6C34878D82A}">
+                    <a16:rowId xmlns:a16="http://schemas.microsoft.com/office/drawing/2014/main" val="10001"/>
+                  </a:ext>
+                </a:extLst>
               </a:tr>
-              <a:tr h="255969">
+              <a:tr h="281916">
                 <a:tc>
                   <a:txBody>
                     <a:bodyPr/>
@@ -9689,8 +10905,13 @@
                     </a:solidFill>
                   </a:tcPr>
                 </a:tc>
+                <a:extLst>
+                  <a:ext uri="{0D108BD9-81ED-4DB2-BD59-A6C34878D82A}">
+                    <a16:rowId xmlns:a16="http://schemas.microsoft.com/office/drawing/2014/main" val="10002"/>
+                  </a:ext>
+                </a:extLst>
               </a:tr>
-              <a:tr h="2259201">
+              <a:tr h="2126661">
                 <a:tc>
                   <a:txBody>
                     <a:bodyPr/>
@@ -9698,7 +10919,7 @@
                     <a:p>
                       <a:pPr algn="l" fontAlgn="t"/>
                       <a:r>
-                        <a:rPr lang="en-US" sz="1600">
+                        <a:rPr lang="en-US" sz="1600" dirty="0">
                           <a:effectLst/>
                         </a:rPr>
                         <a:t>Details:</a:t>
@@ -9938,6 +11159,11 @@
                     </a:solidFill>
                   </a:tcPr>
                 </a:tc>
+                <a:extLst>
+                  <a:ext uri="{0D108BD9-81ED-4DB2-BD59-A6C34878D82A}">
+                    <a16:rowId xmlns:a16="http://schemas.microsoft.com/office/drawing/2014/main" val="10003"/>
+                  </a:ext>
+                </a:extLst>
               </a:tr>
             </a:tbl>
           </a:graphicData>
@@ -9975,7 +11201,7 @@
               <a:pPr>
                 <a:defRPr/>
               </a:pPr>
-              <a:t>10</a:t>
+              <a:t>17</a:t>
             </a:fld>
             <a:endParaRPr lang="en-US" dirty="0">
               <a:solidFill>
@@ -9985,7 +11211,108 @@
           </a:p>
         </p:txBody>
       </p:sp>
+      <p:sp>
+        <p:nvSpPr>
+          <p:cNvPr id="3" name="TextBox 2"/>
+          <p:cNvSpPr txBox="1"/>
+          <p:nvPr/>
+        </p:nvSpPr>
+        <p:spPr>
+          <a:xfrm>
+            <a:off x="439694" y="5686391"/>
+            <a:ext cx="7674601" cy="707886"/>
+          </a:xfrm>
+          <a:prstGeom prst="rect">
+            <a:avLst/>
+          </a:prstGeom>
+          <a:noFill/>
+        </p:spPr>
+        <p:txBody>
+          <a:bodyPr wrap="none" rtlCol="0">
+            <a:spAutoFit/>
+          </a:bodyPr>
+          <a:lstStyle/>
+          <a:p>
+            <a:pPr>
+              <a:spcBef>
+                <a:spcPts val="0"/>
+              </a:spcBef>
+            </a:pPr>
+            <a:r>
+              <a:rPr lang="en-US" sz="2000" dirty="0" smtClean="0">
+                <a:solidFill>
+                  <a:srgbClr val="FF0000"/>
+                </a:solidFill>
+              </a:rPr>
+              <a:t>(</a:t>
+            </a:r>
+            <a:r>
+              <a:rPr lang="en-US" sz="2000" u="sng" dirty="0" smtClean="0">
+                <a:solidFill>
+                  <a:srgbClr val="FF0000"/>
+                </a:solidFill>
+              </a:rPr>
+              <a:t>or Option for 2021</a:t>
+            </a:r>
+            <a:r>
+              <a:rPr lang="en-US" sz="2000" dirty="0" smtClean="0">
+                <a:solidFill>
+                  <a:srgbClr val="FF0000"/>
+                </a:solidFill>
+              </a:rPr>
+              <a:t>: Keep lab 2 buttons, and input Trigger Volt and Time</a:t>
+            </a:r>
+          </a:p>
+          <a:p>
+            <a:pPr>
+              <a:spcBef>
+                <a:spcPts val="0"/>
+              </a:spcBef>
+            </a:pPr>
+            <a:r>
+              <a:rPr lang="en-US" sz="2000" dirty="0" smtClean="0">
+                <a:solidFill>
+                  <a:srgbClr val="FF0000"/>
+                </a:solidFill>
+              </a:rPr>
+              <a:t>Into </a:t>
+            </a:r>
+            <a:r>
+              <a:rPr lang="en-US" sz="2000" dirty="0" err="1" smtClean="0">
+                <a:solidFill>
+                  <a:srgbClr val="FF0000"/>
+                </a:solidFill>
+              </a:rPr>
+              <a:t>Microblaze</a:t>
+            </a:r>
+            <a:r>
+              <a:rPr lang="en-US" sz="2000" dirty="0" smtClean="0">
+                <a:solidFill>
+                  <a:srgbClr val="FF0000"/>
+                </a:solidFill>
+              </a:rPr>
+              <a:t> using </a:t>
+            </a:r>
+            <a:r>
+              <a:rPr lang="en-US" sz="2000" dirty="0" err="1" smtClean="0">
+                <a:solidFill>
+                  <a:srgbClr val="FF0000"/>
+                </a:solidFill>
+              </a:rPr>
+              <a:t>slv_regs</a:t>
+            </a:r>
+            <a:endParaRPr lang="en-US" sz="2000" dirty="0">
+              <a:solidFill>
+                <a:srgbClr val="FF0000"/>
+              </a:solidFill>
+            </a:endParaRPr>
+          </a:p>
+        </p:txBody>
+      </p:sp>
     </p:spTree>
+    <p:custDataLst>
+      <p:tags r:id="rId1"/>
+    </p:custDataLst>
     <p:extLst>
       <p:ext uri="{BB962C8B-B14F-4D97-AF65-F5344CB8AC3E}">
         <p14:creationId xmlns:p14="http://schemas.microsoft.com/office/powerpoint/2010/main" val="4200378425"/>
@@ -10005,7 +11332,7 @@
 </p:sld>
 </file>
 
-<file path=ppt/slides/slide11.xml><?xml version="1.0" encoding="utf-8"?>
+<file path=ppt/slides/slide18.xml><?xml version="1.0" encoding="utf-8"?>
 <p:sld xmlns:a="http://schemas.openxmlformats.org/drawingml/2006/main" xmlns:r="http://schemas.openxmlformats.org/officeDocument/2006/relationships" xmlns:p="http://schemas.openxmlformats.org/presentationml/2006/main">
   <p:cSld>
     <p:spTree>
@@ -10340,7 +11667,7 @@
               <a:pPr>
                 <a:defRPr/>
               </a:pPr>
-              <a:t>11</a:t>
+              <a:t>18</a:t>
             </a:fld>
             <a:endParaRPr lang="en-US" dirty="0">
               <a:solidFill>
@@ -10359,7 +11686,7 @@
           <p:nvPr>
             <p:extLst>
               <p:ext uri="{D42A27DB-BD31-4B8C-83A1-F6EECF244321}">
-                <p14:modId xmlns:p14="http://schemas.microsoft.com/office/powerpoint/2010/main" val="1692523534"/>
+                <p14:modId xmlns:p14="http://schemas.microsoft.com/office/powerpoint/2010/main" val="2806063031"/>
               </p:ext>
             </p:extLst>
           </p:nvPr>
@@ -10373,8 +11700,20 @@
             <a:tbl>
               <a:tblPr/>
               <a:tblGrid>
-                <a:gridCol w="4065587"/>
-                <a:gridCol w="4065587"/>
+                <a:gridCol w="4065587">
+                  <a:extLst>
+                    <a:ext uri="{9D8B030D-6E8A-4147-A177-3AD203B41FA5}">
+                      <a16:colId xmlns:a16="http://schemas.microsoft.com/office/drawing/2014/main" val="20000"/>
+                    </a:ext>
+                  </a:extLst>
+                </a:gridCol>
+                <a:gridCol w="4065587">
+                  <a:extLst>
+                    <a:ext uri="{9D8B030D-6E8A-4147-A177-3AD203B41FA5}">
+                      <a16:colId xmlns:a16="http://schemas.microsoft.com/office/drawing/2014/main" val="20001"/>
+                    </a:ext>
+                  </a:extLst>
+                </a:gridCol>
               </a:tblGrid>
               <a:tr h="255969">
                 <a:tc>
@@ -10510,6 +11849,11 @@
                     </a:solidFill>
                   </a:tcPr>
                 </a:tc>
+                <a:extLst>
+                  <a:ext uri="{0D108BD9-81ED-4DB2-BD59-A6C34878D82A}">
+                    <a16:rowId xmlns:a16="http://schemas.microsoft.com/office/drawing/2014/main" val="10000"/>
+                  </a:ext>
+                </a:extLst>
               </a:tr>
               <a:tr h="255969">
                 <a:tc>
@@ -10630,6 +11974,11 @@
                     </a:solidFill>
                   </a:tcPr>
                 </a:tc>
+                <a:extLst>
+                  <a:ext uri="{0D108BD9-81ED-4DB2-BD59-A6C34878D82A}">
+                    <a16:rowId xmlns:a16="http://schemas.microsoft.com/office/drawing/2014/main" val="10001"/>
+                  </a:ext>
+                </a:extLst>
               </a:tr>
               <a:tr h="255969">
                 <a:tc>
@@ -10747,6 +12096,11 @@
                     </a:solidFill>
                   </a:tcPr>
                 </a:tc>
+                <a:extLst>
+                  <a:ext uri="{0D108BD9-81ED-4DB2-BD59-A6C34878D82A}">
+                    <a16:rowId xmlns:a16="http://schemas.microsoft.com/office/drawing/2014/main" val="10002"/>
+                  </a:ext>
+                </a:extLst>
               </a:tr>
               <a:tr h="255969">
                 <a:tc>
@@ -10867,6 +12221,11 @@
                     </a:solidFill>
                   </a:tcPr>
                 </a:tc>
+                <a:extLst>
+                  <a:ext uri="{0D108BD9-81ED-4DB2-BD59-A6C34878D82A}">
+                    <a16:rowId xmlns:a16="http://schemas.microsoft.com/office/drawing/2014/main" val="10003"/>
+                  </a:ext>
+                </a:extLst>
               </a:tr>
               <a:tr h="255969">
                 <a:tc>
@@ -10999,6 +12358,11 @@
                     </a:solidFill>
                   </a:tcPr>
                 </a:tc>
+                <a:extLst>
+                  <a:ext uri="{0D108BD9-81ED-4DB2-BD59-A6C34878D82A}">
+                    <a16:rowId xmlns:a16="http://schemas.microsoft.com/office/drawing/2014/main" val="10004"/>
+                  </a:ext>
+                </a:extLst>
               </a:tr>
               <a:tr h="255969">
                 <a:tc>
@@ -11131,6 +12495,11 @@
                     </a:solidFill>
                   </a:tcPr>
                 </a:tc>
+                <a:extLst>
+                  <a:ext uri="{0D108BD9-81ED-4DB2-BD59-A6C34878D82A}">
+                    <a16:rowId xmlns:a16="http://schemas.microsoft.com/office/drawing/2014/main" val="10005"/>
+                  </a:ext>
+                </a:extLst>
               </a:tr>
               <a:tr h="255969">
                 <a:tc>
@@ -11251,6 +12620,11 @@
                     </a:solidFill>
                   </a:tcPr>
                 </a:tc>
+                <a:extLst>
+                  <a:ext uri="{0D108BD9-81ED-4DB2-BD59-A6C34878D82A}">
+                    <a16:rowId xmlns:a16="http://schemas.microsoft.com/office/drawing/2014/main" val="10006"/>
+                  </a:ext>
+                </a:extLst>
               </a:tr>
               <a:tr h="255969">
                 <a:tc>
@@ -11371,6 +12745,11 @@
                     </a:solidFill>
                   </a:tcPr>
                 </a:tc>
+                <a:extLst>
+                  <a:ext uri="{0D108BD9-81ED-4DB2-BD59-A6C34878D82A}">
+                    <a16:rowId xmlns:a16="http://schemas.microsoft.com/office/drawing/2014/main" val="10007"/>
+                  </a:ext>
+                </a:extLst>
               </a:tr>
               <a:tr h="255969">
                 <a:tc>
@@ -11491,6 +12870,11 @@
                     </a:solidFill>
                   </a:tcPr>
                 </a:tc>
+                <a:extLst>
+                  <a:ext uri="{0D108BD9-81ED-4DB2-BD59-A6C34878D82A}">
+                    <a16:rowId xmlns:a16="http://schemas.microsoft.com/office/drawing/2014/main" val="10008"/>
+                  </a:ext>
+                </a:extLst>
               </a:tr>
               <a:tr h="255969">
                 <a:tc>
@@ -11611,6 +12995,11 @@
                     </a:solidFill>
                   </a:tcPr>
                 </a:tc>
+                <a:extLst>
+                  <a:ext uri="{0D108BD9-81ED-4DB2-BD59-A6C34878D82A}">
+                    <a16:rowId xmlns:a16="http://schemas.microsoft.com/office/drawing/2014/main" val="10009"/>
+                  </a:ext>
+                </a:extLst>
               </a:tr>
               <a:tr h="255969">
                 <a:tc>
@@ -11728,6 +13117,11 @@
                     </a:solidFill>
                   </a:tcPr>
                 </a:tc>
+                <a:extLst>
+                  <a:ext uri="{0D108BD9-81ED-4DB2-BD59-A6C34878D82A}">
+                    <a16:rowId xmlns:a16="http://schemas.microsoft.com/office/drawing/2014/main" val="10010"/>
+                  </a:ext>
+                </a:extLst>
               </a:tr>
               <a:tr h="255969">
                 <a:tc>
@@ -11736,6 +13130,12 @@
                     <a:lstStyle/>
                     <a:p>
                       <a:pPr algn="l" fontAlgn="t"/>
+                      <a:r>
+                        <a:rPr lang="en-US" sz="1400" dirty="0" smtClean="0">
+                          <a:effectLst/>
+                        </a:rPr>
+                        <a:t>Ch1_enb, Ch2_enb ?</a:t>
+                      </a:r>
                       <a:endParaRPr lang="en-US" sz="1400" dirty="0">
                         <a:effectLst/>
                       </a:endParaRPr>
@@ -11842,12 +13242,20 @@
                     </a:solidFill>
                   </a:tcPr>
                 </a:tc>
+                <a:extLst>
+                  <a:ext uri="{0D108BD9-81ED-4DB2-BD59-A6C34878D82A}">
+                    <a16:rowId xmlns:a16="http://schemas.microsoft.com/office/drawing/2014/main" val="10011"/>
+                  </a:ext>
+                </a:extLst>
               </a:tr>
             </a:tbl>
           </a:graphicData>
         </a:graphic>
       </p:graphicFrame>
     </p:spTree>
+    <p:custDataLst>
+      <p:tags r:id="rId1"/>
+    </p:custDataLst>
     <p:extLst>
       <p:ext uri="{BB962C8B-B14F-4D97-AF65-F5344CB8AC3E}">
         <p14:creationId xmlns:p14="http://schemas.microsoft.com/office/powerpoint/2010/main" val="1234610680"/>
@@ -11867,7 +13275,7 @@
 </p:sld>
 </file>
 
-<file path=ppt/slides/slide12.xml><?xml version="1.0" encoding="utf-8"?>
+<file path=ppt/slides/slide19.xml><?xml version="1.0" encoding="utf-8"?>
 <p:sld xmlns:a="http://schemas.openxmlformats.org/drawingml/2006/main" xmlns:r="http://schemas.openxmlformats.org/officeDocument/2006/relationships" xmlns:p="http://schemas.openxmlformats.org/presentationml/2006/main">
   <p:cSld>
     <p:spTree>
@@ -12171,23 +13579,23 @@
           </a:p>
           <a:p>
             <a:r>
-              <a:rPr lang="en-US" b="0" dirty="0"/>
+              <a:rPr lang="en-US" b="0" strike="sngStrike" dirty="0"/>
               <a:t>The </a:t>
             </a:r>
             <a:r>
-              <a:rPr lang="en-US" b="0" dirty="0" err="1"/>
+              <a:rPr lang="en-US" b="0" strike="sngStrike" dirty="0" err="1"/>
               <a:t>flagQ</a:t>
             </a:r>
             <a:r>
-              <a:rPr lang="en-US" b="0" dirty="0"/>
+              <a:rPr lang="en-US" b="0" strike="sngStrike" dirty="0"/>
               <a:t> and </a:t>
             </a:r>
             <a:r>
-              <a:rPr lang="en-US" b="0" dirty="0" err="1"/>
+              <a:rPr lang="en-US" b="0" strike="sngStrike" dirty="0" err="1"/>
               <a:t>flagClear</a:t>
             </a:r>
             <a:r>
-              <a:rPr lang="en-US" b="0" dirty="0"/>
+              <a:rPr lang="en-US" b="0" strike="sngStrike" dirty="0"/>
               <a:t> registers need to be at the same address.</a:t>
             </a:r>
           </a:p>
@@ -12225,7 +13633,7 @@
               <a:pPr>
                 <a:defRPr/>
               </a:pPr>
-              <a:t>12</a:t>
+              <a:t>19</a:t>
             </a:fld>
             <a:endParaRPr lang="en-US" dirty="0">
               <a:solidFill>
@@ -12236,857 +13644,12 @@
         </p:txBody>
       </p:sp>
     </p:spTree>
+    <p:custDataLst>
+      <p:tags r:id="rId1"/>
+    </p:custDataLst>
     <p:extLst>
       <p:ext uri="{BB962C8B-B14F-4D97-AF65-F5344CB8AC3E}">
         <p14:creationId xmlns:p14="http://schemas.microsoft.com/office/powerpoint/2010/main" val="2796793236"/>
-      </p:ext>
-    </p:extLst>
-  </p:cSld>
-  <p:clrMapOvr>
-    <a:masterClrMapping/>
-  </p:clrMapOvr>
-  <p:timing>
-    <p:tnLst>
-      <p:par>
-        <p:cTn id="1" dur="indefinite" restart="never" nodeType="tmRoot"/>
-      </p:par>
-    </p:tnLst>
-  </p:timing>
-</p:sld>
-</file>
-
-<file path=ppt/slides/slide13.xml><?xml version="1.0" encoding="utf-8"?>
-<p:sld xmlns:a="http://schemas.openxmlformats.org/drawingml/2006/main" xmlns:r="http://schemas.openxmlformats.org/officeDocument/2006/relationships" xmlns:p="http://schemas.openxmlformats.org/presentationml/2006/main">
-  <p:cSld>
-    <p:spTree>
-      <p:nvGrpSpPr>
-        <p:cNvPr id="1" name=""/>
-        <p:cNvGrpSpPr/>
-        <p:nvPr/>
-      </p:nvGrpSpPr>
-      <p:grpSpPr>
-        <a:xfrm>
-          <a:off x="0" y="0"/>
-          <a:ext cx="0" cy="0"/>
-          <a:chOff x="0" y="0"/>
-          <a:chExt cx="0" cy="0"/>
-        </a:xfrm>
-      </p:grpSpPr>
-      <p:sp>
-        <p:nvSpPr>
-          <p:cNvPr id="2" name="Title 1"/>
-          <p:cNvSpPr>
-            <a:spLocks noGrp="1"/>
-          </p:cNvSpPr>
-          <p:nvPr>
-            <p:ph type="title"/>
-          </p:nvPr>
-        </p:nvSpPr>
-        <p:spPr/>
-        <p:txBody>
-          <a:bodyPr/>
-          <a:lstStyle/>
-          <a:p>
-            <a:r>
-              <a:rPr lang="en-US" dirty="0" smtClean="0"/>
-              <a:t>Lab 3 – Requirements</a:t>
-            </a:r>
-            <a:br>
-              <a:rPr lang="en-US" dirty="0" smtClean="0"/>
-            </a:br>
-            <a:r>
-              <a:rPr lang="en-US" dirty="0" smtClean="0"/>
-              <a:t>Required Functionality</a:t>
-            </a:r>
-            <a:endParaRPr lang="en-US" dirty="0"/>
-          </a:p>
-        </p:txBody>
-      </p:sp>
-      <p:sp>
-        <p:nvSpPr>
-          <p:cNvPr id="4" name="Content Placeholder 3"/>
-          <p:cNvSpPr>
-            <a:spLocks noGrp="1"/>
-          </p:cNvSpPr>
-          <p:nvPr>
-            <p:ph idx="1"/>
-          </p:nvPr>
-        </p:nvSpPr>
-        <p:spPr/>
-        <p:txBody>
-          <a:bodyPr/>
-          <a:lstStyle/>
-          <a:p>
-            <a:r>
-              <a:rPr lang="en-US" dirty="0"/>
-              <a:t>Required Functionality</a:t>
-            </a:r>
-          </a:p>
-          <a:p>
-            <a:pPr lvl="1"/>
-            <a:r>
-              <a:rPr lang="en-US" b="0" dirty="0"/>
-              <a:t>In order to make required functionality you will need to properly trigger the oscilloscope on channel 1 using a positive edge trigger. Control of this process is to be performed using the </a:t>
-            </a:r>
-            <a:r>
-              <a:rPr lang="en-US" b="0" dirty="0" err="1"/>
-              <a:t>MicroBlaze</a:t>
-            </a:r>
-            <a:r>
-              <a:rPr lang="en-US" b="0" dirty="0"/>
-              <a:t>. The main tasks of the </a:t>
-            </a:r>
-            <a:r>
-              <a:rPr lang="en-US" b="0" dirty="0" err="1"/>
-              <a:t>MicroBlaze</a:t>
-            </a:r>
-            <a:r>
-              <a:rPr lang="en-US" b="0" dirty="0"/>
-              <a:t> will include</a:t>
-            </a:r>
-            <a:r>
-              <a:rPr lang="en-US" b="0" dirty="0" smtClean="0"/>
-              <a:t>: </a:t>
-            </a:r>
-          </a:p>
-          <a:p>
-            <a:pPr lvl="2"/>
-            <a:r>
-              <a:rPr lang="en-US" sz="2000" b="0" dirty="0" smtClean="0"/>
-              <a:t>Moving </a:t>
-            </a:r>
-            <a:r>
-              <a:rPr lang="en-US" sz="2000" b="0" dirty="0"/>
-              <a:t>audio samples into a pair of circular buffer. These circular buffers will be maintained in the address space of the </a:t>
-            </a:r>
-            <a:r>
-              <a:rPr lang="en-US" sz="2000" b="0" dirty="0" err="1"/>
-              <a:t>MicroBlaze</a:t>
-            </a:r>
-            <a:r>
-              <a:rPr lang="en-US" sz="2000" b="0" dirty="0"/>
-              <a:t>. That is you should have two big arrays defined in your program. Use polling of the ready bit of the flag register.</a:t>
-            </a:r>
-          </a:p>
-          <a:p>
-            <a:pPr lvl="2"/>
-            <a:r>
-              <a:rPr lang="en-US" sz="2000" b="0" dirty="0"/>
-              <a:t>Examining the samples looking for a trigger event.</a:t>
-            </a:r>
-          </a:p>
-          <a:p>
-            <a:pPr lvl="2"/>
-            <a:r>
-              <a:rPr lang="en-US" sz="2000" b="0" dirty="0"/>
-              <a:t>Fill the remaining sample slots in memory.</a:t>
-            </a:r>
-          </a:p>
-          <a:p>
-            <a:pPr lvl="1" eaLnBrk="1" hangingPunct="1">
-              <a:lnSpc>
-                <a:spcPct val="80000"/>
-              </a:lnSpc>
-            </a:pPr>
-            <a:endParaRPr lang="en-US" dirty="0"/>
-          </a:p>
-        </p:txBody>
-      </p:sp>
-      <p:sp>
-        <p:nvSpPr>
-          <p:cNvPr id="6" name="Slide Number Placeholder 3"/>
-          <p:cNvSpPr>
-            <a:spLocks noGrp="1"/>
-          </p:cNvSpPr>
-          <p:nvPr>
-            <p:ph type="sldNum" sz="quarter" idx="10"/>
-          </p:nvPr>
-        </p:nvSpPr>
-        <p:spPr>
-          <a:xfrm>
-            <a:off x="6942160" y="6381750"/>
-            <a:ext cx="2133600" cy="476250"/>
-          </a:xfrm>
-        </p:spPr>
-        <p:txBody>
-          <a:bodyPr/>
-          <a:lstStyle/>
-          <a:p>
-            <a:pPr>
-              <a:defRPr/>
-            </a:pPr>
-            <a:fld id="{62D6D4B2-7611-498F-8780-1EDC26277454}" type="slidenum">
-              <a:rPr lang="en-US" smtClean="0">
-                <a:solidFill>
-                  <a:srgbClr val="000000"/>
-                </a:solidFill>
-              </a:rPr>
-              <a:pPr>
-                <a:defRPr/>
-              </a:pPr>
-              <a:t>13</a:t>
-            </a:fld>
-            <a:endParaRPr lang="en-US" dirty="0">
-              <a:solidFill>
-                <a:srgbClr val="000000"/>
-              </a:solidFill>
-            </a:endParaRPr>
-          </a:p>
-        </p:txBody>
-      </p:sp>
-    </p:spTree>
-    <p:extLst>
-      <p:ext uri="{BB962C8B-B14F-4D97-AF65-F5344CB8AC3E}">
-        <p14:creationId xmlns:p14="http://schemas.microsoft.com/office/powerpoint/2010/main" val="1292529013"/>
-      </p:ext>
-    </p:extLst>
-  </p:cSld>
-  <p:clrMapOvr>
-    <a:masterClrMapping/>
-  </p:clrMapOvr>
-  <p:timing>
-    <p:tnLst>
-      <p:par>
-        <p:cTn id="1" dur="indefinite" restart="never" nodeType="tmRoot"/>
-      </p:par>
-    </p:tnLst>
-  </p:timing>
-</p:sld>
-</file>
-
-<file path=ppt/slides/slide14.xml><?xml version="1.0" encoding="utf-8"?>
-<p:sld xmlns:a="http://schemas.openxmlformats.org/drawingml/2006/main" xmlns:r="http://schemas.openxmlformats.org/officeDocument/2006/relationships" xmlns:p="http://schemas.openxmlformats.org/presentationml/2006/main">
-  <p:cSld>
-    <p:spTree>
-      <p:nvGrpSpPr>
-        <p:cNvPr id="1" name=""/>
-        <p:cNvGrpSpPr/>
-        <p:nvPr/>
-      </p:nvGrpSpPr>
-      <p:grpSpPr>
-        <a:xfrm>
-          <a:off x="0" y="0"/>
-          <a:ext cx="0" cy="0"/>
-          <a:chOff x="0" y="0"/>
-          <a:chExt cx="0" cy="0"/>
-        </a:xfrm>
-      </p:grpSpPr>
-      <p:sp>
-        <p:nvSpPr>
-          <p:cNvPr id="2" name="Title 1"/>
-          <p:cNvSpPr>
-            <a:spLocks noGrp="1"/>
-          </p:cNvSpPr>
-          <p:nvPr>
-            <p:ph type="title"/>
-          </p:nvPr>
-        </p:nvSpPr>
-        <p:spPr/>
-        <p:txBody>
-          <a:bodyPr/>
-          <a:lstStyle/>
-          <a:p>
-            <a:r>
-              <a:rPr lang="en-US" dirty="0" smtClean="0"/>
-              <a:t>Lab 3 – Requirements</a:t>
-            </a:r>
-            <a:br>
-              <a:rPr lang="en-US" dirty="0" smtClean="0"/>
-            </a:br>
-            <a:r>
-              <a:rPr lang="en-US" dirty="0" smtClean="0"/>
-              <a:t>Required Functionality </a:t>
-            </a:r>
-            <a:r>
-              <a:rPr lang="en-US" dirty="0" err="1" smtClean="0"/>
-              <a:t>Cont</a:t>
-            </a:r>
-            <a:r>
-              <a:rPr lang="en-US" dirty="0" smtClean="0"/>
-              <a:t> 1</a:t>
-            </a:r>
-            <a:endParaRPr lang="en-US" dirty="0"/>
-          </a:p>
-        </p:txBody>
-      </p:sp>
-      <p:sp>
-        <p:nvSpPr>
-          <p:cNvPr id="4" name="Content Placeholder 3"/>
-          <p:cNvSpPr>
-            <a:spLocks noGrp="1"/>
-          </p:cNvSpPr>
-          <p:nvPr>
-            <p:ph idx="1"/>
-          </p:nvPr>
-        </p:nvSpPr>
-        <p:spPr/>
-        <p:txBody>
-          <a:bodyPr/>
-          <a:lstStyle/>
-          <a:p>
-            <a:r>
-              <a:rPr lang="en-US" dirty="0"/>
-              <a:t>Required </a:t>
-            </a:r>
-            <a:r>
-              <a:rPr lang="en-US" dirty="0" smtClean="0"/>
-              <a:t>Functionality </a:t>
-            </a:r>
-            <a:r>
-              <a:rPr lang="en-US" dirty="0" err="1" smtClean="0"/>
-              <a:t>cont</a:t>
-            </a:r>
-            <a:endParaRPr lang="en-US" dirty="0"/>
-          </a:p>
-          <a:p>
-            <a:pPr lvl="2"/>
-            <a:r>
-              <a:rPr lang="en-US" sz="2000" b="0" dirty="0"/>
-              <a:t>Move the appropriate buffer values into the display memory of the oscilloscope (lab2) component.</a:t>
-            </a:r>
-          </a:p>
-          <a:p>
-            <a:pPr lvl="2"/>
-            <a:r>
-              <a:rPr lang="en-US" sz="2000" b="0" dirty="0"/>
-              <a:t>Provide a user menu (through the terminal) allowing the user to adjust the trigger voltage and trigger time.</a:t>
-            </a:r>
-          </a:p>
-        </p:txBody>
-      </p:sp>
-      <p:sp>
-        <p:nvSpPr>
-          <p:cNvPr id="6" name="Slide Number Placeholder 3"/>
-          <p:cNvSpPr>
-            <a:spLocks noGrp="1"/>
-          </p:cNvSpPr>
-          <p:nvPr>
-            <p:ph type="sldNum" sz="quarter" idx="10"/>
-          </p:nvPr>
-        </p:nvSpPr>
-        <p:spPr>
-          <a:xfrm>
-            <a:off x="6942160" y="6381750"/>
-            <a:ext cx="2133600" cy="476250"/>
-          </a:xfrm>
-        </p:spPr>
-        <p:txBody>
-          <a:bodyPr/>
-          <a:lstStyle/>
-          <a:p>
-            <a:pPr>
-              <a:defRPr/>
-            </a:pPr>
-            <a:fld id="{62D6D4B2-7611-498F-8780-1EDC26277454}" type="slidenum">
-              <a:rPr lang="en-US" smtClean="0">
-                <a:solidFill>
-                  <a:srgbClr val="000000"/>
-                </a:solidFill>
-              </a:rPr>
-              <a:pPr>
-                <a:defRPr/>
-              </a:pPr>
-              <a:t>14</a:t>
-            </a:fld>
-            <a:endParaRPr lang="en-US" dirty="0">
-              <a:solidFill>
-                <a:srgbClr val="000000"/>
-              </a:solidFill>
-            </a:endParaRPr>
-          </a:p>
-        </p:txBody>
-      </p:sp>
-    </p:spTree>
-    <p:extLst>
-      <p:ext uri="{BB962C8B-B14F-4D97-AF65-F5344CB8AC3E}">
-        <p14:creationId xmlns:p14="http://schemas.microsoft.com/office/powerpoint/2010/main" val="1382004493"/>
-      </p:ext>
-    </p:extLst>
-  </p:cSld>
-  <p:clrMapOvr>
-    <a:masterClrMapping/>
-  </p:clrMapOvr>
-  <p:timing>
-    <p:tnLst>
-      <p:par>
-        <p:cTn id="1" dur="indefinite" restart="never" nodeType="tmRoot"/>
-      </p:par>
-    </p:tnLst>
-  </p:timing>
-</p:sld>
-</file>
-
-<file path=ppt/slides/slide15.xml><?xml version="1.0" encoding="utf-8"?>
-<p:sld xmlns:a="http://schemas.openxmlformats.org/drawingml/2006/main" xmlns:r="http://schemas.openxmlformats.org/officeDocument/2006/relationships" xmlns:p="http://schemas.openxmlformats.org/presentationml/2006/main">
-  <p:cSld>
-    <p:spTree>
-      <p:nvGrpSpPr>
-        <p:cNvPr id="1" name=""/>
-        <p:cNvGrpSpPr/>
-        <p:nvPr/>
-      </p:nvGrpSpPr>
-      <p:grpSpPr>
-        <a:xfrm>
-          <a:off x="0" y="0"/>
-          <a:ext cx="0" cy="0"/>
-          <a:chOff x="0" y="0"/>
-          <a:chExt cx="0" cy="0"/>
-        </a:xfrm>
-      </p:grpSpPr>
-      <p:sp>
-        <p:nvSpPr>
-          <p:cNvPr id="2" name="Title 1"/>
-          <p:cNvSpPr>
-            <a:spLocks noGrp="1"/>
-          </p:cNvSpPr>
-          <p:nvPr>
-            <p:ph type="title"/>
-          </p:nvPr>
-        </p:nvSpPr>
-        <p:spPr/>
-        <p:txBody>
-          <a:bodyPr/>
-          <a:lstStyle/>
-          <a:p>
-            <a:r>
-              <a:rPr lang="en-US" dirty="0" smtClean="0"/>
-              <a:t>Lab 3 – Requirements</a:t>
-            </a:r>
-            <a:br>
-              <a:rPr lang="en-US" dirty="0" smtClean="0"/>
-            </a:br>
-            <a:r>
-              <a:rPr lang="en-US" dirty="0" smtClean="0"/>
-              <a:t>B-Level Functionality</a:t>
-            </a:r>
-            <a:endParaRPr lang="en-US" dirty="0"/>
-          </a:p>
-        </p:txBody>
-      </p:sp>
-      <p:sp>
-        <p:nvSpPr>
-          <p:cNvPr id="4" name="Content Placeholder 3"/>
-          <p:cNvSpPr>
-            <a:spLocks noGrp="1"/>
-          </p:cNvSpPr>
-          <p:nvPr>
-            <p:ph idx="1"/>
-          </p:nvPr>
-        </p:nvSpPr>
-        <p:spPr/>
-        <p:txBody>
-          <a:bodyPr/>
-          <a:lstStyle/>
-          <a:p>
-            <a:r>
-              <a:rPr lang="en-US" dirty="0" smtClean="0"/>
-              <a:t>B-level Functionality</a:t>
-            </a:r>
-            <a:endParaRPr lang="en-US" dirty="0"/>
-          </a:p>
-          <a:p>
-            <a:pPr lvl="1"/>
-            <a:r>
-              <a:rPr lang="en-US" b="0" dirty="0"/>
-              <a:t>Achieve required functionality</a:t>
-            </a:r>
-            <a:r>
-              <a:rPr lang="en-US" b="0" dirty="0" smtClean="0"/>
-              <a:t>.</a:t>
-            </a:r>
-          </a:p>
-          <a:p>
-            <a:pPr lvl="1"/>
-            <a:r>
-              <a:rPr lang="en-US" b="0" dirty="0" smtClean="0"/>
-              <a:t>Use </a:t>
-            </a:r>
-            <a:r>
-              <a:rPr lang="en-US" b="0" dirty="0"/>
-              <a:t>the ready bit of the flag register to trigger an interrupt. The ISR should store the samples (left and right), look for a triggering even, and signal when the stored samples should be </a:t>
-            </a:r>
-            <a:r>
-              <a:rPr lang="en-US" b="0" dirty="0" smtClean="0"/>
-              <a:t>transferred </a:t>
-            </a:r>
-            <a:r>
-              <a:rPr lang="en-US" b="0" dirty="0"/>
-              <a:t>to the BRAM in the oscilloscope component.</a:t>
-            </a:r>
-          </a:p>
-        </p:txBody>
-      </p:sp>
-      <p:sp>
-        <p:nvSpPr>
-          <p:cNvPr id="6" name="Slide Number Placeholder 3"/>
-          <p:cNvSpPr>
-            <a:spLocks noGrp="1"/>
-          </p:cNvSpPr>
-          <p:nvPr>
-            <p:ph type="sldNum" sz="quarter" idx="10"/>
-          </p:nvPr>
-        </p:nvSpPr>
-        <p:spPr>
-          <a:xfrm>
-            <a:off x="6942160" y="6381750"/>
-            <a:ext cx="2133600" cy="476250"/>
-          </a:xfrm>
-        </p:spPr>
-        <p:txBody>
-          <a:bodyPr/>
-          <a:lstStyle/>
-          <a:p>
-            <a:pPr>
-              <a:defRPr/>
-            </a:pPr>
-            <a:fld id="{62D6D4B2-7611-498F-8780-1EDC26277454}" type="slidenum">
-              <a:rPr lang="en-US" smtClean="0">
-                <a:solidFill>
-                  <a:srgbClr val="000000"/>
-                </a:solidFill>
-              </a:rPr>
-              <a:pPr>
-                <a:defRPr/>
-              </a:pPr>
-              <a:t>15</a:t>
-            </a:fld>
-            <a:endParaRPr lang="en-US" dirty="0">
-              <a:solidFill>
-                <a:srgbClr val="000000"/>
-              </a:solidFill>
-            </a:endParaRPr>
-          </a:p>
-        </p:txBody>
-      </p:sp>
-    </p:spTree>
-    <p:extLst>
-      <p:ext uri="{BB962C8B-B14F-4D97-AF65-F5344CB8AC3E}">
-        <p14:creationId xmlns:p14="http://schemas.microsoft.com/office/powerpoint/2010/main" val="363392082"/>
-      </p:ext>
-    </p:extLst>
-  </p:cSld>
-  <p:clrMapOvr>
-    <a:masterClrMapping/>
-  </p:clrMapOvr>
-  <p:timing>
-    <p:tnLst>
-      <p:par>
-        <p:cTn id="1" dur="indefinite" restart="never" nodeType="tmRoot"/>
-      </p:par>
-    </p:tnLst>
-  </p:timing>
-</p:sld>
-</file>
-
-<file path=ppt/slides/slide16.xml><?xml version="1.0" encoding="utf-8"?>
-<p:sld xmlns:a="http://schemas.openxmlformats.org/drawingml/2006/main" xmlns:r="http://schemas.openxmlformats.org/officeDocument/2006/relationships" xmlns:p="http://schemas.openxmlformats.org/presentationml/2006/main">
-  <p:cSld>
-    <p:spTree>
-      <p:nvGrpSpPr>
-        <p:cNvPr id="1" name=""/>
-        <p:cNvGrpSpPr/>
-        <p:nvPr/>
-      </p:nvGrpSpPr>
-      <p:grpSpPr>
-        <a:xfrm>
-          <a:off x="0" y="0"/>
-          <a:ext cx="0" cy="0"/>
-          <a:chOff x="0" y="0"/>
-          <a:chExt cx="0" cy="0"/>
-        </a:xfrm>
-      </p:grpSpPr>
-      <p:sp>
-        <p:nvSpPr>
-          <p:cNvPr id="2" name="Title 1"/>
-          <p:cNvSpPr>
-            <a:spLocks noGrp="1"/>
-          </p:cNvSpPr>
-          <p:nvPr>
-            <p:ph type="title"/>
-          </p:nvPr>
-        </p:nvSpPr>
-        <p:spPr/>
-        <p:txBody>
-          <a:bodyPr/>
-          <a:lstStyle/>
-          <a:p>
-            <a:r>
-              <a:rPr lang="en-US" dirty="0" smtClean="0"/>
-              <a:t>Lab 3 – Requirements</a:t>
-            </a:r>
-            <a:br>
-              <a:rPr lang="en-US" dirty="0" smtClean="0"/>
-            </a:br>
-            <a:r>
-              <a:rPr lang="en-US" dirty="0" smtClean="0"/>
-              <a:t>A-Level Functionality</a:t>
-            </a:r>
-            <a:endParaRPr lang="en-US" dirty="0"/>
-          </a:p>
-        </p:txBody>
-      </p:sp>
-      <p:sp>
-        <p:nvSpPr>
-          <p:cNvPr id="4" name="Content Placeholder 3"/>
-          <p:cNvSpPr>
-            <a:spLocks noGrp="1"/>
-          </p:cNvSpPr>
-          <p:nvPr>
-            <p:ph idx="1"/>
-          </p:nvPr>
-        </p:nvSpPr>
-        <p:spPr/>
-        <p:txBody>
-          <a:bodyPr/>
-          <a:lstStyle/>
-          <a:p>
-            <a:r>
-              <a:rPr lang="en-US" dirty="0"/>
-              <a:t>A-level </a:t>
-            </a:r>
-            <a:r>
-              <a:rPr lang="en-US" dirty="0" smtClean="0"/>
-              <a:t>Functionality</a:t>
-            </a:r>
-            <a:endParaRPr lang="en-US" dirty="0"/>
-          </a:p>
-          <a:p>
-            <a:pPr lvl="1"/>
-            <a:r>
-              <a:rPr lang="en-US" b="0" dirty="0"/>
-              <a:t>Achieve B-level functionality</a:t>
-            </a:r>
-            <a:r>
-              <a:rPr lang="en-US" b="0" dirty="0" smtClean="0"/>
-              <a:t>. Ability </a:t>
-            </a:r>
-            <a:r>
-              <a:rPr lang="en-US" b="0" dirty="0"/>
-              <a:t>to enable and disable channels to display</a:t>
-            </a:r>
-          </a:p>
-          <a:p>
-            <a:pPr lvl="1"/>
-            <a:r>
-              <a:rPr lang="en-US" b="0" dirty="0"/>
-              <a:t>Ability to trigger off channel 2</a:t>
-            </a:r>
-          </a:p>
-          <a:p>
-            <a:pPr lvl="1"/>
-            <a:r>
-              <a:rPr lang="en-US" b="0" dirty="0"/>
-              <a:t>Ability to change the slope direction for the trigger.</a:t>
-            </a:r>
-          </a:p>
-          <a:p>
-            <a:pPr lvl="2" eaLnBrk="1" hangingPunct="1">
-              <a:lnSpc>
-                <a:spcPct val="80000"/>
-              </a:lnSpc>
-            </a:pPr>
-            <a:endParaRPr lang="en-US" dirty="0"/>
-          </a:p>
-        </p:txBody>
-      </p:sp>
-      <p:sp>
-        <p:nvSpPr>
-          <p:cNvPr id="6" name="Slide Number Placeholder 3"/>
-          <p:cNvSpPr>
-            <a:spLocks noGrp="1"/>
-          </p:cNvSpPr>
-          <p:nvPr>
-            <p:ph type="sldNum" sz="quarter" idx="10"/>
-          </p:nvPr>
-        </p:nvSpPr>
-        <p:spPr>
-          <a:xfrm>
-            <a:off x="6942160" y="6381750"/>
-            <a:ext cx="2133600" cy="476250"/>
-          </a:xfrm>
-        </p:spPr>
-        <p:txBody>
-          <a:bodyPr/>
-          <a:lstStyle/>
-          <a:p>
-            <a:pPr>
-              <a:defRPr/>
-            </a:pPr>
-            <a:fld id="{62D6D4B2-7611-498F-8780-1EDC26277454}" type="slidenum">
-              <a:rPr lang="en-US" smtClean="0">
-                <a:solidFill>
-                  <a:srgbClr val="000000"/>
-                </a:solidFill>
-              </a:rPr>
-              <a:pPr>
-                <a:defRPr/>
-              </a:pPr>
-              <a:t>16</a:t>
-            </a:fld>
-            <a:endParaRPr lang="en-US" dirty="0">
-              <a:solidFill>
-                <a:srgbClr val="000000"/>
-              </a:solidFill>
-            </a:endParaRPr>
-          </a:p>
-        </p:txBody>
-      </p:sp>
-    </p:spTree>
-    <p:extLst>
-      <p:ext uri="{BB962C8B-B14F-4D97-AF65-F5344CB8AC3E}">
-        <p14:creationId xmlns:p14="http://schemas.microsoft.com/office/powerpoint/2010/main" val="517968935"/>
-      </p:ext>
-    </p:extLst>
-  </p:cSld>
-  <p:clrMapOvr>
-    <a:masterClrMapping/>
-  </p:clrMapOvr>
-  <p:timing>
-    <p:tnLst>
-      <p:par>
-        <p:cTn id="1" dur="indefinite" restart="never" nodeType="tmRoot"/>
-      </p:par>
-    </p:tnLst>
-  </p:timing>
-</p:sld>
-</file>
-
-<file path=ppt/slides/slide17.xml><?xml version="1.0" encoding="utf-8"?>
-<p:sld xmlns:a="http://schemas.openxmlformats.org/drawingml/2006/main" xmlns:r="http://schemas.openxmlformats.org/officeDocument/2006/relationships" xmlns:p="http://schemas.openxmlformats.org/presentationml/2006/main">
-  <p:cSld>
-    <p:spTree>
-      <p:nvGrpSpPr>
-        <p:cNvPr id="1" name=""/>
-        <p:cNvGrpSpPr/>
-        <p:nvPr/>
-      </p:nvGrpSpPr>
-      <p:grpSpPr>
-        <a:xfrm>
-          <a:off x="0" y="0"/>
-          <a:ext cx="0" cy="0"/>
-          <a:chOff x="0" y="0"/>
-          <a:chExt cx="0" cy="0"/>
-        </a:xfrm>
-      </p:grpSpPr>
-      <p:sp>
-        <p:nvSpPr>
-          <p:cNvPr id="2" name="Title 1"/>
-          <p:cNvSpPr>
-            <a:spLocks noGrp="1"/>
-          </p:cNvSpPr>
-          <p:nvPr>
-            <p:ph type="title"/>
-          </p:nvPr>
-        </p:nvSpPr>
-        <p:spPr/>
-        <p:txBody>
-          <a:bodyPr/>
-          <a:lstStyle/>
-          <a:p>
-            <a:r>
-              <a:rPr lang="en-US" dirty="0" smtClean="0"/>
-              <a:t>Lab 3 – Requirements</a:t>
-            </a:r>
-            <a:br>
-              <a:rPr lang="en-US" dirty="0" smtClean="0"/>
-            </a:br>
-            <a:r>
-              <a:rPr lang="en-US" dirty="0" smtClean="0"/>
-              <a:t>Turn In</a:t>
-            </a:r>
-            <a:endParaRPr lang="en-US" dirty="0"/>
-          </a:p>
-        </p:txBody>
-      </p:sp>
-      <p:sp>
-        <p:nvSpPr>
-          <p:cNvPr id="4" name="Content Placeholder 3"/>
-          <p:cNvSpPr>
-            <a:spLocks noGrp="1"/>
-          </p:cNvSpPr>
-          <p:nvPr>
-            <p:ph idx="1"/>
-          </p:nvPr>
-        </p:nvSpPr>
-        <p:spPr/>
-        <p:txBody>
-          <a:bodyPr/>
-          <a:lstStyle/>
-          <a:p>
-            <a:r>
-              <a:rPr lang="en-US" dirty="0" smtClean="0"/>
-              <a:t>Turn In Requirements</a:t>
-            </a:r>
-            <a:endParaRPr lang="en-US" dirty="0"/>
-          </a:p>
-          <a:p>
-            <a:pPr lvl="1"/>
-            <a:r>
-              <a:rPr lang="en-US" b="0" dirty="0"/>
-              <a:t>All your work in this lab is to be submitted using </a:t>
-            </a:r>
-            <a:r>
-              <a:rPr lang="en-US" b="0" dirty="0" err="1"/>
-              <a:t>Bitbucket</a:t>
-            </a:r>
-            <a:r>
-              <a:rPr lang="en-US" b="0" dirty="0"/>
-              <a:t>. The main part of the lab is your README, documenting your design</a:t>
-            </a:r>
-            <a:r>
-              <a:rPr lang="en-US" b="0" dirty="0" smtClean="0"/>
-              <a:t>.</a:t>
-            </a:r>
-            <a:endParaRPr lang="en-US" b="0" dirty="0"/>
-          </a:p>
-        </p:txBody>
-      </p:sp>
-      <p:sp>
-        <p:nvSpPr>
-          <p:cNvPr id="6" name="Slide Number Placeholder 3"/>
-          <p:cNvSpPr>
-            <a:spLocks noGrp="1"/>
-          </p:cNvSpPr>
-          <p:nvPr>
-            <p:ph type="sldNum" sz="quarter" idx="10"/>
-          </p:nvPr>
-        </p:nvSpPr>
-        <p:spPr>
-          <a:xfrm>
-            <a:off x="6942160" y="6381750"/>
-            <a:ext cx="2133600" cy="476250"/>
-          </a:xfrm>
-        </p:spPr>
-        <p:txBody>
-          <a:bodyPr/>
-          <a:lstStyle/>
-          <a:p>
-            <a:pPr>
-              <a:defRPr/>
-            </a:pPr>
-            <a:fld id="{62D6D4B2-7611-498F-8780-1EDC26277454}" type="slidenum">
-              <a:rPr lang="en-US" smtClean="0">
-                <a:solidFill>
-                  <a:srgbClr val="000000"/>
-                </a:solidFill>
-              </a:rPr>
-              <a:pPr>
-                <a:defRPr/>
-              </a:pPr>
-              <a:t>17</a:t>
-            </a:fld>
-            <a:endParaRPr lang="en-US" dirty="0">
-              <a:solidFill>
-                <a:srgbClr val="000000"/>
-              </a:solidFill>
-            </a:endParaRPr>
-          </a:p>
-        </p:txBody>
-      </p:sp>
-    </p:spTree>
-    <p:extLst>
-      <p:ext uri="{BB962C8B-B14F-4D97-AF65-F5344CB8AC3E}">
-        <p14:creationId xmlns:p14="http://schemas.microsoft.com/office/powerpoint/2010/main" val="1518157090"/>
       </p:ext>
     </p:extLst>
   </p:cSld>
@@ -13120,6 +13683,60 @@
           <a:chExt cx="0" cy="0"/>
         </a:xfrm>
       </p:grpSpPr>
+      <p:pic>
+        <p:nvPicPr>
+          <p:cNvPr id="4" name="Picture 3"/>
+          <p:cNvPicPr>
+            <a:picLocks noChangeAspect="1"/>
+          </p:cNvPicPr>
+          <p:nvPr/>
+        </p:nvPicPr>
+        <p:blipFill>
+          <a:blip r:embed="rId2"/>
+          <a:stretch>
+            <a:fillRect/>
+          </a:stretch>
+        </p:blipFill>
+        <p:spPr>
+          <a:xfrm>
+            <a:off x="174458" y="1948046"/>
+            <a:ext cx="8877580" cy="2348619"/>
+          </a:xfrm>
+          <a:prstGeom prst="rect">
+            <a:avLst/>
+          </a:prstGeom>
+        </p:spPr>
+      </p:pic>
+    </p:spTree>
+    <p:extLst>
+      <p:ext uri="{BB962C8B-B14F-4D97-AF65-F5344CB8AC3E}">
+        <p14:creationId xmlns:p14="http://schemas.microsoft.com/office/powerpoint/2010/main" val="1240826892"/>
+      </p:ext>
+    </p:extLst>
+  </p:cSld>
+  <p:clrMapOvr>
+    <a:masterClrMapping/>
+  </p:clrMapOvr>
+</p:sld>
+</file>
+
+<file path=ppt/slides/slide20.xml><?xml version="1.0" encoding="utf-8"?>
+<p:sld xmlns:a="http://schemas.openxmlformats.org/drawingml/2006/main" xmlns:r="http://schemas.openxmlformats.org/officeDocument/2006/relationships" xmlns:p="http://schemas.openxmlformats.org/presentationml/2006/main">
+  <p:cSld>
+    <p:spTree>
+      <p:nvGrpSpPr>
+        <p:cNvPr id="1" name=""/>
+        <p:cNvGrpSpPr/>
+        <p:nvPr/>
+      </p:nvGrpSpPr>
+      <p:grpSpPr>
+        <a:xfrm>
+          <a:off x="0" y="0"/>
+          <a:ext cx="0" cy="0"/>
+          <a:chOff x="0" y="0"/>
+          <a:chExt cx="0" cy="0"/>
+        </a:xfrm>
+      </p:grpSpPr>
       <p:sp>
         <p:nvSpPr>
           <p:cNvPr id="2" name="Title 1"/>
@@ -13137,7 +13754,14 @@
           <a:p>
             <a:r>
               <a:rPr lang="en-US" dirty="0" smtClean="0"/>
-              <a:t>Lesson Outline</a:t>
+              <a:t>Lab 3 – Requirements </a:t>
+            </a:r>
+            <a:br>
+              <a:rPr lang="en-US" dirty="0" smtClean="0"/>
+            </a:br>
+            <a:r>
+              <a:rPr lang="en-US" dirty="0" smtClean="0"/>
+              <a:t>Gate Check 1</a:t>
             </a:r>
             <a:endParaRPr lang="en-US" dirty="0"/>
           </a:p>
@@ -13165,44 +13789,56 @@
             </a:pPr>
             <a:r>
               <a:rPr lang="en-US" dirty="0" smtClean="0"/>
-              <a:t>Time Logs!</a:t>
-            </a:r>
-          </a:p>
-          <a:p>
-            <a:pPr eaLnBrk="1" hangingPunct="1">
+              <a:t>Gate </a:t>
+            </a:r>
+            <a:r>
+              <a:rPr lang="en-US" dirty="0"/>
+              <a:t>Check 1</a:t>
+            </a:r>
+          </a:p>
+          <a:p>
+            <a:pPr lvl="1" eaLnBrk="1" hangingPunct="1">
               <a:lnSpc>
                 <a:spcPct val="80000"/>
               </a:lnSpc>
             </a:pPr>
             <a:r>
-              <a:rPr lang="en-US" dirty="0" smtClean="0"/>
-              <a:t>Lab 3 – </a:t>
-            </a:r>
-            <a:r>
-              <a:rPr lang="en-US" dirty="0"/>
-              <a:t>Software control of a </a:t>
-            </a:r>
-            <a:r>
-              <a:rPr lang="en-US" dirty="0" err="1"/>
-              <a:t>datapath</a:t>
-            </a:r>
-            <a:endParaRPr lang="en-US" dirty="0"/>
-          </a:p>
-          <a:p>
-            <a:pPr eaLnBrk="1" hangingPunct="1">
+              <a:rPr lang="en-US" b="0" dirty="0"/>
+              <a:t>By the conclusion of lesson </a:t>
+            </a:r>
+            <a:r>
+              <a:rPr lang="en-US" b="0" dirty="0" smtClean="0"/>
+              <a:t>22, </a:t>
+            </a:r>
+            <a:r>
+              <a:rPr lang="en-US" b="0" dirty="0"/>
+              <a:t>you need to have all of your Lab 2 functionality implemented with the </a:t>
+            </a:r>
+            <a:r>
+              <a:rPr lang="en-US" b="0" dirty="0" err="1"/>
+              <a:t>Microblaze</a:t>
+            </a:r>
+            <a:r>
+              <a:rPr lang="en-US" b="0" dirty="0"/>
+              <a:t>. </a:t>
+            </a:r>
+            <a:endParaRPr lang="en-US" b="0" dirty="0" smtClean="0"/>
+          </a:p>
+          <a:p>
+            <a:pPr lvl="1" eaLnBrk="1" hangingPunct="1">
               <a:lnSpc>
                 <a:spcPct val="80000"/>
               </a:lnSpc>
             </a:pPr>
-            <a:endParaRPr lang="en-US" dirty="0" smtClean="0"/>
-          </a:p>
-          <a:p>
-            <a:pPr eaLnBrk="1" hangingPunct="1">
-              <a:lnSpc>
-                <a:spcPct val="80000"/>
-              </a:lnSpc>
-            </a:pPr>
-            <a:endParaRPr lang="en-US" dirty="0" smtClean="0"/>
+            <a:r>
+              <a:rPr lang="en-US" b="0" dirty="0" smtClean="0"/>
+              <a:t>That </a:t>
+            </a:r>
+            <a:r>
+              <a:rPr lang="en-US" b="0" dirty="0"/>
+              <a:t>is, you need to export your Lab 2 design into the SDK and be able to achieve the same functionality as you did in Lab 2.</a:t>
+            </a:r>
+            <a:endParaRPr lang="en-US" b="0" dirty="0" smtClean="0"/>
           </a:p>
         </p:txBody>
       </p:sp>
@@ -13238,7 +13874,7 @@
               <a:pPr>
                 <a:defRPr/>
               </a:pPr>
-              <a:t>2</a:t>
+              <a:t>20</a:t>
             </a:fld>
             <a:endParaRPr lang="en-US" dirty="0">
               <a:solidFill>
@@ -13249,9 +13885,12 @@
         </p:txBody>
       </p:sp>
     </p:spTree>
+    <p:custDataLst>
+      <p:tags r:id="rId1"/>
+    </p:custDataLst>
     <p:extLst>
       <p:ext uri="{BB962C8B-B14F-4D97-AF65-F5344CB8AC3E}">
-        <p14:creationId xmlns:p14="http://schemas.microsoft.com/office/powerpoint/2010/main" val="3991601210"/>
+        <p14:creationId xmlns:p14="http://schemas.microsoft.com/office/powerpoint/2010/main" val="836955545"/>
       </p:ext>
     </p:extLst>
   </p:cSld>
@@ -13265,6 +13904,1692 @@
       </p:par>
     </p:tnLst>
   </p:timing>
+</p:sld>
+</file>
+
+<file path=ppt/slides/slide21.xml><?xml version="1.0" encoding="utf-8"?>
+<p:sld xmlns:a="http://schemas.openxmlformats.org/drawingml/2006/main" xmlns:r="http://schemas.openxmlformats.org/officeDocument/2006/relationships" xmlns:p="http://schemas.openxmlformats.org/presentationml/2006/main">
+  <p:cSld>
+    <p:spTree>
+      <p:nvGrpSpPr>
+        <p:cNvPr id="1" name=""/>
+        <p:cNvGrpSpPr/>
+        <p:nvPr/>
+      </p:nvGrpSpPr>
+      <p:grpSpPr>
+        <a:xfrm>
+          <a:off x="0" y="0"/>
+          <a:ext cx="0" cy="0"/>
+          <a:chOff x="0" y="0"/>
+          <a:chExt cx="0" cy="0"/>
+        </a:xfrm>
+      </p:grpSpPr>
+      <p:sp>
+        <p:nvSpPr>
+          <p:cNvPr id="2" name="Title 1"/>
+          <p:cNvSpPr>
+            <a:spLocks noGrp="1"/>
+          </p:cNvSpPr>
+          <p:nvPr>
+            <p:ph type="title"/>
+          </p:nvPr>
+        </p:nvSpPr>
+        <p:spPr/>
+        <p:txBody>
+          <a:bodyPr/>
+          <a:lstStyle/>
+          <a:p>
+            <a:r>
+              <a:rPr lang="en-US" dirty="0" smtClean="0"/>
+              <a:t>Lab 3 – Requirements</a:t>
+            </a:r>
+            <a:br>
+              <a:rPr lang="en-US" dirty="0" smtClean="0"/>
+            </a:br>
+            <a:r>
+              <a:rPr lang="en-US" dirty="0" smtClean="0"/>
+              <a:t>Gate Check 2</a:t>
+            </a:r>
+            <a:endParaRPr lang="en-US" dirty="0"/>
+          </a:p>
+        </p:txBody>
+      </p:sp>
+      <p:sp>
+        <p:nvSpPr>
+          <p:cNvPr id="4" name="Content Placeholder 3"/>
+          <p:cNvSpPr>
+            <a:spLocks noGrp="1"/>
+          </p:cNvSpPr>
+          <p:nvPr>
+            <p:ph idx="1"/>
+          </p:nvPr>
+        </p:nvSpPr>
+        <p:spPr/>
+        <p:txBody>
+          <a:bodyPr/>
+          <a:lstStyle/>
+          <a:p>
+            <a:pPr eaLnBrk="1" hangingPunct="1">
+              <a:lnSpc>
+                <a:spcPct val="80000"/>
+              </a:lnSpc>
+            </a:pPr>
+            <a:r>
+              <a:rPr lang="en-US" dirty="0"/>
+              <a:t>Gate Check 2</a:t>
+            </a:r>
+          </a:p>
+          <a:p>
+            <a:pPr lvl="1" eaLnBrk="1" hangingPunct="1">
+              <a:lnSpc>
+                <a:spcPct val="80000"/>
+              </a:lnSpc>
+            </a:pPr>
+            <a:r>
+              <a:rPr lang="en-US" b="0" dirty="0"/>
+              <a:t>By the conclusion of lesson </a:t>
+            </a:r>
+            <a:r>
+              <a:rPr lang="en-US" b="0" dirty="0" smtClean="0"/>
+              <a:t>23, </a:t>
+            </a:r>
+            <a:r>
+              <a:rPr lang="en-US" b="0" dirty="0"/>
+              <a:t>you need to be able to send </a:t>
+            </a:r>
+            <a:r>
+              <a:rPr lang="en-US" b="0" dirty="0" smtClean="0"/>
+              <a:t>UART </a:t>
+            </a:r>
+            <a:r>
+              <a:rPr lang="en-US" b="0" dirty="0"/>
+              <a:t>commands </a:t>
+            </a:r>
+            <a:r>
+              <a:rPr lang="en-US" b="0" dirty="0" smtClean="0"/>
+              <a:t>to </a:t>
+            </a:r>
+            <a:r>
+              <a:rPr lang="en-US" b="0" dirty="0"/>
+              <a:t>your FPGA to adjust the trigger on the screen. The trigger on the screen should properly react to moving the trigger either up or down.</a:t>
+            </a:r>
+            <a:endParaRPr lang="en-US" b="0" dirty="0" smtClean="0"/>
+          </a:p>
+        </p:txBody>
+      </p:sp>
+      <p:sp>
+        <p:nvSpPr>
+          <p:cNvPr id="6" name="Slide Number Placeholder 3"/>
+          <p:cNvSpPr>
+            <a:spLocks noGrp="1"/>
+          </p:cNvSpPr>
+          <p:nvPr>
+            <p:ph type="sldNum" sz="quarter" idx="10"/>
+          </p:nvPr>
+        </p:nvSpPr>
+        <p:spPr>
+          <a:xfrm>
+            <a:off x="6942160" y="6381750"/>
+            <a:ext cx="2133600" cy="476250"/>
+          </a:xfrm>
+        </p:spPr>
+        <p:txBody>
+          <a:bodyPr/>
+          <a:lstStyle/>
+          <a:p>
+            <a:pPr>
+              <a:defRPr/>
+            </a:pPr>
+            <a:fld id="{62D6D4B2-7611-498F-8780-1EDC26277454}" type="slidenum">
+              <a:rPr lang="en-US" smtClean="0">
+                <a:solidFill>
+                  <a:srgbClr val="000000"/>
+                </a:solidFill>
+              </a:rPr>
+              <a:pPr>
+                <a:defRPr/>
+              </a:pPr>
+              <a:t>21</a:t>
+            </a:fld>
+            <a:endParaRPr lang="en-US" dirty="0">
+              <a:solidFill>
+                <a:srgbClr val="000000"/>
+              </a:solidFill>
+            </a:endParaRPr>
+          </a:p>
+        </p:txBody>
+      </p:sp>
+      <p:sp>
+        <p:nvSpPr>
+          <p:cNvPr id="5" name="TextBox 4"/>
+          <p:cNvSpPr txBox="1"/>
+          <p:nvPr/>
+        </p:nvSpPr>
+        <p:spPr>
+          <a:xfrm>
+            <a:off x="599492" y="3102989"/>
+            <a:ext cx="7674601" cy="1323439"/>
+          </a:xfrm>
+          <a:prstGeom prst="rect">
+            <a:avLst/>
+          </a:prstGeom>
+          <a:noFill/>
+        </p:spPr>
+        <p:txBody>
+          <a:bodyPr wrap="none" rtlCol="0">
+            <a:spAutoFit/>
+          </a:bodyPr>
+          <a:lstStyle/>
+          <a:p>
+            <a:pPr>
+              <a:spcBef>
+                <a:spcPts val="0"/>
+              </a:spcBef>
+            </a:pPr>
+            <a:r>
+              <a:rPr lang="en-US" sz="2000" dirty="0" smtClean="0">
+                <a:solidFill>
+                  <a:srgbClr val="FF0000"/>
+                </a:solidFill>
+              </a:rPr>
+              <a:t>(</a:t>
+            </a:r>
+            <a:r>
+              <a:rPr lang="en-US" sz="2000" u="sng" dirty="0" smtClean="0">
+                <a:solidFill>
+                  <a:srgbClr val="FF0000"/>
+                </a:solidFill>
+              </a:rPr>
+              <a:t>or Option for 2021</a:t>
+            </a:r>
+            <a:r>
+              <a:rPr lang="en-US" sz="2000" dirty="0" smtClean="0">
+                <a:solidFill>
+                  <a:srgbClr val="FF0000"/>
+                </a:solidFill>
+              </a:rPr>
+              <a:t>: Keep lab 2 buttons, and input Trigger Volt and Time</a:t>
+            </a:r>
+          </a:p>
+          <a:p>
+            <a:pPr>
+              <a:spcBef>
+                <a:spcPts val="0"/>
+              </a:spcBef>
+            </a:pPr>
+            <a:r>
+              <a:rPr lang="en-US" sz="2000" dirty="0" smtClean="0">
+                <a:solidFill>
+                  <a:srgbClr val="FF0000"/>
+                </a:solidFill>
+              </a:rPr>
+              <a:t>Into </a:t>
+            </a:r>
+            <a:r>
+              <a:rPr lang="en-US" sz="2000" dirty="0" err="1" smtClean="0">
+                <a:solidFill>
+                  <a:srgbClr val="FF0000"/>
+                </a:solidFill>
+              </a:rPr>
+              <a:t>Microblaze</a:t>
+            </a:r>
+            <a:r>
+              <a:rPr lang="en-US" sz="2000" dirty="0" smtClean="0">
+                <a:solidFill>
+                  <a:srgbClr val="FF0000"/>
+                </a:solidFill>
+              </a:rPr>
+              <a:t> using </a:t>
+            </a:r>
+            <a:r>
+              <a:rPr lang="en-US" sz="2000" dirty="0" err="1" smtClean="0">
+                <a:solidFill>
+                  <a:srgbClr val="FF0000"/>
+                </a:solidFill>
+              </a:rPr>
+              <a:t>slv_regs</a:t>
+            </a:r>
+            <a:r>
+              <a:rPr lang="en-US" sz="2000" dirty="0" smtClean="0">
+                <a:solidFill>
+                  <a:srgbClr val="FF0000"/>
+                </a:solidFill>
+              </a:rPr>
+              <a:t>. Show on UART display you can </a:t>
+            </a:r>
+          </a:p>
+          <a:p>
+            <a:pPr>
+              <a:spcBef>
+                <a:spcPts val="0"/>
+              </a:spcBef>
+            </a:pPr>
+            <a:r>
+              <a:rPr lang="en-US" sz="2000" dirty="0" smtClean="0">
+                <a:solidFill>
+                  <a:srgbClr val="FF0000"/>
+                </a:solidFill>
+              </a:rPr>
+              <a:t>read </a:t>
+            </a:r>
+            <a:r>
+              <a:rPr lang="en-US" sz="2000" dirty="0">
+                <a:solidFill>
+                  <a:srgbClr val="FF0000"/>
+                </a:solidFill>
+              </a:rPr>
+              <a:t>Trigger Volt and Time</a:t>
+            </a:r>
+          </a:p>
+          <a:p>
+            <a:pPr>
+              <a:spcBef>
+                <a:spcPts val="0"/>
+              </a:spcBef>
+            </a:pPr>
+            <a:endParaRPr lang="en-US" sz="2000" dirty="0">
+              <a:solidFill>
+                <a:srgbClr val="FF0000"/>
+              </a:solidFill>
+            </a:endParaRPr>
+          </a:p>
+        </p:txBody>
+      </p:sp>
+    </p:spTree>
+    <p:custDataLst>
+      <p:tags r:id="rId1"/>
+    </p:custDataLst>
+    <p:extLst>
+      <p:ext uri="{BB962C8B-B14F-4D97-AF65-F5344CB8AC3E}">
+        <p14:creationId xmlns:p14="http://schemas.microsoft.com/office/powerpoint/2010/main" val="2738895866"/>
+      </p:ext>
+    </p:extLst>
+  </p:cSld>
+  <p:clrMapOvr>
+    <a:masterClrMapping/>
+  </p:clrMapOvr>
+  <p:timing>
+    <p:tnLst>
+      <p:par>
+        <p:cTn id="1" dur="indefinite" restart="never" nodeType="tmRoot"/>
+      </p:par>
+    </p:tnLst>
+  </p:timing>
+</p:sld>
+</file>
+
+<file path=ppt/slides/slide22.xml><?xml version="1.0" encoding="utf-8"?>
+<p:sld xmlns:a="http://schemas.openxmlformats.org/drawingml/2006/main" xmlns:r="http://schemas.openxmlformats.org/officeDocument/2006/relationships" xmlns:p="http://schemas.openxmlformats.org/presentationml/2006/main">
+  <p:cSld>
+    <p:spTree>
+      <p:nvGrpSpPr>
+        <p:cNvPr id="1" name=""/>
+        <p:cNvGrpSpPr/>
+        <p:nvPr/>
+      </p:nvGrpSpPr>
+      <p:grpSpPr>
+        <a:xfrm>
+          <a:off x="0" y="0"/>
+          <a:ext cx="0" cy="0"/>
+          <a:chOff x="0" y="0"/>
+          <a:chExt cx="0" cy="0"/>
+        </a:xfrm>
+      </p:grpSpPr>
+      <p:sp>
+        <p:nvSpPr>
+          <p:cNvPr id="2" name="Title 1"/>
+          <p:cNvSpPr>
+            <a:spLocks noGrp="1"/>
+          </p:cNvSpPr>
+          <p:nvPr>
+            <p:ph type="title"/>
+          </p:nvPr>
+        </p:nvSpPr>
+        <p:spPr/>
+        <p:txBody>
+          <a:bodyPr/>
+          <a:lstStyle/>
+          <a:p>
+            <a:r>
+              <a:rPr lang="en-US" dirty="0" smtClean="0"/>
+              <a:t>Lab 3 – Requirements</a:t>
+            </a:r>
+            <a:br>
+              <a:rPr lang="en-US" dirty="0" smtClean="0"/>
+            </a:br>
+            <a:r>
+              <a:rPr lang="en-US" dirty="0" smtClean="0"/>
+              <a:t>Required Functionality</a:t>
+            </a:r>
+            <a:endParaRPr lang="en-US" dirty="0"/>
+          </a:p>
+        </p:txBody>
+      </p:sp>
+      <p:sp>
+        <p:nvSpPr>
+          <p:cNvPr id="4" name="Content Placeholder 3"/>
+          <p:cNvSpPr>
+            <a:spLocks noGrp="1"/>
+          </p:cNvSpPr>
+          <p:nvPr>
+            <p:ph idx="1"/>
+          </p:nvPr>
+        </p:nvSpPr>
+        <p:spPr/>
+        <p:txBody>
+          <a:bodyPr/>
+          <a:lstStyle/>
+          <a:p>
+            <a:r>
+              <a:rPr lang="en-US" dirty="0"/>
+              <a:t>Required Functionality</a:t>
+            </a:r>
+          </a:p>
+          <a:p>
+            <a:pPr lvl="1"/>
+            <a:r>
+              <a:rPr lang="en-US" b="0" dirty="0"/>
+              <a:t>In order to make required functionality you will need to properly trigger the oscilloscope on channel 1 using a positive edge trigger. Control of this process is to be performed using the </a:t>
+            </a:r>
+            <a:r>
+              <a:rPr lang="en-US" b="0" dirty="0" err="1"/>
+              <a:t>MicroBlaze</a:t>
+            </a:r>
+            <a:r>
+              <a:rPr lang="en-US" b="0" dirty="0"/>
+              <a:t>. The main tasks of the </a:t>
+            </a:r>
+            <a:r>
+              <a:rPr lang="en-US" b="0" dirty="0" err="1"/>
+              <a:t>MicroBlaze</a:t>
+            </a:r>
+            <a:r>
+              <a:rPr lang="en-US" b="0" dirty="0"/>
+              <a:t> will include</a:t>
+            </a:r>
+            <a:r>
+              <a:rPr lang="en-US" b="0" dirty="0" smtClean="0"/>
+              <a:t>: </a:t>
+            </a:r>
+          </a:p>
+          <a:p>
+            <a:pPr lvl="2"/>
+            <a:r>
+              <a:rPr lang="en-US" sz="2000" b="0" dirty="0" smtClean="0"/>
+              <a:t>Moving </a:t>
+            </a:r>
+            <a:r>
+              <a:rPr lang="en-US" sz="2000" b="0" dirty="0"/>
+              <a:t>audio samples into a pair of circular buffer. These circular buffers will be maintained in the address space of the </a:t>
+            </a:r>
+            <a:r>
+              <a:rPr lang="en-US" sz="2000" b="0" dirty="0" err="1"/>
+              <a:t>MicroBlaze</a:t>
+            </a:r>
+            <a:r>
+              <a:rPr lang="en-US" sz="2000" b="0" dirty="0"/>
+              <a:t>. That is you should have two big arrays defined in your program. Use polling of the ready bit of the flag register.</a:t>
+            </a:r>
+          </a:p>
+          <a:p>
+            <a:pPr lvl="2"/>
+            <a:r>
+              <a:rPr lang="en-US" sz="2000" b="0" dirty="0"/>
+              <a:t>Examining the samples looking for a trigger event.</a:t>
+            </a:r>
+          </a:p>
+          <a:p>
+            <a:pPr lvl="2"/>
+            <a:r>
+              <a:rPr lang="en-US" sz="2000" b="0" dirty="0"/>
+              <a:t>Fill the remaining sample slots in memory</a:t>
+            </a:r>
+            <a:r>
+              <a:rPr lang="en-US" sz="2000" b="0" dirty="0" smtClean="0"/>
+              <a:t>.</a:t>
+            </a:r>
+          </a:p>
+          <a:p>
+            <a:pPr lvl="2"/>
+            <a:endParaRPr lang="en-US" sz="2000" b="0" dirty="0"/>
+          </a:p>
+          <a:p>
+            <a:pPr lvl="1" eaLnBrk="1" hangingPunct="1">
+              <a:lnSpc>
+                <a:spcPct val="80000"/>
+              </a:lnSpc>
+            </a:pPr>
+            <a:endParaRPr lang="en-US" dirty="0"/>
+          </a:p>
+        </p:txBody>
+      </p:sp>
+      <p:sp>
+        <p:nvSpPr>
+          <p:cNvPr id="6" name="Slide Number Placeholder 3"/>
+          <p:cNvSpPr>
+            <a:spLocks noGrp="1"/>
+          </p:cNvSpPr>
+          <p:nvPr>
+            <p:ph type="sldNum" sz="quarter" idx="10"/>
+          </p:nvPr>
+        </p:nvSpPr>
+        <p:spPr>
+          <a:xfrm>
+            <a:off x="6942160" y="6381750"/>
+            <a:ext cx="2133600" cy="476250"/>
+          </a:xfrm>
+        </p:spPr>
+        <p:txBody>
+          <a:bodyPr/>
+          <a:lstStyle/>
+          <a:p>
+            <a:pPr>
+              <a:defRPr/>
+            </a:pPr>
+            <a:fld id="{62D6D4B2-7611-498F-8780-1EDC26277454}" type="slidenum">
+              <a:rPr lang="en-US" smtClean="0">
+                <a:solidFill>
+                  <a:srgbClr val="000000"/>
+                </a:solidFill>
+              </a:rPr>
+              <a:pPr>
+                <a:defRPr/>
+              </a:pPr>
+              <a:t>22</a:t>
+            </a:fld>
+            <a:endParaRPr lang="en-US" dirty="0">
+              <a:solidFill>
+                <a:srgbClr val="000000"/>
+              </a:solidFill>
+            </a:endParaRPr>
+          </a:p>
+        </p:txBody>
+      </p:sp>
+      <p:sp>
+        <p:nvSpPr>
+          <p:cNvPr id="5" name="TextBox 4"/>
+          <p:cNvSpPr txBox="1"/>
+          <p:nvPr/>
+        </p:nvSpPr>
+        <p:spPr>
+          <a:xfrm>
+            <a:off x="614785" y="5767457"/>
+            <a:ext cx="8078365" cy="707886"/>
+          </a:xfrm>
+          <a:prstGeom prst="rect">
+            <a:avLst/>
+          </a:prstGeom>
+          <a:noFill/>
+        </p:spPr>
+        <p:txBody>
+          <a:bodyPr wrap="none" rtlCol="0">
+            <a:spAutoFit/>
+          </a:bodyPr>
+          <a:lstStyle/>
+          <a:p>
+            <a:pPr>
+              <a:spcBef>
+                <a:spcPts val="0"/>
+              </a:spcBef>
+            </a:pPr>
+            <a:r>
+              <a:rPr lang="en-US" sz="2000" dirty="0" smtClean="0">
+                <a:solidFill>
+                  <a:srgbClr val="FF0000"/>
+                </a:solidFill>
+              </a:rPr>
+              <a:t>(</a:t>
+            </a:r>
+            <a:r>
+              <a:rPr lang="en-US" sz="2000" u="sng" dirty="0" smtClean="0">
+                <a:solidFill>
+                  <a:srgbClr val="FF0000"/>
+                </a:solidFill>
+              </a:rPr>
+              <a:t>or Option for 2021</a:t>
+            </a:r>
+            <a:r>
+              <a:rPr lang="en-US" sz="2000" dirty="0" smtClean="0">
+                <a:solidFill>
+                  <a:srgbClr val="FF0000"/>
+                </a:solidFill>
+              </a:rPr>
+              <a:t>: You can use a Linear Buffer instead of a Circular Buffer</a:t>
+            </a:r>
+            <a:endParaRPr lang="en-US" sz="2000" dirty="0">
+              <a:solidFill>
+                <a:srgbClr val="FF0000"/>
+              </a:solidFill>
+            </a:endParaRPr>
+          </a:p>
+          <a:p>
+            <a:pPr>
+              <a:spcBef>
+                <a:spcPts val="0"/>
+              </a:spcBef>
+            </a:pPr>
+            <a:endParaRPr lang="en-US" sz="2000" dirty="0">
+              <a:solidFill>
+                <a:srgbClr val="FF0000"/>
+              </a:solidFill>
+            </a:endParaRPr>
+          </a:p>
+        </p:txBody>
+      </p:sp>
+    </p:spTree>
+    <p:custDataLst>
+      <p:tags r:id="rId1"/>
+    </p:custDataLst>
+    <p:extLst>
+      <p:ext uri="{BB962C8B-B14F-4D97-AF65-F5344CB8AC3E}">
+        <p14:creationId xmlns:p14="http://schemas.microsoft.com/office/powerpoint/2010/main" val="1292529013"/>
+      </p:ext>
+    </p:extLst>
+  </p:cSld>
+  <p:clrMapOvr>
+    <a:masterClrMapping/>
+  </p:clrMapOvr>
+  <p:timing>
+    <p:tnLst>
+      <p:par>
+        <p:cTn id="1" dur="indefinite" restart="never" nodeType="tmRoot"/>
+      </p:par>
+    </p:tnLst>
+  </p:timing>
+</p:sld>
+</file>
+
+<file path=ppt/slides/slide23.xml><?xml version="1.0" encoding="utf-8"?>
+<p:sld xmlns:a="http://schemas.openxmlformats.org/drawingml/2006/main" xmlns:r="http://schemas.openxmlformats.org/officeDocument/2006/relationships" xmlns:p="http://schemas.openxmlformats.org/presentationml/2006/main">
+  <p:cSld>
+    <p:spTree>
+      <p:nvGrpSpPr>
+        <p:cNvPr id="1" name=""/>
+        <p:cNvGrpSpPr/>
+        <p:nvPr/>
+      </p:nvGrpSpPr>
+      <p:grpSpPr>
+        <a:xfrm>
+          <a:off x="0" y="0"/>
+          <a:ext cx="0" cy="0"/>
+          <a:chOff x="0" y="0"/>
+          <a:chExt cx="0" cy="0"/>
+        </a:xfrm>
+      </p:grpSpPr>
+      <p:sp>
+        <p:nvSpPr>
+          <p:cNvPr id="2" name="Title 1"/>
+          <p:cNvSpPr>
+            <a:spLocks noGrp="1"/>
+          </p:cNvSpPr>
+          <p:nvPr>
+            <p:ph type="title"/>
+          </p:nvPr>
+        </p:nvSpPr>
+        <p:spPr/>
+        <p:txBody>
+          <a:bodyPr/>
+          <a:lstStyle/>
+          <a:p>
+            <a:r>
+              <a:rPr lang="en-US" dirty="0" smtClean="0"/>
+              <a:t>Lab 3 – Requirements</a:t>
+            </a:r>
+            <a:br>
+              <a:rPr lang="en-US" dirty="0" smtClean="0"/>
+            </a:br>
+            <a:r>
+              <a:rPr lang="en-US" dirty="0" smtClean="0"/>
+              <a:t>Required Functionality </a:t>
+            </a:r>
+            <a:r>
+              <a:rPr lang="en-US" dirty="0" err="1" smtClean="0"/>
+              <a:t>Cont</a:t>
+            </a:r>
+            <a:r>
+              <a:rPr lang="en-US" dirty="0" smtClean="0"/>
+              <a:t> 1</a:t>
+            </a:r>
+            <a:endParaRPr lang="en-US" dirty="0"/>
+          </a:p>
+        </p:txBody>
+      </p:sp>
+      <p:sp>
+        <p:nvSpPr>
+          <p:cNvPr id="4" name="Content Placeholder 3"/>
+          <p:cNvSpPr>
+            <a:spLocks noGrp="1"/>
+          </p:cNvSpPr>
+          <p:nvPr>
+            <p:ph idx="1"/>
+          </p:nvPr>
+        </p:nvSpPr>
+        <p:spPr/>
+        <p:txBody>
+          <a:bodyPr/>
+          <a:lstStyle/>
+          <a:p>
+            <a:r>
+              <a:rPr lang="en-US" dirty="0"/>
+              <a:t>Required </a:t>
+            </a:r>
+            <a:r>
+              <a:rPr lang="en-US" dirty="0" smtClean="0"/>
+              <a:t>Functionality </a:t>
+            </a:r>
+            <a:r>
+              <a:rPr lang="en-US" dirty="0" err="1" smtClean="0"/>
+              <a:t>cont</a:t>
+            </a:r>
+            <a:endParaRPr lang="en-US" dirty="0"/>
+          </a:p>
+          <a:p>
+            <a:pPr lvl="2"/>
+            <a:r>
+              <a:rPr lang="en-US" sz="2000" b="0" dirty="0"/>
+              <a:t>Move the appropriate buffer values into the display memory of the oscilloscope (lab2) component.</a:t>
+            </a:r>
+          </a:p>
+          <a:p>
+            <a:pPr lvl="2"/>
+            <a:r>
+              <a:rPr lang="en-US" sz="2000" b="0" dirty="0"/>
+              <a:t>Provide a user menu (through the terminal) allowing the user to adjust the trigger voltage and trigger time.</a:t>
+            </a:r>
+          </a:p>
+        </p:txBody>
+      </p:sp>
+      <p:sp>
+        <p:nvSpPr>
+          <p:cNvPr id="6" name="Slide Number Placeholder 3"/>
+          <p:cNvSpPr>
+            <a:spLocks noGrp="1"/>
+          </p:cNvSpPr>
+          <p:nvPr>
+            <p:ph type="sldNum" sz="quarter" idx="10"/>
+          </p:nvPr>
+        </p:nvSpPr>
+        <p:spPr>
+          <a:xfrm>
+            <a:off x="6942160" y="6381750"/>
+            <a:ext cx="2133600" cy="476250"/>
+          </a:xfrm>
+        </p:spPr>
+        <p:txBody>
+          <a:bodyPr/>
+          <a:lstStyle/>
+          <a:p>
+            <a:pPr>
+              <a:defRPr/>
+            </a:pPr>
+            <a:fld id="{62D6D4B2-7611-498F-8780-1EDC26277454}" type="slidenum">
+              <a:rPr lang="en-US" smtClean="0">
+                <a:solidFill>
+                  <a:srgbClr val="000000"/>
+                </a:solidFill>
+              </a:rPr>
+              <a:pPr>
+                <a:defRPr/>
+              </a:pPr>
+              <a:t>23</a:t>
+            </a:fld>
+            <a:endParaRPr lang="en-US" dirty="0">
+              <a:solidFill>
+                <a:srgbClr val="000000"/>
+              </a:solidFill>
+            </a:endParaRPr>
+          </a:p>
+        </p:txBody>
+      </p:sp>
+      <p:sp>
+        <p:nvSpPr>
+          <p:cNvPr id="5" name="TextBox 4"/>
+          <p:cNvSpPr txBox="1"/>
+          <p:nvPr/>
+        </p:nvSpPr>
+        <p:spPr>
+          <a:xfrm>
+            <a:off x="1629302" y="3324931"/>
+            <a:ext cx="7393178" cy="1323439"/>
+          </a:xfrm>
+          <a:prstGeom prst="rect">
+            <a:avLst/>
+          </a:prstGeom>
+          <a:noFill/>
+        </p:spPr>
+        <p:txBody>
+          <a:bodyPr wrap="none" rtlCol="0">
+            <a:spAutoFit/>
+          </a:bodyPr>
+          <a:lstStyle/>
+          <a:p>
+            <a:pPr>
+              <a:spcBef>
+                <a:spcPts val="0"/>
+              </a:spcBef>
+            </a:pPr>
+            <a:r>
+              <a:rPr lang="en-US" sz="2000" dirty="0" smtClean="0">
+                <a:solidFill>
+                  <a:srgbClr val="FF0000"/>
+                </a:solidFill>
+              </a:rPr>
+              <a:t>(</a:t>
+            </a:r>
+            <a:r>
+              <a:rPr lang="en-US" sz="2000" u="sng" dirty="0" smtClean="0">
+                <a:solidFill>
+                  <a:srgbClr val="FF0000"/>
+                </a:solidFill>
+              </a:rPr>
+              <a:t>or Option for 2021</a:t>
+            </a:r>
+            <a:r>
+              <a:rPr lang="en-US" sz="2000" dirty="0" smtClean="0">
+                <a:solidFill>
+                  <a:srgbClr val="FF0000"/>
+                </a:solidFill>
+              </a:rPr>
+              <a:t>: Keep lab 2 buttons, and input Trigger Volt and </a:t>
+            </a:r>
+          </a:p>
+          <a:p>
+            <a:pPr>
+              <a:spcBef>
+                <a:spcPts val="0"/>
+              </a:spcBef>
+            </a:pPr>
+            <a:r>
+              <a:rPr lang="en-US" sz="2000" dirty="0" smtClean="0">
+                <a:solidFill>
+                  <a:srgbClr val="FF0000"/>
+                </a:solidFill>
+              </a:rPr>
+              <a:t>Time into </a:t>
+            </a:r>
+            <a:r>
+              <a:rPr lang="en-US" sz="2000" dirty="0" err="1" smtClean="0">
+                <a:solidFill>
+                  <a:srgbClr val="FF0000"/>
+                </a:solidFill>
+              </a:rPr>
+              <a:t>Microblaze</a:t>
+            </a:r>
+            <a:r>
+              <a:rPr lang="en-US" sz="2000" dirty="0" smtClean="0">
+                <a:solidFill>
+                  <a:srgbClr val="FF0000"/>
+                </a:solidFill>
+              </a:rPr>
+              <a:t> using </a:t>
+            </a:r>
+            <a:r>
+              <a:rPr lang="en-US" sz="2000" dirty="0" err="1" smtClean="0">
+                <a:solidFill>
+                  <a:srgbClr val="FF0000"/>
+                </a:solidFill>
+              </a:rPr>
+              <a:t>slv_regs</a:t>
+            </a:r>
+            <a:r>
+              <a:rPr lang="en-US" sz="2000" dirty="0" smtClean="0">
+                <a:solidFill>
+                  <a:srgbClr val="FF0000"/>
+                </a:solidFill>
+              </a:rPr>
+              <a:t>. Show on UART display you can </a:t>
+            </a:r>
+          </a:p>
+          <a:p>
+            <a:pPr>
+              <a:spcBef>
+                <a:spcPts val="0"/>
+              </a:spcBef>
+            </a:pPr>
+            <a:r>
+              <a:rPr lang="en-US" sz="2000" dirty="0" smtClean="0">
+                <a:solidFill>
+                  <a:srgbClr val="FF0000"/>
+                </a:solidFill>
+              </a:rPr>
+              <a:t>read </a:t>
+            </a:r>
+            <a:r>
+              <a:rPr lang="en-US" sz="2000" dirty="0">
+                <a:solidFill>
+                  <a:srgbClr val="FF0000"/>
+                </a:solidFill>
+              </a:rPr>
+              <a:t>Trigger Volt and Time</a:t>
+            </a:r>
+          </a:p>
+          <a:p>
+            <a:pPr>
+              <a:spcBef>
+                <a:spcPts val="0"/>
+              </a:spcBef>
+            </a:pPr>
+            <a:endParaRPr lang="en-US" sz="2000" dirty="0">
+              <a:solidFill>
+                <a:srgbClr val="FF0000"/>
+              </a:solidFill>
+            </a:endParaRPr>
+          </a:p>
+        </p:txBody>
+      </p:sp>
+    </p:spTree>
+    <p:custDataLst>
+      <p:tags r:id="rId1"/>
+    </p:custDataLst>
+    <p:extLst>
+      <p:ext uri="{BB962C8B-B14F-4D97-AF65-F5344CB8AC3E}">
+        <p14:creationId xmlns:p14="http://schemas.microsoft.com/office/powerpoint/2010/main" val="1382004493"/>
+      </p:ext>
+    </p:extLst>
+  </p:cSld>
+  <p:clrMapOvr>
+    <a:masterClrMapping/>
+  </p:clrMapOvr>
+  <p:timing>
+    <p:tnLst>
+      <p:par>
+        <p:cTn id="1" dur="indefinite" restart="never" nodeType="tmRoot"/>
+      </p:par>
+    </p:tnLst>
+  </p:timing>
+</p:sld>
+</file>
+
+<file path=ppt/slides/slide24.xml><?xml version="1.0" encoding="utf-8"?>
+<p:sld xmlns:a="http://schemas.openxmlformats.org/drawingml/2006/main" xmlns:r="http://schemas.openxmlformats.org/officeDocument/2006/relationships" xmlns:p="http://schemas.openxmlformats.org/presentationml/2006/main">
+  <p:cSld>
+    <p:spTree>
+      <p:nvGrpSpPr>
+        <p:cNvPr id="1" name=""/>
+        <p:cNvGrpSpPr/>
+        <p:nvPr/>
+      </p:nvGrpSpPr>
+      <p:grpSpPr>
+        <a:xfrm>
+          <a:off x="0" y="0"/>
+          <a:ext cx="0" cy="0"/>
+          <a:chOff x="0" y="0"/>
+          <a:chExt cx="0" cy="0"/>
+        </a:xfrm>
+      </p:grpSpPr>
+      <p:sp>
+        <p:nvSpPr>
+          <p:cNvPr id="2" name="Title 1"/>
+          <p:cNvSpPr>
+            <a:spLocks noGrp="1"/>
+          </p:cNvSpPr>
+          <p:nvPr>
+            <p:ph type="title"/>
+          </p:nvPr>
+        </p:nvSpPr>
+        <p:spPr/>
+        <p:txBody>
+          <a:bodyPr/>
+          <a:lstStyle/>
+          <a:p>
+            <a:r>
+              <a:rPr lang="en-US" dirty="0" smtClean="0"/>
+              <a:t>Lab 3 – Requirements</a:t>
+            </a:r>
+            <a:br>
+              <a:rPr lang="en-US" dirty="0" smtClean="0"/>
+            </a:br>
+            <a:endParaRPr lang="en-US" dirty="0"/>
+          </a:p>
+        </p:txBody>
+      </p:sp>
+      <p:sp>
+        <p:nvSpPr>
+          <p:cNvPr id="4" name="Content Placeholder 3"/>
+          <p:cNvSpPr>
+            <a:spLocks noGrp="1"/>
+          </p:cNvSpPr>
+          <p:nvPr>
+            <p:ph idx="1"/>
+          </p:nvPr>
+        </p:nvSpPr>
+        <p:spPr/>
+        <p:txBody>
+          <a:bodyPr/>
+          <a:lstStyle/>
+          <a:p>
+            <a:r>
+              <a:rPr lang="en-US" strike="sngStrike" dirty="0" smtClean="0"/>
+              <a:t>B-level </a:t>
+            </a:r>
+            <a:r>
+              <a:rPr lang="en-US" strike="sngStrike" dirty="0"/>
+              <a:t>Functionality </a:t>
+            </a:r>
+            <a:r>
+              <a:rPr lang="en-US" strike="sngStrike" dirty="0" smtClean="0"/>
+              <a:t> </a:t>
+            </a:r>
+            <a:r>
+              <a:rPr lang="en-US" dirty="0" smtClean="0"/>
+              <a:t>A-level Functionality</a:t>
+            </a:r>
+            <a:endParaRPr lang="en-US" dirty="0"/>
+          </a:p>
+          <a:p>
+            <a:pPr lvl="1"/>
+            <a:r>
+              <a:rPr lang="en-US" b="0" dirty="0"/>
+              <a:t>Achieve required functionality</a:t>
+            </a:r>
+            <a:r>
+              <a:rPr lang="en-US" b="0" dirty="0" smtClean="0"/>
+              <a:t>.</a:t>
+            </a:r>
+          </a:p>
+          <a:p>
+            <a:pPr lvl="1"/>
+            <a:r>
+              <a:rPr lang="en-US" b="0" dirty="0" smtClean="0"/>
+              <a:t>[10-points] Use </a:t>
+            </a:r>
+            <a:r>
+              <a:rPr lang="en-US" b="0" dirty="0"/>
+              <a:t>the ready bit of the flag register to trigger an interrupt. The ISR should store the samples (left and right), look for a triggering even, and signal when the stored samples should be </a:t>
+            </a:r>
+            <a:r>
+              <a:rPr lang="en-US" b="0" dirty="0" smtClean="0"/>
+              <a:t>transferred </a:t>
+            </a:r>
+            <a:r>
+              <a:rPr lang="en-US" b="0" dirty="0"/>
+              <a:t>to the BRAM in the oscilloscope component</a:t>
+            </a:r>
+            <a:r>
+              <a:rPr lang="en-US" b="0" dirty="0" smtClean="0"/>
+              <a:t>.</a:t>
+            </a:r>
+          </a:p>
+          <a:p>
+            <a:pPr lvl="1"/>
+            <a:r>
+              <a:rPr lang="en-US" b="0" dirty="0" smtClean="0"/>
+              <a:t>[5-points] Add means to control Ch1_enb and Ch2_enb either by adding two FPGA board switches or controlled by </a:t>
+            </a:r>
+            <a:r>
+              <a:rPr lang="en-US" b="0" dirty="0" err="1" smtClean="0"/>
+              <a:t>microblaze</a:t>
+            </a:r>
+            <a:r>
+              <a:rPr lang="en-US" b="0" dirty="0" smtClean="0"/>
+              <a:t> terminal interface.</a:t>
+            </a:r>
+            <a:endParaRPr lang="en-US" b="0" dirty="0"/>
+          </a:p>
+        </p:txBody>
+      </p:sp>
+      <p:sp>
+        <p:nvSpPr>
+          <p:cNvPr id="6" name="Slide Number Placeholder 3"/>
+          <p:cNvSpPr>
+            <a:spLocks noGrp="1"/>
+          </p:cNvSpPr>
+          <p:nvPr>
+            <p:ph type="sldNum" sz="quarter" idx="10"/>
+          </p:nvPr>
+        </p:nvSpPr>
+        <p:spPr>
+          <a:xfrm>
+            <a:off x="6942160" y="6381750"/>
+            <a:ext cx="2133600" cy="476250"/>
+          </a:xfrm>
+        </p:spPr>
+        <p:txBody>
+          <a:bodyPr/>
+          <a:lstStyle/>
+          <a:p>
+            <a:pPr>
+              <a:defRPr/>
+            </a:pPr>
+            <a:fld id="{62D6D4B2-7611-498F-8780-1EDC26277454}" type="slidenum">
+              <a:rPr lang="en-US" smtClean="0">
+                <a:solidFill>
+                  <a:srgbClr val="000000"/>
+                </a:solidFill>
+              </a:rPr>
+              <a:pPr>
+                <a:defRPr/>
+              </a:pPr>
+              <a:t>24</a:t>
+            </a:fld>
+            <a:endParaRPr lang="en-US" dirty="0">
+              <a:solidFill>
+                <a:srgbClr val="000000"/>
+              </a:solidFill>
+            </a:endParaRPr>
+          </a:p>
+        </p:txBody>
+      </p:sp>
+    </p:spTree>
+    <p:custDataLst>
+      <p:tags r:id="rId1"/>
+    </p:custDataLst>
+    <p:extLst>
+      <p:ext uri="{BB962C8B-B14F-4D97-AF65-F5344CB8AC3E}">
+        <p14:creationId xmlns:p14="http://schemas.microsoft.com/office/powerpoint/2010/main" val="363392082"/>
+      </p:ext>
+    </p:extLst>
+  </p:cSld>
+  <p:clrMapOvr>
+    <a:masterClrMapping/>
+  </p:clrMapOvr>
+  <p:timing>
+    <p:tnLst>
+      <p:par>
+        <p:cTn id="1" dur="indefinite" restart="never" nodeType="tmRoot"/>
+      </p:par>
+    </p:tnLst>
+  </p:timing>
+</p:sld>
+</file>
+
+<file path=ppt/slides/slide25.xml><?xml version="1.0" encoding="utf-8"?>
+<p:sld xmlns:a="http://schemas.openxmlformats.org/drawingml/2006/main" xmlns:r="http://schemas.openxmlformats.org/officeDocument/2006/relationships" xmlns:p="http://schemas.openxmlformats.org/presentationml/2006/main">
+  <p:cSld>
+    <p:spTree>
+      <p:nvGrpSpPr>
+        <p:cNvPr id="1" name=""/>
+        <p:cNvGrpSpPr/>
+        <p:nvPr/>
+      </p:nvGrpSpPr>
+      <p:grpSpPr>
+        <a:xfrm>
+          <a:off x="0" y="0"/>
+          <a:ext cx="0" cy="0"/>
+          <a:chOff x="0" y="0"/>
+          <a:chExt cx="0" cy="0"/>
+        </a:xfrm>
+      </p:grpSpPr>
+      <p:sp>
+        <p:nvSpPr>
+          <p:cNvPr id="2" name="Title 1"/>
+          <p:cNvSpPr>
+            <a:spLocks noGrp="1"/>
+          </p:cNvSpPr>
+          <p:nvPr>
+            <p:ph type="title"/>
+          </p:nvPr>
+        </p:nvSpPr>
+        <p:spPr/>
+        <p:txBody>
+          <a:bodyPr/>
+          <a:lstStyle/>
+          <a:p>
+            <a:r>
+              <a:rPr lang="en-US" dirty="0" smtClean="0"/>
+              <a:t>Lab 3 – Requirements</a:t>
+            </a:r>
+            <a:br>
+              <a:rPr lang="en-US" dirty="0" smtClean="0"/>
+            </a:br>
+            <a:endParaRPr lang="en-US" dirty="0"/>
+          </a:p>
+        </p:txBody>
+      </p:sp>
+      <p:sp>
+        <p:nvSpPr>
+          <p:cNvPr id="4" name="Content Placeholder 3"/>
+          <p:cNvSpPr>
+            <a:spLocks noGrp="1"/>
+          </p:cNvSpPr>
+          <p:nvPr>
+            <p:ph idx="1"/>
+          </p:nvPr>
+        </p:nvSpPr>
+        <p:spPr/>
+        <p:txBody>
+          <a:bodyPr/>
+          <a:lstStyle/>
+          <a:p>
+            <a:r>
+              <a:rPr lang="en-US" strike="sngStrike" dirty="0"/>
+              <a:t>A-level </a:t>
+            </a:r>
+            <a:r>
+              <a:rPr lang="en-US" strike="sngStrike" dirty="0" smtClean="0"/>
+              <a:t>Functionality</a:t>
+            </a:r>
+            <a:endParaRPr lang="en-US" strike="sngStrike" dirty="0"/>
+          </a:p>
+          <a:p>
+            <a:pPr lvl="1"/>
+            <a:r>
+              <a:rPr lang="en-US" b="0" strike="sngStrike" dirty="0" smtClean="0"/>
+              <a:t>Ability </a:t>
+            </a:r>
+            <a:r>
+              <a:rPr lang="en-US" b="0" strike="sngStrike" dirty="0"/>
+              <a:t>to trigger off channel 2</a:t>
+            </a:r>
+          </a:p>
+          <a:p>
+            <a:pPr lvl="1"/>
+            <a:r>
+              <a:rPr lang="en-US" b="0" strike="sngStrike" dirty="0"/>
+              <a:t>Ability to change the slope direction for the trigger.</a:t>
+            </a:r>
+          </a:p>
+          <a:p>
+            <a:pPr lvl="2" eaLnBrk="1" hangingPunct="1">
+              <a:lnSpc>
+                <a:spcPct val="80000"/>
+              </a:lnSpc>
+            </a:pPr>
+            <a:endParaRPr lang="en-US" dirty="0"/>
+          </a:p>
+        </p:txBody>
+      </p:sp>
+      <p:sp>
+        <p:nvSpPr>
+          <p:cNvPr id="6" name="Slide Number Placeholder 3"/>
+          <p:cNvSpPr>
+            <a:spLocks noGrp="1"/>
+          </p:cNvSpPr>
+          <p:nvPr>
+            <p:ph type="sldNum" sz="quarter" idx="10"/>
+          </p:nvPr>
+        </p:nvSpPr>
+        <p:spPr>
+          <a:xfrm>
+            <a:off x="6942160" y="6381750"/>
+            <a:ext cx="2133600" cy="476250"/>
+          </a:xfrm>
+        </p:spPr>
+        <p:txBody>
+          <a:bodyPr/>
+          <a:lstStyle/>
+          <a:p>
+            <a:pPr>
+              <a:defRPr/>
+            </a:pPr>
+            <a:fld id="{62D6D4B2-7611-498F-8780-1EDC26277454}" type="slidenum">
+              <a:rPr lang="en-US" smtClean="0">
+                <a:solidFill>
+                  <a:srgbClr val="000000"/>
+                </a:solidFill>
+              </a:rPr>
+              <a:pPr>
+                <a:defRPr/>
+              </a:pPr>
+              <a:t>25</a:t>
+            </a:fld>
+            <a:endParaRPr lang="en-US" dirty="0">
+              <a:solidFill>
+                <a:srgbClr val="000000"/>
+              </a:solidFill>
+            </a:endParaRPr>
+          </a:p>
+        </p:txBody>
+      </p:sp>
+    </p:spTree>
+    <p:custDataLst>
+      <p:tags r:id="rId1"/>
+    </p:custDataLst>
+    <p:extLst>
+      <p:ext uri="{BB962C8B-B14F-4D97-AF65-F5344CB8AC3E}">
+        <p14:creationId xmlns:p14="http://schemas.microsoft.com/office/powerpoint/2010/main" val="517968935"/>
+      </p:ext>
+    </p:extLst>
+  </p:cSld>
+  <p:clrMapOvr>
+    <a:masterClrMapping/>
+  </p:clrMapOvr>
+  <p:timing>
+    <p:tnLst>
+      <p:par>
+        <p:cTn id="1" dur="indefinite" restart="never" nodeType="tmRoot"/>
+      </p:par>
+    </p:tnLst>
+  </p:timing>
+</p:sld>
+</file>
+
+<file path=ppt/slides/slide26.xml><?xml version="1.0" encoding="utf-8"?>
+<p:sld xmlns:a="http://schemas.openxmlformats.org/drawingml/2006/main" xmlns:r="http://schemas.openxmlformats.org/officeDocument/2006/relationships" xmlns:p="http://schemas.openxmlformats.org/presentationml/2006/main">
+  <p:cSld>
+    <p:spTree>
+      <p:nvGrpSpPr>
+        <p:cNvPr id="1" name=""/>
+        <p:cNvGrpSpPr/>
+        <p:nvPr/>
+      </p:nvGrpSpPr>
+      <p:grpSpPr>
+        <a:xfrm>
+          <a:off x="0" y="0"/>
+          <a:ext cx="0" cy="0"/>
+          <a:chOff x="0" y="0"/>
+          <a:chExt cx="0" cy="0"/>
+        </a:xfrm>
+      </p:grpSpPr>
+      <p:sp>
+        <p:nvSpPr>
+          <p:cNvPr id="2" name="Title 1"/>
+          <p:cNvSpPr>
+            <a:spLocks noGrp="1"/>
+          </p:cNvSpPr>
+          <p:nvPr>
+            <p:ph type="title"/>
+          </p:nvPr>
+        </p:nvSpPr>
+        <p:spPr/>
+        <p:txBody>
+          <a:bodyPr/>
+          <a:lstStyle/>
+          <a:p>
+            <a:r>
+              <a:rPr lang="en-US" dirty="0" smtClean="0"/>
+              <a:t>Lab 3 – Requirements</a:t>
+            </a:r>
+            <a:br>
+              <a:rPr lang="en-US" dirty="0" smtClean="0"/>
+            </a:br>
+            <a:r>
+              <a:rPr lang="en-US" dirty="0" smtClean="0"/>
+              <a:t>Turn In</a:t>
+            </a:r>
+            <a:endParaRPr lang="en-US" dirty="0"/>
+          </a:p>
+        </p:txBody>
+      </p:sp>
+      <p:sp>
+        <p:nvSpPr>
+          <p:cNvPr id="4" name="Content Placeholder 3"/>
+          <p:cNvSpPr>
+            <a:spLocks noGrp="1"/>
+          </p:cNvSpPr>
+          <p:nvPr>
+            <p:ph idx="1"/>
+          </p:nvPr>
+        </p:nvSpPr>
+        <p:spPr/>
+        <p:txBody>
+          <a:bodyPr/>
+          <a:lstStyle/>
+          <a:p>
+            <a:r>
+              <a:rPr lang="en-US" dirty="0" smtClean="0"/>
+              <a:t>Turn In Requirements</a:t>
+            </a:r>
+            <a:endParaRPr lang="en-US" dirty="0"/>
+          </a:p>
+          <a:p>
+            <a:pPr lvl="1"/>
+            <a:r>
+              <a:rPr lang="en-US" b="0" dirty="0"/>
+              <a:t>All your work in this lab is to be submitted using </a:t>
+            </a:r>
+            <a:r>
+              <a:rPr lang="en-US" b="0" dirty="0" err="1" smtClean="0"/>
+              <a:t>Bitbucket</a:t>
+            </a:r>
+            <a:endParaRPr lang="en-US" b="0" dirty="0" smtClean="0"/>
+          </a:p>
+          <a:p>
+            <a:pPr lvl="1"/>
+            <a:r>
+              <a:rPr lang="en-US" b="0" dirty="0" smtClean="0"/>
+              <a:t>README: </a:t>
+            </a:r>
+            <a:r>
+              <a:rPr lang="en-US" b="0" dirty="0"/>
+              <a:t>only needs </a:t>
+            </a:r>
+            <a:endParaRPr lang="en-US" b="0" dirty="0" smtClean="0"/>
+          </a:p>
+          <a:p>
+            <a:pPr lvl="2"/>
+            <a:r>
+              <a:rPr lang="en-US" b="0" dirty="0" smtClean="0"/>
+              <a:t>Design</a:t>
+            </a:r>
+          </a:p>
+          <a:p>
+            <a:pPr lvl="3"/>
+            <a:r>
+              <a:rPr lang="en-US" b="0" dirty="0" smtClean="0"/>
+              <a:t>Slide 9 diagram (no change?)</a:t>
+            </a:r>
+          </a:p>
+          <a:p>
+            <a:pPr lvl="3"/>
+            <a:r>
+              <a:rPr lang="en-US" b="0" dirty="0" smtClean="0"/>
+              <a:t>Updated lab2 block diagram with correct signals</a:t>
+            </a:r>
+          </a:p>
+          <a:p>
+            <a:pPr lvl="3"/>
+            <a:r>
+              <a:rPr lang="en-US" dirty="0" smtClean="0"/>
+              <a:t>Mapping of 32 AXI registers to lab2 signals</a:t>
+            </a:r>
+            <a:endParaRPr lang="en-US" b="0" dirty="0" smtClean="0"/>
+          </a:p>
+          <a:p>
+            <a:pPr lvl="2"/>
+            <a:r>
+              <a:rPr lang="en-US" b="0" dirty="0" smtClean="0"/>
+              <a:t>E</a:t>
+            </a:r>
+            <a:r>
+              <a:rPr lang="en-US" b="0" dirty="0" smtClean="0"/>
+              <a:t>vidence </a:t>
+            </a:r>
+            <a:r>
+              <a:rPr lang="en-US" b="0" dirty="0"/>
+              <a:t>of completing Gate Checks 1 and 2, </a:t>
+            </a:r>
+            <a:r>
+              <a:rPr lang="en-US" b="0" dirty="0" smtClean="0"/>
+              <a:t>basic functionality</a:t>
+            </a:r>
+            <a:r>
+              <a:rPr lang="en-US" b="0" dirty="0"/>
+              <a:t>, and A-functionality, along with the date/time </a:t>
+            </a:r>
+            <a:r>
+              <a:rPr lang="en-US" b="0" dirty="0" smtClean="0"/>
+              <a:t>achieved</a:t>
+            </a:r>
+          </a:p>
+          <a:p>
+            <a:pPr lvl="2"/>
+            <a:r>
+              <a:rPr lang="en-US" b="0" dirty="0" smtClean="0"/>
+              <a:t>Issues and lessons learned</a:t>
+            </a:r>
+            <a:endParaRPr lang="en-US" b="0" dirty="0"/>
+          </a:p>
+        </p:txBody>
+      </p:sp>
+      <p:sp>
+        <p:nvSpPr>
+          <p:cNvPr id="6" name="Slide Number Placeholder 3"/>
+          <p:cNvSpPr>
+            <a:spLocks noGrp="1"/>
+          </p:cNvSpPr>
+          <p:nvPr>
+            <p:ph type="sldNum" sz="quarter" idx="10"/>
+          </p:nvPr>
+        </p:nvSpPr>
+        <p:spPr>
+          <a:xfrm>
+            <a:off x="6942160" y="6381750"/>
+            <a:ext cx="2133600" cy="476250"/>
+          </a:xfrm>
+        </p:spPr>
+        <p:txBody>
+          <a:bodyPr/>
+          <a:lstStyle/>
+          <a:p>
+            <a:pPr>
+              <a:defRPr/>
+            </a:pPr>
+            <a:fld id="{62D6D4B2-7611-498F-8780-1EDC26277454}" type="slidenum">
+              <a:rPr lang="en-US" smtClean="0">
+                <a:solidFill>
+                  <a:srgbClr val="000000"/>
+                </a:solidFill>
+              </a:rPr>
+              <a:pPr>
+                <a:defRPr/>
+              </a:pPr>
+              <a:t>26</a:t>
+            </a:fld>
+            <a:endParaRPr lang="en-US" dirty="0">
+              <a:solidFill>
+                <a:srgbClr val="000000"/>
+              </a:solidFill>
+            </a:endParaRPr>
+          </a:p>
+        </p:txBody>
+      </p:sp>
+    </p:spTree>
+    <p:custDataLst>
+      <p:tags r:id="rId1"/>
+    </p:custDataLst>
+    <p:extLst>
+      <p:ext uri="{BB962C8B-B14F-4D97-AF65-F5344CB8AC3E}">
+        <p14:creationId xmlns:p14="http://schemas.microsoft.com/office/powerpoint/2010/main" val="1518157090"/>
+      </p:ext>
+    </p:extLst>
+  </p:cSld>
+  <p:clrMapOvr>
+    <a:masterClrMapping/>
+  </p:clrMapOvr>
+  <p:timing>
+    <p:tnLst>
+      <p:par>
+        <p:cTn id="1" dur="indefinite" restart="never" nodeType="tmRoot"/>
+      </p:par>
+    </p:tnLst>
+  </p:timing>
+</p:sld>
+</file>
+
+<file path=ppt/slides/slide27.xml><?xml version="1.0" encoding="utf-8"?>
+<p:sld xmlns:a="http://schemas.openxmlformats.org/drawingml/2006/main" xmlns:r="http://schemas.openxmlformats.org/officeDocument/2006/relationships" xmlns:p="http://schemas.openxmlformats.org/presentationml/2006/main">
+  <p:cSld>
+    <p:spTree>
+      <p:nvGrpSpPr>
+        <p:cNvPr id="1" name=""/>
+        <p:cNvGrpSpPr/>
+        <p:nvPr/>
+      </p:nvGrpSpPr>
+      <p:grpSpPr>
+        <a:xfrm>
+          <a:off x="0" y="0"/>
+          <a:ext cx="0" cy="0"/>
+          <a:chOff x="0" y="0"/>
+          <a:chExt cx="0" cy="0"/>
+        </a:xfrm>
+      </p:grpSpPr>
+      <p:sp>
+        <p:nvSpPr>
+          <p:cNvPr id="2" name="Title 1"/>
+          <p:cNvSpPr>
+            <a:spLocks noGrp="1"/>
+          </p:cNvSpPr>
+          <p:nvPr>
+            <p:ph type="title"/>
+          </p:nvPr>
+        </p:nvSpPr>
+        <p:spPr/>
+        <p:txBody>
+          <a:bodyPr/>
+          <a:lstStyle/>
+          <a:p>
+            <a:r>
+              <a:rPr lang="en-US" dirty="0" smtClean="0"/>
+              <a:t>Dummy Waveforms for Testing</a:t>
+            </a:r>
+            <a:endParaRPr lang="en-US" dirty="0"/>
+          </a:p>
+        </p:txBody>
+      </p:sp>
+      <p:sp>
+        <p:nvSpPr>
+          <p:cNvPr id="3" name="Content Placeholder 2"/>
+          <p:cNvSpPr>
+            <a:spLocks noGrp="1"/>
+          </p:cNvSpPr>
+          <p:nvPr>
+            <p:ph idx="1"/>
+          </p:nvPr>
+        </p:nvSpPr>
+        <p:spPr/>
+        <p:txBody>
+          <a:bodyPr/>
+          <a:lstStyle/>
+          <a:p>
+            <a:r>
+              <a:rPr lang="en-US" dirty="0" err="1" smtClean="0"/>
+              <a:t>Audio_Codec_Wrapper</a:t>
+            </a:r>
+            <a:r>
+              <a:rPr lang="en-US" dirty="0" smtClean="0"/>
+              <a:t> has </a:t>
+            </a:r>
+            <a:r>
+              <a:rPr lang="en-US" dirty="0" err="1" smtClean="0"/>
+              <a:t>sim_live</a:t>
+            </a:r>
+            <a:endParaRPr lang="en-US" dirty="0" smtClean="0"/>
+          </a:p>
+          <a:p>
+            <a:pPr lvl="1"/>
+            <a:r>
+              <a:rPr lang="en-US" dirty="0" smtClean="0"/>
+              <a:t>Use switch or C-doe to toggle </a:t>
+            </a:r>
+            <a:r>
+              <a:rPr lang="en-US" dirty="0" err="1" smtClean="0"/>
+              <a:t>sim_live</a:t>
+            </a:r>
+            <a:r>
+              <a:rPr lang="en-US" dirty="0" smtClean="0"/>
+              <a:t>?</a:t>
+            </a:r>
+          </a:p>
+          <a:p>
+            <a:pPr lvl="1"/>
+            <a:endParaRPr lang="en-US" dirty="0"/>
+          </a:p>
+          <a:p>
+            <a:pPr lvl="1"/>
+            <a:endParaRPr lang="en-US" dirty="0" smtClean="0"/>
+          </a:p>
+          <a:p>
+            <a:r>
+              <a:rPr lang="en-US" dirty="0" smtClean="0"/>
+              <a:t>Walk through example C-code test commands</a:t>
+            </a:r>
+            <a:endParaRPr lang="en-US" dirty="0"/>
+          </a:p>
+        </p:txBody>
+      </p:sp>
+      <p:sp>
+        <p:nvSpPr>
+          <p:cNvPr id="4" name="Slide Number Placeholder 3"/>
+          <p:cNvSpPr>
+            <a:spLocks noGrp="1"/>
+          </p:cNvSpPr>
+          <p:nvPr>
+            <p:ph type="sldNum" sz="quarter" idx="10"/>
+          </p:nvPr>
+        </p:nvSpPr>
+        <p:spPr/>
+        <p:txBody>
+          <a:bodyPr/>
+          <a:lstStyle/>
+          <a:p>
+            <a:pPr>
+              <a:defRPr/>
+            </a:pPr>
+            <a:fld id="{62D6D4B2-7611-498F-8780-1EDC26277454}" type="slidenum">
+              <a:rPr lang="en-US" smtClean="0">
+                <a:solidFill>
+                  <a:srgbClr val="000000"/>
+                </a:solidFill>
+              </a:rPr>
+              <a:pPr>
+                <a:defRPr/>
+              </a:pPr>
+              <a:t>27</a:t>
+            </a:fld>
+            <a:endParaRPr lang="en-US" dirty="0">
+              <a:solidFill>
+                <a:srgbClr val="000000"/>
+              </a:solidFill>
+            </a:endParaRPr>
+          </a:p>
+        </p:txBody>
+      </p:sp>
+      <p:sp>
+        <p:nvSpPr>
+          <p:cNvPr id="5" name="Date Placeholder 4"/>
+          <p:cNvSpPr>
+            <a:spLocks noGrp="1"/>
+          </p:cNvSpPr>
+          <p:nvPr>
+            <p:ph type="dt" sz="half" idx="11"/>
+          </p:nvPr>
+        </p:nvSpPr>
+        <p:spPr/>
+        <p:txBody>
+          <a:bodyPr/>
+          <a:lstStyle/>
+          <a:p>
+            <a:pPr fontAlgn="auto">
+              <a:spcBef>
+                <a:spcPts val="0"/>
+              </a:spcBef>
+              <a:spcAft>
+                <a:spcPts val="0"/>
+              </a:spcAft>
+              <a:defRPr/>
+            </a:pPr>
+            <a:endParaRPr lang="en-US" sz="1800" smtClean="0">
+              <a:solidFill>
+                <a:srgbClr val="000000"/>
+              </a:solidFill>
+            </a:endParaRPr>
+          </a:p>
+          <a:p>
+            <a:pPr fontAlgn="auto">
+              <a:spcBef>
+                <a:spcPts val="0"/>
+              </a:spcBef>
+              <a:spcAft>
+                <a:spcPts val="0"/>
+              </a:spcAft>
+              <a:defRPr/>
+            </a:pPr>
+            <a:fld id="{D957A480-45FD-4E4A-ABAC-1E7EB071E91C}" type="datetime3">
+              <a:rPr lang="en-US" sz="1800" smtClean="0">
+                <a:solidFill>
+                  <a:srgbClr val="000000"/>
+                </a:solidFill>
+              </a:rPr>
+              <a:pPr fontAlgn="auto">
+                <a:spcBef>
+                  <a:spcPts val="0"/>
+                </a:spcBef>
+                <a:spcAft>
+                  <a:spcPts val="0"/>
+                </a:spcAft>
+                <a:defRPr/>
+              </a:pPr>
+              <a:t>8 March 2021</a:t>
+            </a:fld>
+            <a:endParaRPr lang="en-US" sz="1800">
+              <a:solidFill>
+                <a:srgbClr val="000000"/>
+              </a:solidFill>
+            </a:endParaRPr>
+          </a:p>
+        </p:txBody>
+      </p:sp>
+    </p:spTree>
+    <p:extLst>
+      <p:ext uri="{BB962C8B-B14F-4D97-AF65-F5344CB8AC3E}">
+        <p14:creationId xmlns:p14="http://schemas.microsoft.com/office/powerpoint/2010/main" val="962442150"/>
+      </p:ext>
+    </p:extLst>
+  </p:cSld>
+  <p:clrMapOvr>
+    <a:masterClrMapping/>
+  </p:clrMapOvr>
 </p:sld>
 </file>
 
@@ -13287,7 +15612,7 @@
       </p:grpSpPr>
       <p:sp>
         <p:nvSpPr>
-          <p:cNvPr id="6" name="Title 5"/>
+          <p:cNvPr id="2" name="Title 1"/>
           <p:cNvSpPr>
             <a:spLocks noGrp="1"/>
           </p:cNvSpPr>
@@ -13301,29 +15626,21 @@
           <a:lstStyle/>
           <a:p>
             <a:r>
-              <a:rPr lang="en-US" cap="none" dirty="0" smtClean="0"/>
-              <a:t>Lab 3 </a:t>
-            </a:r>
-            <a:r>
-              <a:rPr lang="en-US" cap="none" dirty="0"/>
-              <a:t>– Software control of a </a:t>
-            </a:r>
-            <a:r>
-              <a:rPr lang="en-US" cap="none" dirty="0" err="1"/>
-              <a:t>datapath</a:t>
-            </a:r>
-            <a:endParaRPr lang="en-US" cap="none" dirty="0"/>
-          </a:p>
-        </p:txBody>
-      </p:sp>
-      <p:sp>
-        <p:nvSpPr>
-          <p:cNvPr id="7" name="Text Placeholder 6"/>
+              <a:rPr lang="en-US" dirty="0" smtClean="0"/>
+              <a:t>Lesson Outline</a:t>
+            </a:r>
+            <a:endParaRPr lang="en-US" dirty="0"/>
+          </a:p>
+        </p:txBody>
+      </p:sp>
+      <p:sp>
+        <p:nvSpPr>
+          <p:cNvPr id="4" name="Content Placeholder 3"/>
           <p:cNvSpPr>
             <a:spLocks noGrp="1"/>
           </p:cNvSpPr>
           <p:nvPr>
-            <p:ph type="body" idx="1"/>
+            <p:ph idx="1"/>
           </p:nvPr>
         </p:nvSpPr>
         <p:spPr/>
@@ -13331,13 +15648,57 @@
           <a:bodyPr/>
           <a:lstStyle/>
           <a:p>
+            <a:pPr eaLnBrk="1" hangingPunct="1">
+              <a:lnSpc>
+                <a:spcPct val="80000"/>
+              </a:lnSpc>
+            </a:pPr>
+            <a:r>
+              <a:rPr lang="en-US" dirty="0" smtClean="0"/>
+              <a:t>Time Logs!</a:t>
+            </a:r>
+          </a:p>
+          <a:p>
+            <a:pPr eaLnBrk="1" hangingPunct="1">
+              <a:lnSpc>
+                <a:spcPct val="80000"/>
+              </a:lnSpc>
+            </a:pPr>
+            <a:r>
+              <a:rPr lang="en-US" dirty="0" smtClean="0"/>
+              <a:t>Lab 3 – </a:t>
+            </a:r>
+            <a:r>
+              <a:rPr lang="en-US" dirty="0"/>
+              <a:t>Software control of a </a:t>
+            </a:r>
+            <a:r>
+              <a:rPr lang="en-US" dirty="0" err="1"/>
+              <a:t>datapath</a:t>
+            </a:r>
             <a:endParaRPr lang="en-US" dirty="0"/>
           </a:p>
-        </p:txBody>
-      </p:sp>
-      <p:sp>
-        <p:nvSpPr>
-          <p:cNvPr id="5" name="Slide Number Placeholder 3"/>
+          <a:p>
+            <a:pPr eaLnBrk="1" hangingPunct="1">
+              <a:lnSpc>
+                <a:spcPct val="80000"/>
+              </a:lnSpc>
+            </a:pPr>
+            <a:endParaRPr lang="en-US" dirty="0" smtClean="0"/>
+          </a:p>
+          <a:p>
+            <a:pPr eaLnBrk="1" hangingPunct="1">
+              <a:lnSpc>
+                <a:spcPct val="80000"/>
+              </a:lnSpc>
+            </a:pPr>
+            <a:endParaRPr lang="en-US" dirty="0" smtClean="0"/>
+          </a:p>
+        </p:txBody>
+      </p:sp>
+      <p:sp>
+        <p:nvSpPr>
+          <p:cNvPr id="6" name="Slide Number Placeholder 3"/>
           <p:cNvSpPr>
             <a:spLocks noGrp="1"/>
           </p:cNvSpPr>
@@ -13378,9 +15739,12 @@
         </p:txBody>
       </p:sp>
     </p:spTree>
+    <p:custDataLst>
+      <p:tags r:id="rId1"/>
+    </p:custDataLst>
     <p:extLst>
       <p:ext uri="{BB962C8B-B14F-4D97-AF65-F5344CB8AC3E}">
-        <p14:creationId xmlns:p14="http://schemas.microsoft.com/office/powerpoint/2010/main" val="2890013489"/>
+        <p14:creationId xmlns:p14="http://schemas.microsoft.com/office/powerpoint/2010/main" val="3991601210"/>
       </p:ext>
     </p:extLst>
   </p:cSld>
@@ -13416,7 +15780,7 @@
       </p:grpSpPr>
       <p:sp>
         <p:nvSpPr>
-          <p:cNvPr id="2" name="Title 1"/>
+          <p:cNvPr id="6" name="Title 5"/>
           <p:cNvSpPr>
             <a:spLocks noGrp="1"/>
           </p:cNvSpPr>
@@ -13430,145 +15794,43 @@
           <a:lstStyle/>
           <a:p>
             <a:r>
-              <a:rPr lang="en-US" dirty="0"/>
-              <a:t>Lab </a:t>
-            </a:r>
-            <a:r>
-              <a:rPr lang="en-US" dirty="0" smtClean="0"/>
-              <a:t>3 </a:t>
-            </a:r>
-            <a:r>
-              <a:rPr lang="en-US" dirty="0"/>
-              <a:t>– </a:t>
-            </a:r>
-            <a:r>
-              <a:rPr lang="en-US" dirty="0" smtClean="0"/>
-              <a:t>Lab Overview</a:t>
-            </a:r>
-            <a:endParaRPr lang="en-US" dirty="0"/>
-          </a:p>
-        </p:txBody>
-      </p:sp>
-      <p:sp>
-        <p:nvSpPr>
-          <p:cNvPr id="4" name="Content Placeholder 3"/>
+              <a:rPr lang="en-US" cap="none" dirty="0" smtClean="0"/>
+              <a:t>Lab 3 </a:t>
+            </a:r>
+            <a:r>
+              <a:rPr lang="en-US" cap="none" dirty="0"/>
+              <a:t>– Software control of a </a:t>
+            </a:r>
+            <a:r>
+              <a:rPr lang="en-US" cap="none" dirty="0" err="1"/>
+              <a:t>datapath</a:t>
+            </a:r>
+            <a:endParaRPr lang="en-US" cap="none" dirty="0"/>
+          </a:p>
+        </p:txBody>
+      </p:sp>
+      <p:sp>
+        <p:nvSpPr>
+          <p:cNvPr id="7" name="Text Placeholder 6"/>
           <p:cNvSpPr>
             <a:spLocks noGrp="1"/>
           </p:cNvSpPr>
           <p:nvPr>
-            <p:ph idx="1"/>
+            <p:ph type="body" idx="1"/>
           </p:nvPr>
         </p:nvSpPr>
-        <p:spPr>
-          <a:xfrm>
-            <a:off x="581736" y="1523052"/>
-            <a:ext cx="8131175" cy="4324350"/>
-          </a:xfrm>
-        </p:spPr>
+        <p:spPr/>
         <p:txBody>
           <a:bodyPr/>
           <a:lstStyle/>
           <a:p>
-            <a:r>
-              <a:rPr lang="en-US" b="0" dirty="0" smtClean="0"/>
-              <a:t>Lab Overview - </a:t>
-            </a:r>
-            <a:r>
-              <a:rPr lang="en-US" b="0" dirty="0"/>
-              <a:t>In this </a:t>
-            </a:r>
-            <a:r>
-              <a:rPr lang="en-US" b="0" dirty="0" smtClean="0"/>
-              <a:t>lab, </a:t>
-            </a:r>
-            <a:r>
-              <a:rPr lang="en-US" b="0" dirty="0"/>
-              <a:t>we will integrate the video display controller developed in Lab 2 with the </a:t>
-            </a:r>
-            <a:r>
-              <a:rPr lang="en-US" b="0" dirty="0" err="1" smtClean="0"/>
-              <a:t>MicroBlaze</a:t>
-            </a:r>
-            <a:r>
-              <a:rPr lang="en-US" b="0" dirty="0" smtClean="0"/>
-              <a:t> </a:t>
-            </a:r>
-            <a:r>
-              <a:rPr lang="en-US" b="0" dirty="0"/>
-              <a:t>processor built using the fabric of the </a:t>
-            </a:r>
-            <a:r>
-              <a:rPr lang="en-US" b="0" dirty="0" smtClean="0"/>
-              <a:t>Artix-7 FPGA</a:t>
-            </a:r>
-            <a:r>
-              <a:rPr lang="en-US" b="0" dirty="0"/>
-              <a:t>. In the preceding </a:t>
-            </a:r>
-            <a:r>
-              <a:rPr lang="en-US" b="0" dirty="0" smtClean="0"/>
-              <a:t>lectures, </a:t>
-            </a:r>
-            <a:r>
-              <a:rPr lang="en-US" b="0" dirty="0"/>
-              <a:t>we have learned about the EDK and SDK tool </a:t>
-            </a:r>
-            <a:r>
-              <a:rPr lang="en-US" b="0" dirty="0" smtClean="0"/>
-              <a:t>chains. Now, it’s </a:t>
-            </a:r>
-            <a:r>
-              <a:rPr lang="en-US" b="0" dirty="0"/>
-              <a:t>time to put that knowledge to the test by building a software controlled </a:t>
-            </a:r>
-            <a:r>
-              <a:rPr lang="en-US" b="0" dirty="0" err="1"/>
-              <a:t>datapath</a:t>
-            </a:r>
-            <a:r>
-              <a:rPr lang="en-US" b="0" dirty="0"/>
-              <a:t>. Lab 2 revealed some shortcomings of our oscilloscope that this lab intends on </a:t>
-            </a:r>
-            <a:r>
-              <a:rPr lang="en-US" b="0" dirty="0" err="1"/>
-              <a:t>correcting.Horizontal</a:t>
-            </a:r>
-            <a:r>
-              <a:rPr lang="en-US" b="0" dirty="0"/>
-              <a:t> trigger point</a:t>
-            </a:r>
-          </a:p>
-          <a:p>
-            <a:pPr lvl="1"/>
-            <a:r>
-              <a:rPr lang="en-US" b="0" dirty="0"/>
-              <a:t>Ability to enable and disable channels to display</a:t>
-            </a:r>
-          </a:p>
-          <a:p>
-            <a:pPr lvl="1"/>
-            <a:r>
-              <a:rPr lang="en-US" b="0" dirty="0"/>
-              <a:t>Ability to trigger off channel 2</a:t>
-            </a:r>
-          </a:p>
-          <a:p>
-            <a:pPr lvl="1"/>
-            <a:r>
-              <a:rPr lang="en-US" b="0" dirty="0"/>
-              <a:t>Ability to change the slope direction for the trigger</a:t>
-            </a:r>
-            <a:r>
-              <a:rPr lang="en-US" b="0" dirty="0" smtClean="0"/>
-              <a:t>.</a:t>
-            </a:r>
-            <a:endParaRPr lang="en-US" b="0" dirty="0"/>
-          </a:p>
-        </p:txBody>
-      </p:sp>
-      <p:sp>
-        <p:nvSpPr>
-          <p:cNvPr id="6" name="Slide Number Placeholder 3"/>
+            <a:endParaRPr lang="en-US" dirty="0"/>
+          </a:p>
+        </p:txBody>
+      </p:sp>
+      <p:sp>
+        <p:nvSpPr>
+          <p:cNvPr id="5" name="Slide Number Placeholder 3"/>
           <p:cNvSpPr>
             <a:spLocks noGrp="1"/>
           </p:cNvSpPr>
@@ -13609,9 +15871,12 @@
         </p:txBody>
       </p:sp>
     </p:spTree>
+    <p:custDataLst>
+      <p:tags r:id="rId1"/>
+    </p:custDataLst>
     <p:extLst>
       <p:ext uri="{BB962C8B-B14F-4D97-AF65-F5344CB8AC3E}">
-        <p14:creationId xmlns:p14="http://schemas.microsoft.com/office/powerpoint/2010/main" val="3143664567"/>
+        <p14:creationId xmlns:p14="http://schemas.microsoft.com/office/powerpoint/2010/main" val="2890013489"/>
       </p:ext>
     </p:extLst>
   </p:cSld>
@@ -13692,7 +15957,7 @@
         </p:nvSpPr>
         <p:spPr>
           <a:xfrm>
-            <a:off x="581736" y="1523052"/>
+            <a:off x="561975" y="1432815"/>
             <a:ext cx="8131175" cy="4324350"/>
           </a:xfrm>
         </p:spPr>
@@ -13702,85 +15967,91 @@
           <a:p>
             <a:r>
               <a:rPr lang="en-US" b="0" dirty="0" smtClean="0"/>
-              <a:t>The </a:t>
+              <a:t>Lab Overview - </a:t>
             </a:r>
             <a:r>
               <a:rPr lang="en-US" b="0" dirty="0"/>
-              <a:t>following figure shows required functionality - your program should allow the user to change the position of the </a:t>
+              <a:t>In this lab we will integrate the video display controller developed in Lab 2 with the </a:t>
+            </a:r>
+            <a:r>
+              <a:rPr lang="en-US" b="0" dirty="0" err="1" smtClean="0"/>
+              <a:t>MicroBlaze</a:t>
+            </a:r>
+            <a:r>
+              <a:rPr lang="en-US" b="0" dirty="0" smtClean="0"/>
+              <a:t> </a:t>
+            </a:r>
+            <a:r>
+              <a:rPr lang="en-US" b="0" dirty="0"/>
+              <a:t>processor built using the fabric of the FPGA. In the preceding lecture we have learned about the </a:t>
+            </a:r>
+            <a:r>
+              <a:rPr lang="en-US" b="0" dirty="0" smtClean="0"/>
+              <a:t>SDK </a:t>
+            </a:r>
+            <a:r>
+              <a:rPr lang="en-US" b="0" dirty="0"/>
+              <a:t>tool chains, now its time to put that knowledge to the test by building a software controlled </a:t>
             </a:r>
             <a:r>
               <a:rPr lang="en-US" b="0" dirty="0" err="1"/>
-              <a:t>triggerVolt</a:t>
+              <a:t>datapath</a:t>
             </a:r>
             <a:r>
               <a:rPr lang="en-US" b="0" dirty="0"/>
-              <a:t> and </a:t>
-            </a:r>
-            <a:r>
-              <a:rPr lang="en-US" b="0" dirty="0" err="1"/>
-              <a:t>triggerTime</a:t>
-            </a:r>
+              <a:t>. Lab 2 revealed some shortcomings of our oscilloscope that this lab intends on correcting</a:t>
+            </a:r>
+            <a:r>
+              <a:rPr lang="en-US" b="0" dirty="0" smtClean="0"/>
+              <a:t>. </a:t>
+            </a:r>
+          </a:p>
+          <a:p>
+            <a:pPr lvl="1"/>
+            <a:r>
+              <a:rPr lang="en-US" b="0" dirty="0" smtClean="0"/>
+              <a:t>Using both trigger volt and trigger time for trigger</a:t>
+            </a:r>
+          </a:p>
+          <a:p>
+            <a:pPr lvl="1"/>
+            <a:r>
+              <a:rPr lang="en-US" b="0" dirty="0" smtClean="0"/>
+              <a:t>Using polling and/or interrupts</a:t>
+            </a:r>
+            <a:endParaRPr lang="en-US" b="0" dirty="0"/>
+          </a:p>
+          <a:p>
+            <a:pPr lvl="1"/>
             <a:r>
               <a:rPr lang="en-US" b="0" dirty="0"/>
-              <a:t> indicators with the result that the waveform should be drawn so that the periodic waveform is increasing through that voltage at that time</a:t>
-            </a:r>
-            <a:r>
-              <a:rPr lang="en-US" b="0" dirty="0" smtClean="0"/>
+              <a:t>Ability to enable and disable channels to display</a:t>
+            </a:r>
+          </a:p>
+          <a:p>
+            <a:pPr lvl="1"/>
+            <a:r>
+              <a:rPr lang="en-US" b="0" strike="sngStrike" dirty="0"/>
+              <a:t>Ability to trigger off channel 2</a:t>
+            </a:r>
+          </a:p>
+          <a:p>
+            <a:pPr lvl="1"/>
+            <a:r>
+              <a:rPr lang="en-US" b="0" strike="sngStrike" dirty="0"/>
+              <a:t>Ability to change the slope direction for the trigger</a:t>
+            </a:r>
+            <a:r>
+              <a:rPr lang="en-US" b="0" strike="sngStrike" dirty="0" smtClean="0"/>
               <a:t>.</a:t>
             </a:r>
-          </a:p>
-          <a:p>
-            <a:r>
-              <a:rPr lang="en-US" b="0" dirty="0"/>
-              <a:t> </a:t>
-            </a:r>
-          </a:p>
-        </p:txBody>
-      </p:sp>
-      <p:pic>
-        <p:nvPicPr>
-          <p:cNvPr id="6" name="Picture 2" descr="http://ece.ninja/383/lab/lab3/img/lab3-1.gif"/>
-          <p:cNvPicPr>
-            <a:picLocks noChangeAspect="1" noChangeArrowheads="1"/>
-          </p:cNvPicPr>
-          <p:nvPr/>
-        </p:nvPicPr>
-        <p:blipFill>
-          <a:blip r:embed="rId2">
-            <a:extLst>
-              <a:ext uri="{28A0092B-C50C-407E-A947-70E740481C1C}">
-                <a14:useLocalDpi xmlns:a14="http://schemas.microsoft.com/office/drawing/2010/main" val="0"/>
-              </a:ext>
-            </a:extLst>
-          </a:blip>
-          <a:srcRect/>
-          <a:stretch>
-            <a:fillRect/>
-          </a:stretch>
-        </p:blipFill>
-        <p:spPr bwMode="auto">
-          <a:xfrm>
-            <a:off x="2056712" y="3449550"/>
-            <a:ext cx="5030576" cy="2965041"/>
-          </a:xfrm>
-          <a:prstGeom prst="rect">
-            <a:avLst/>
-          </a:prstGeom>
-          <a:noFill/>
-          <a:extLst>
-            <a:ext uri="{909E8E84-426E-40DD-AFC4-6F175D3DCCD1}">
-              <a14:hiddenFill xmlns:a14="http://schemas.microsoft.com/office/drawing/2010/main">
-                <a:solidFill>
-                  <a:srgbClr val="FFFFFF"/>
-                </a:solidFill>
-              </a14:hiddenFill>
-            </a:ext>
-          </a:extLst>
-        </p:spPr>
-      </p:pic>
-      <p:sp>
-        <p:nvSpPr>
-          <p:cNvPr id="9" name="Slide Number Placeholder 3"/>
+            <a:endParaRPr lang="en-US" b="0" strike="sngStrike" dirty="0"/>
+          </a:p>
+        </p:txBody>
+      </p:sp>
+      <p:sp>
+        <p:nvSpPr>
+          <p:cNvPr id="6" name="Slide Number Placeholder 3"/>
           <p:cNvSpPr>
             <a:spLocks noGrp="1"/>
           </p:cNvSpPr>
@@ -13821,9 +16092,12 @@
         </p:txBody>
       </p:sp>
     </p:spTree>
+    <p:custDataLst>
+      <p:tags r:id="rId1"/>
+    </p:custDataLst>
     <p:extLst>
       <p:ext uri="{BB962C8B-B14F-4D97-AF65-F5344CB8AC3E}">
-        <p14:creationId xmlns:p14="http://schemas.microsoft.com/office/powerpoint/2010/main" val="2217696780"/>
+        <p14:creationId xmlns:p14="http://schemas.microsoft.com/office/powerpoint/2010/main" val="3143664567"/>
       </p:ext>
     </p:extLst>
   </p:cSld>
@@ -13886,7 +16160,7 @@
             </a:r>
             <a:r>
               <a:rPr lang="en-US" dirty="0" smtClean="0"/>
-              <a:t>Connections</a:t>
+              <a:t>Lab Overview</a:t>
             </a:r>
             <a:endParaRPr lang="en-US" dirty="0"/>
           </a:p>
@@ -13912,13 +16186,84 @@
           <a:bodyPr/>
           <a:lstStyle/>
           <a:p>
+            <a:r>
+              <a:rPr lang="en-US" b="0" dirty="0" smtClean="0"/>
+              <a:t>The </a:t>
+            </a:r>
+            <a:r>
+              <a:rPr lang="en-US" b="0" dirty="0"/>
+              <a:t>following figure shows required functionality - your program should allow the user to change the position of the </a:t>
+            </a:r>
+            <a:r>
+              <a:rPr lang="en-US" b="0" dirty="0" err="1"/>
+              <a:t>triggerVolt</a:t>
+            </a:r>
+            <a:r>
+              <a:rPr lang="en-US" b="0" dirty="0"/>
+              <a:t> and </a:t>
+            </a:r>
+            <a:r>
+              <a:rPr lang="en-US" b="0" dirty="0" err="1"/>
+              <a:t>triggerTime</a:t>
+            </a:r>
+            <a:r>
+              <a:rPr lang="en-US" b="0" dirty="0"/>
+              <a:t> indicators with the result that the waveform should be drawn so that the periodic waveform is increasing through that voltage at that time</a:t>
+            </a:r>
+            <a:r>
+              <a:rPr lang="en-US" b="0" dirty="0" smtClean="0"/>
+              <a:t>.</a:t>
+            </a:r>
+          </a:p>
+          <a:p>
             <a:endParaRPr lang="en-US" b="0" dirty="0"/>
           </a:p>
         </p:txBody>
       </p:sp>
-      <p:sp>
-        <p:nvSpPr>
-          <p:cNvPr id="5" name="Slide Number Placeholder 3"/>
+      <p:pic>
+        <p:nvPicPr>
+          <p:cNvPr id="6" name="Picture 2" descr="http://ece.ninja/383/lab/lab3/img/lab3-1.gif"/>
+          <p:cNvPicPr>
+            <a:picLocks noChangeAspect="1" noChangeArrowheads="1"/>
+          </p:cNvPicPr>
+          <p:nvPr/>
+        </p:nvPicPr>
+        <p:blipFill>
+          <a:blip r:embed="rId3">
+            <a:extLst>
+              <a:ext uri="{28A0092B-C50C-407E-A947-70E740481C1C}">
+                <a14:useLocalDpi xmlns:a14="http://schemas.microsoft.com/office/drawing/2010/main" val="0"/>
+              </a:ext>
+            </a:extLst>
+          </a:blip>
+          <a:srcRect/>
+          <a:stretch>
+            <a:fillRect/>
+          </a:stretch>
+        </p:blipFill>
+        <p:spPr bwMode="auto">
+          <a:xfrm>
+            <a:off x="2056712" y="3449550"/>
+            <a:ext cx="5030576" cy="2965041"/>
+          </a:xfrm>
+          <a:prstGeom prst="rect">
+            <a:avLst/>
+          </a:prstGeom>
+          <a:noFill/>
+          <a:extLst>
+            <a:ext uri="{909E8E84-426E-40DD-AFC4-6F175D3DCCD1}">
+              <a14:hiddenFill xmlns:a14="http://schemas.microsoft.com/office/drawing/2010/main">
+                <a:solidFill>
+                  <a:srgbClr val="FFFFFF"/>
+                </a:solidFill>
+              </a14:hiddenFill>
+            </a:ext>
+          </a:extLst>
+        </p:spPr>
+      </p:pic>
+      <p:sp>
+        <p:nvSpPr>
+          <p:cNvPr id="9" name="Slide Number Placeholder 3"/>
           <p:cNvSpPr>
             <a:spLocks noGrp="1"/>
           </p:cNvSpPr>
@@ -13958,806 +16303,13 @@
           </a:p>
         </p:txBody>
       </p:sp>
-      <p:pic>
-        <p:nvPicPr>
-          <p:cNvPr id="11" name="Picture 4" descr="https://reference.digilentinc.com/_media/reference/programmable-logic/nexys-video/nexys-video-2.png"/>
-          <p:cNvPicPr>
-            <a:picLocks noChangeAspect="1" noChangeArrowheads="1"/>
-          </p:cNvPicPr>
-          <p:nvPr/>
-        </p:nvPicPr>
-        <p:blipFill>
-          <a:blip r:embed="rId2">
-            <a:extLst>
-              <a:ext uri="{28A0092B-C50C-407E-A947-70E740481C1C}">
-                <a14:useLocalDpi xmlns:a14="http://schemas.microsoft.com/office/drawing/2010/main" val="0"/>
-              </a:ext>
-            </a:extLst>
-          </a:blip>
-          <a:srcRect/>
-          <a:stretch>
-            <a:fillRect/>
-          </a:stretch>
-        </p:blipFill>
-        <p:spPr bwMode="auto">
-          <a:xfrm>
-            <a:off x="1748625" y="1608170"/>
-            <a:ext cx="5715000" cy="5181601"/>
-          </a:xfrm>
-          <a:prstGeom prst="rect">
-            <a:avLst/>
-          </a:prstGeom>
-          <a:noFill/>
-          <a:extLst>
-            <a:ext uri="{909E8E84-426E-40DD-AFC4-6F175D3DCCD1}">
-              <a14:hiddenFill xmlns:a14="http://schemas.microsoft.com/office/drawing/2010/main">
-                <a:solidFill>
-                  <a:srgbClr val="FFFFFF"/>
-                </a:solidFill>
-              </a14:hiddenFill>
-            </a:ext>
-          </a:extLst>
-        </p:spPr>
-      </p:pic>
-      <p:sp>
-        <p:nvSpPr>
-          <p:cNvPr id="6" name="Oval 5"/>
-          <p:cNvSpPr/>
-          <p:nvPr/>
-        </p:nvSpPr>
-        <p:spPr bwMode="auto">
-          <a:xfrm>
-            <a:off x="5240751" y="5158855"/>
-            <a:ext cx="1050878" cy="982640"/>
-          </a:xfrm>
-          <a:prstGeom prst="ellipse">
-            <a:avLst/>
-          </a:prstGeom>
-          <a:noFill/>
-          <a:ln w="38100" cap="flat" cmpd="sng" algn="ctr">
-            <a:solidFill>
-              <a:srgbClr val="FF0000"/>
-            </a:solidFill>
-            <a:prstDash val="solid"/>
-            <a:round/>
-            <a:headEnd type="none" w="med" len="med"/>
-            <a:tailEnd type="none" w="med" len="med"/>
-          </a:ln>
-          <a:effectLst/>
-        </p:spPr>
-        <p:txBody>
-          <a:bodyPr vert="horz" wrap="none" lIns="91440" tIns="45720" rIns="91440" bIns="45720" numCol="1" rtlCol="0" anchor="t" anchorCtr="0" compatLnSpc="1">
-            <a:prstTxWarp prst="textNoShape">
-              <a:avLst/>
-            </a:prstTxWarp>
-          </a:bodyPr>
-          <a:lstStyle/>
-          <a:p>
-            <a:pPr eaLnBrk="0" hangingPunct="0">
-              <a:spcBef>
-                <a:spcPct val="0"/>
-              </a:spcBef>
-            </a:pPr>
-            <a:endParaRPr lang="en-US" sz="1400" dirty="0" smtClean="0">
-              <a:solidFill>
-                <a:srgbClr val="FF0000"/>
-              </a:solidFill>
-              <a:latin typeface="Arial" pitchFamily="34" charset="0"/>
-            </a:endParaRPr>
-          </a:p>
-          <a:p>
-            <a:pPr eaLnBrk="0" hangingPunct="0">
-              <a:spcBef>
-                <a:spcPct val="0"/>
-              </a:spcBef>
-            </a:pPr>
-            <a:r>
-              <a:rPr lang="en-US" sz="2000" dirty="0" smtClean="0">
-                <a:solidFill>
-                  <a:srgbClr val="FF0000"/>
-                </a:solidFill>
-                <a:latin typeface="Arial" pitchFamily="34" charset="0"/>
-              </a:rPr>
-              <a:t>	       Buttons</a:t>
-            </a:r>
-            <a:endParaRPr lang="en-US" sz="2000" dirty="0">
-              <a:solidFill>
-                <a:srgbClr val="FF0000"/>
-              </a:solidFill>
-              <a:latin typeface="Arial" pitchFamily="34" charset="0"/>
-            </a:endParaRPr>
-          </a:p>
-        </p:txBody>
-      </p:sp>
-      <p:sp>
-        <p:nvSpPr>
-          <p:cNvPr id="7" name="Oval 6"/>
-          <p:cNvSpPr/>
-          <p:nvPr/>
-        </p:nvSpPr>
-        <p:spPr bwMode="auto">
-          <a:xfrm>
-            <a:off x="2101764" y="2322401"/>
-            <a:ext cx="1050877" cy="736979"/>
-          </a:xfrm>
-          <a:prstGeom prst="ellipse">
-            <a:avLst/>
-          </a:prstGeom>
-          <a:noFill/>
-          <a:ln w="38100" cap="flat" cmpd="sng" algn="ctr">
-            <a:solidFill>
-              <a:srgbClr val="FF0000"/>
-            </a:solidFill>
-            <a:prstDash val="solid"/>
-            <a:round/>
-            <a:headEnd type="none" w="med" len="med"/>
-            <a:tailEnd type="none" w="med" len="med"/>
-          </a:ln>
-          <a:effectLst/>
-        </p:spPr>
-        <p:txBody>
-          <a:bodyPr vert="horz" wrap="none" lIns="91440" tIns="45720" rIns="91440" bIns="45720" numCol="1" rtlCol="0" anchor="ctr" anchorCtr="0" compatLnSpc="1">
-            <a:prstTxWarp prst="textNoShape">
-              <a:avLst/>
-            </a:prstTxWarp>
-          </a:bodyPr>
-          <a:lstStyle/>
-          <a:p>
-            <a:pPr algn="r" eaLnBrk="0" hangingPunct="0">
-              <a:spcBef>
-                <a:spcPct val="0"/>
-              </a:spcBef>
-            </a:pPr>
-            <a:r>
-              <a:rPr lang="en-US" sz="2000" dirty="0" smtClean="0">
-                <a:solidFill>
-                  <a:srgbClr val="FF0000"/>
-                </a:solidFill>
-                <a:latin typeface="Arial" pitchFamily="34" charset="0"/>
-              </a:rPr>
-              <a:t>Power		         </a:t>
-            </a:r>
-            <a:endParaRPr lang="en-US" sz="2000" dirty="0">
-              <a:solidFill>
-                <a:srgbClr val="FF0000"/>
-              </a:solidFill>
-              <a:latin typeface="Arial" pitchFamily="34" charset="0"/>
-            </a:endParaRPr>
-          </a:p>
-        </p:txBody>
-      </p:sp>
-      <p:sp>
-        <p:nvSpPr>
-          <p:cNvPr id="8" name="Oval 7"/>
-          <p:cNvSpPr/>
-          <p:nvPr/>
-        </p:nvSpPr>
-        <p:spPr bwMode="auto">
-          <a:xfrm>
-            <a:off x="3152642" y="1778764"/>
-            <a:ext cx="1050877" cy="736979"/>
-          </a:xfrm>
-          <a:prstGeom prst="ellipse">
-            <a:avLst/>
-          </a:prstGeom>
-          <a:noFill/>
-          <a:ln w="38100" cap="flat" cmpd="sng" algn="ctr">
-            <a:solidFill>
-              <a:srgbClr val="FF0000"/>
-            </a:solidFill>
-            <a:prstDash val="solid"/>
-            <a:round/>
-            <a:headEnd type="none" w="med" len="med"/>
-            <a:tailEnd type="none" w="med" len="med"/>
-          </a:ln>
-          <a:effectLst/>
-        </p:spPr>
-        <p:txBody>
-          <a:bodyPr vert="horz" wrap="none" lIns="91440" tIns="45720" rIns="91440" bIns="45720" numCol="1" rtlCol="0" anchor="b" anchorCtr="0" compatLnSpc="1">
-            <a:prstTxWarp prst="textNoShape">
-              <a:avLst/>
-            </a:prstTxWarp>
-          </a:bodyPr>
-          <a:lstStyle/>
-          <a:p>
-            <a:pPr algn="ctr" eaLnBrk="0" hangingPunct="0">
-              <a:spcBef>
-                <a:spcPct val="0"/>
-              </a:spcBef>
-            </a:pPr>
-            <a:r>
-              <a:rPr lang="en-US" sz="2000" dirty="0" smtClean="0">
-                <a:solidFill>
-                  <a:srgbClr val="FF0000"/>
-                </a:solidFill>
-                <a:latin typeface="Arial" pitchFamily="34" charset="0"/>
-              </a:rPr>
-              <a:t>HDMI Out</a:t>
-            </a:r>
-          </a:p>
-          <a:p>
-            <a:pPr algn="ctr" eaLnBrk="0" hangingPunct="0">
-              <a:spcBef>
-                <a:spcPct val="0"/>
-              </a:spcBef>
-            </a:pPr>
-            <a:endParaRPr lang="en-US" sz="1400" dirty="0">
-              <a:solidFill>
-                <a:srgbClr val="FF0000"/>
-              </a:solidFill>
-              <a:latin typeface="Arial" pitchFamily="34" charset="0"/>
-            </a:endParaRPr>
-          </a:p>
-          <a:p>
-            <a:pPr algn="ctr" eaLnBrk="0" hangingPunct="0">
-              <a:spcBef>
-                <a:spcPct val="0"/>
-              </a:spcBef>
-            </a:pPr>
-            <a:endParaRPr lang="en-US" sz="1400" dirty="0" smtClean="0">
-              <a:solidFill>
-                <a:srgbClr val="FF0000"/>
-              </a:solidFill>
-              <a:latin typeface="Arial" pitchFamily="34" charset="0"/>
-            </a:endParaRPr>
-          </a:p>
-          <a:p>
-            <a:pPr algn="ctr" eaLnBrk="0" hangingPunct="0">
-              <a:spcBef>
-                <a:spcPct val="0"/>
-              </a:spcBef>
-            </a:pPr>
-            <a:r>
-              <a:rPr lang="en-US" sz="1400" dirty="0" smtClean="0">
-                <a:solidFill>
-                  <a:srgbClr val="FF0000"/>
-                </a:solidFill>
-                <a:latin typeface="Arial" pitchFamily="34" charset="0"/>
-              </a:rPr>
-              <a:t>         </a:t>
-            </a:r>
-            <a:endParaRPr lang="en-US" sz="1400" dirty="0">
-              <a:solidFill>
-                <a:srgbClr val="FF0000"/>
-              </a:solidFill>
-              <a:latin typeface="Arial" pitchFamily="34" charset="0"/>
-            </a:endParaRPr>
-          </a:p>
-        </p:txBody>
-      </p:sp>
-      <p:sp>
-        <p:nvSpPr>
-          <p:cNvPr id="9" name="Oval 8"/>
-          <p:cNvSpPr/>
-          <p:nvPr/>
-        </p:nvSpPr>
-        <p:spPr bwMode="auto">
-          <a:xfrm>
-            <a:off x="2224604" y="5650175"/>
-            <a:ext cx="805200" cy="495954"/>
-          </a:xfrm>
-          <a:prstGeom prst="ellipse">
-            <a:avLst/>
-          </a:prstGeom>
-          <a:noFill/>
-          <a:ln w="38100" cap="flat" cmpd="sng" algn="ctr">
-            <a:solidFill>
-              <a:srgbClr val="FF0000"/>
-            </a:solidFill>
-            <a:prstDash val="solid"/>
-            <a:round/>
-            <a:headEnd type="none" w="med" len="med"/>
-            <a:tailEnd type="none" w="med" len="med"/>
-          </a:ln>
-          <a:effectLst/>
-        </p:spPr>
-        <p:txBody>
-          <a:bodyPr vert="horz" wrap="none" lIns="91440" tIns="45720" rIns="91440" bIns="45720" numCol="1" rtlCol="0" anchor="t" anchorCtr="0" compatLnSpc="1">
-            <a:prstTxWarp prst="textNoShape">
-              <a:avLst/>
-            </a:prstTxWarp>
-          </a:bodyPr>
-          <a:lstStyle/>
-          <a:p>
-            <a:pPr algn="r" eaLnBrk="0" hangingPunct="0">
-              <a:spcBef>
-                <a:spcPct val="0"/>
-              </a:spcBef>
-            </a:pPr>
-            <a:r>
-              <a:rPr lang="en-US" sz="2000" dirty="0" smtClean="0">
-                <a:solidFill>
-                  <a:srgbClr val="FF0000"/>
-                </a:solidFill>
-                <a:latin typeface="Arial" pitchFamily="34" charset="0"/>
-              </a:rPr>
-              <a:t>USB </a:t>
-            </a:r>
-            <a:r>
-              <a:rPr lang="en-US" sz="2000" dirty="0" err="1" smtClean="0">
-                <a:solidFill>
-                  <a:srgbClr val="FF0000"/>
-                </a:solidFill>
-                <a:latin typeface="Arial" pitchFamily="34" charset="0"/>
-              </a:rPr>
-              <a:t>Prog</a:t>
-            </a:r>
-            <a:r>
-              <a:rPr lang="en-US" sz="2000" dirty="0">
-                <a:solidFill>
-                  <a:srgbClr val="FF0000"/>
-                </a:solidFill>
-                <a:latin typeface="Arial" pitchFamily="34" charset="0"/>
-              </a:rPr>
-              <a:t>		</a:t>
-            </a:r>
-          </a:p>
-        </p:txBody>
-      </p:sp>
-      <p:sp>
-        <p:nvSpPr>
-          <p:cNvPr id="10" name="Oval 9"/>
-          <p:cNvSpPr/>
-          <p:nvPr/>
-        </p:nvSpPr>
-        <p:spPr bwMode="auto">
-          <a:xfrm>
-            <a:off x="5445477" y="3166278"/>
-            <a:ext cx="477650" cy="418552"/>
-          </a:xfrm>
-          <a:prstGeom prst="ellipse">
-            <a:avLst/>
-          </a:prstGeom>
-          <a:noFill/>
-          <a:ln w="38100" cap="flat" cmpd="sng" algn="ctr">
-            <a:solidFill>
-              <a:srgbClr val="FF0000"/>
-            </a:solidFill>
-            <a:prstDash val="solid"/>
-            <a:round/>
-            <a:headEnd type="none" w="med" len="med"/>
-            <a:tailEnd type="none" w="med" len="med"/>
-          </a:ln>
-          <a:effectLst/>
-        </p:spPr>
-        <p:txBody>
-          <a:bodyPr vert="horz" wrap="none" lIns="91440" tIns="45720" rIns="91440" bIns="45720" numCol="1" rtlCol="0" anchor="t" anchorCtr="0" compatLnSpc="1">
-            <a:prstTxWarp prst="textNoShape">
-              <a:avLst/>
-            </a:prstTxWarp>
-          </a:bodyPr>
-          <a:lstStyle/>
-          <a:p>
-            <a:pPr eaLnBrk="0" hangingPunct="0">
-              <a:spcBef>
-                <a:spcPct val="0"/>
-              </a:spcBef>
-            </a:pPr>
-            <a:r>
-              <a:rPr lang="en-US" sz="2000" dirty="0" smtClean="0">
-                <a:solidFill>
-                  <a:srgbClr val="FF0000"/>
-                </a:solidFill>
-                <a:latin typeface="Arial" pitchFamily="34" charset="0"/>
-              </a:rPr>
-              <a:t>	    CPU Reset</a:t>
-            </a:r>
-            <a:endParaRPr lang="en-US" sz="2000" dirty="0">
-              <a:solidFill>
-                <a:srgbClr val="FF0000"/>
-              </a:solidFill>
-              <a:latin typeface="Arial" pitchFamily="34" charset="0"/>
-            </a:endParaRPr>
-          </a:p>
-        </p:txBody>
-      </p:sp>
-      <p:sp>
-        <p:nvSpPr>
-          <p:cNvPr id="12" name="Oval 11"/>
-          <p:cNvSpPr/>
-          <p:nvPr/>
-        </p:nvSpPr>
-        <p:spPr bwMode="auto">
-          <a:xfrm>
-            <a:off x="5088403" y="1781036"/>
-            <a:ext cx="595900" cy="736979"/>
-          </a:xfrm>
-          <a:prstGeom prst="ellipse">
-            <a:avLst/>
-          </a:prstGeom>
-          <a:noFill/>
-          <a:ln w="38100" cap="flat" cmpd="sng" algn="ctr">
-            <a:solidFill>
-              <a:srgbClr val="FF0000"/>
-            </a:solidFill>
-            <a:prstDash val="solid"/>
-            <a:round/>
-            <a:headEnd type="none" w="med" len="med"/>
-            <a:tailEnd type="none" w="med" len="med"/>
-          </a:ln>
-          <a:effectLst/>
-        </p:spPr>
-        <p:txBody>
-          <a:bodyPr vert="horz" wrap="none" lIns="91440" tIns="45720" rIns="91440" bIns="45720" numCol="1" rtlCol="0" anchor="b" anchorCtr="0" compatLnSpc="1">
-            <a:prstTxWarp prst="textNoShape">
-              <a:avLst/>
-            </a:prstTxWarp>
-          </a:bodyPr>
-          <a:lstStyle/>
-          <a:p>
-            <a:pPr algn="ctr" eaLnBrk="0" hangingPunct="0">
-              <a:spcBef>
-                <a:spcPct val="0"/>
-              </a:spcBef>
-            </a:pPr>
-            <a:r>
-              <a:rPr lang="en-US" sz="2000" dirty="0" smtClean="0">
-                <a:solidFill>
-                  <a:srgbClr val="FF0000"/>
-                </a:solidFill>
-                <a:latin typeface="Arial" pitchFamily="34" charset="0"/>
-              </a:rPr>
-              <a:t>Audio </a:t>
-            </a:r>
-          </a:p>
-          <a:p>
-            <a:pPr algn="ctr" eaLnBrk="0" hangingPunct="0">
-              <a:spcBef>
-                <a:spcPct val="0"/>
-              </a:spcBef>
-            </a:pPr>
-            <a:r>
-              <a:rPr lang="en-US" sz="2000" dirty="0" smtClean="0">
-                <a:solidFill>
-                  <a:srgbClr val="FF0000"/>
-                </a:solidFill>
-                <a:latin typeface="Arial" pitchFamily="34" charset="0"/>
-              </a:rPr>
-              <a:t>Input </a:t>
-            </a:r>
-          </a:p>
-          <a:p>
-            <a:pPr algn="ctr" eaLnBrk="0" hangingPunct="0">
-              <a:spcBef>
-                <a:spcPct val="0"/>
-              </a:spcBef>
-            </a:pPr>
-            <a:endParaRPr lang="en-US" sz="1400" dirty="0">
-              <a:solidFill>
-                <a:srgbClr val="FF0000"/>
-              </a:solidFill>
-              <a:latin typeface="Arial" pitchFamily="34" charset="0"/>
-            </a:endParaRPr>
-          </a:p>
-          <a:p>
-            <a:pPr algn="ctr" eaLnBrk="0" hangingPunct="0">
-              <a:spcBef>
-                <a:spcPct val="0"/>
-              </a:spcBef>
-            </a:pPr>
-            <a:endParaRPr lang="en-US" sz="1400" dirty="0" smtClean="0">
-              <a:solidFill>
-                <a:srgbClr val="FF0000"/>
-              </a:solidFill>
-              <a:latin typeface="Arial" pitchFamily="34" charset="0"/>
-            </a:endParaRPr>
-          </a:p>
-          <a:p>
-            <a:pPr algn="ctr" eaLnBrk="0" hangingPunct="0">
-              <a:spcBef>
-                <a:spcPct val="0"/>
-              </a:spcBef>
-            </a:pPr>
-            <a:r>
-              <a:rPr lang="en-US" sz="1400" dirty="0" smtClean="0">
-                <a:solidFill>
-                  <a:srgbClr val="FF0000"/>
-                </a:solidFill>
-                <a:latin typeface="Arial" pitchFamily="34" charset="0"/>
-              </a:rPr>
-              <a:t>         </a:t>
-            </a:r>
-            <a:endParaRPr lang="en-US" sz="1400" dirty="0">
-              <a:solidFill>
-                <a:srgbClr val="FF0000"/>
-              </a:solidFill>
-              <a:latin typeface="Arial" pitchFamily="34" charset="0"/>
-            </a:endParaRPr>
-          </a:p>
-        </p:txBody>
-      </p:sp>
-      <p:sp>
-        <p:nvSpPr>
-          <p:cNvPr id="13" name="Oval 12"/>
-          <p:cNvSpPr/>
-          <p:nvPr/>
-        </p:nvSpPr>
-        <p:spPr bwMode="auto">
-          <a:xfrm>
-            <a:off x="5735610" y="1783308"/>
-            <a:ext cx="595900" cy="736979"/>
-          </a:xfrm>
-          <a:prstGeom prst="ellipse">
-            <a:avLst/>
-          </a:prstGeom>
-          <a:noFill/>
-          <a:ln w="38100" cap="flat" cmpd="sng" algn="ctr">
-            <a:solidFill>
-              <a:srgbClr val="FF0000"/>
-            </a:solidFill>
-            <a:prstDash val="solid"/>
-            <a:round/>
-            <a:headEnd type="none" w="med" len="med"/>
-            <a:tailEnd type="none" w="med" len="med"/>
-          </a:ln>
-          <a:effectLst/>
-        </p:spPr>
-        <p:txBody>
-          <a:bodyPr vert="horz" wrap="none" lIns="91440" tIns="45720" rIns="91440" bIns="45720" numCol="1" rtlCol="0" anchor="b" anchorCtr="0" compatLnSpc="1">
-            <a:prstTxWarp prst="textNoShape">
-              <a:avLst/>
-            </a:prstTxWarp>
-          </a:bodyPr>
-          <a:lstStyle/>
-          <a:p>
-            <a:pPr algn="ctr" eaLnBrk="0" hangingPunct="0">
-              <a:spcBef>
-                <a:spcPct val="0"/>
-              </a:spcBef>
-            </a:pPr>
-            <a:r>
-              <a:rPr lang="en-US" sz="2000" dirty="0" smtClean="0">
-                <a:solidFill>
-                  <a:srgbClr val="FF0000"/>
-                </a:solidFill>
-                <a:latin typeface="Arial" pitchFamily="34" charset="0"/>
-              </a:rPr>
-              <a:t> Audio</a:t>
-            </a:r>
-          </a:p>
-          <a:p>
-            <a:pPr algn="ctr" eaLnBrk="0" hangingPunct="0">
-              <a:spcBef>
-                <a:spcPct val="0"/>
-              </a:spcBef>
-            </a:pPr>
-            <a:r>
-              <a:rPr lang="en-US" sz="2000" dirty="0" smtClean="0">
-                <a:solidFill>
-                  <a:srgbClr val="FF0000"/>
-                </a:solidFill>
-                <a:latin typeface="Arial" pitchFamily="34" charset="0"/>
-              </a:rPr>
-              <a:t>  Output</a:t>
-            </a:r>
-          </a:p>
-          <a:p>
-            <a:pPr algn="ctr" eaLnBrk="0" hangingPunct="0">
-              <a:spcBef>
-                <a:spcPct val="0"/>
-              </a:spcBef>
-            </a:pPr>
-            <a:endParaRPr lang="en-US" sz="1400" dirty="0">
-              <a:solidFill>
-                <a:srgbClr val="FF0000"/>
-              </a:solidFill>
-              <a:latin typeface="Arial" pitchFamily="34" charset="0"/>
-            </a:endParaRPr>
-          </a:p>
-          <a:p>
-            <a:pPr algn="ctr" eaLnBrk="0" hangingPunct="0">
-              <a:spcBef>
-                <a:spcPct val="0"/>
-              </a:spcBef>
-            </a:pPr>
-            <a:endParaRPr lang="en-US" sz="1400" dirty="0" smtClean="0">
-              <a:solidFill>
-                <a:srgbClr val="FF0000"/>
-              </a:solidFill>
-              <a:latin typeface="Arial" pitchFamily="34" charset="0"/>
-            </a:endParaRPr>
-          </a:p>
-          <a:p>
-            <a:pPr algn="ctr" eaLnBrk="0" hangingPunct="0">
-              <a:spcBef>
-                <a:spcPct val="0"/>
-              </a:spcBef>
-            </a:pPr>
-            <a:r>
-              <a:rPr lang="en-US" sz="1400" dirty="0" smtClean="0">
-                <a:solidFill>
-                  <a:srgbClr val="FF0000"/>
-                </a:solidFill>
-                <a:latin typeface="Arial" pitchFamily="34" charset="0"/>
-              </a:rPr>
-              <a:t>         </a:t>
-            </a:r>
-            <a:endParaRPr lang="en-US" sz="1400" dirty="0">
-              <a:solidFill>
-                <a:srgbClr val="FF0000"/>
-              </a:solidFill>
-              <a:latin typeface="Arial" pitchFamily="34" charset="0"/>
-            </a:endParaRPr>
-          </a:p>
-        </p:txBody>
-      </p:sp>
-      <p:sp>
-        <p:nvSpPr>
-          <p:cNvPr id="14" name="Oval 13"/>
-          <p:cNvSpPr/>
-          <p:nvPr/>
-        </p:nvSpPr>
-        <p:spPr bwMode="auto">
-          <a:xfrm>
-            <a:off x="2047171" y="3871424"/>
-            <a:ext cx="1050877" cy="736979"/>
-          </a:xfrm>
-          <a:prstGeom prst="ellipse">
-            <a:avLst/>
-          </a:prstGeom>
-          <a:noFill/>
-          <a:ln w="38100" cap="flat" cmpd="sng" algn="ctr">
-            <a:solidFill>
-              <a:srgbClr val="FF0000"/>
-            </a:solidFill>
-            <a:prstDash val="solid"/>
-            <a:round/>
-            <a:headEnd type="none" w="med" len="med"/>
-            <a:tailEnd type="none" w="med" len="med"/>
-          </a:ln>
-          <a:effectLst/>
-        </p:spPr>
-        <p:txBody>
-          <a:bodyPr vert="horz" wrap="none" lIns="91440" tIns="45720" rIns="91440" bIns="45720" numCol="1" rtlCol="0" anchor="t" anchorCtr="0" compatLnSpc="1">
-            <a:prstTxWarp prst="textNoShape">
-              <a:avLst/>
-            </a:prstTxWarp>
-          </a:bodyPr>
-          <a:lstStyle/>
-          <a:p>
-            <a:pPr algn="r" eaLnBrk="0" hangingPunct="0">
-              <a:spcBef>
-                <a:spcPct val="0"/>
-              </a:spcBef>
-            </a:pPr>
-            <a:r>
-              <a:rPr lang="en-US" sz="1400" dirty="0" smtClean="0">
-                <a:solidFill>
-                  <a:srgbClr val="FF0000"/>
-                </a:solidFill>
-                <a:latin typeface="Arial" pitchFamily="34" charset="0"/>
-              </a:rPr>
-              <a:t>JB </a:t>
-            </a:r>
-            <a:r>
-              <a:rPr lang="en-US" sz="1400" dirty="0">
-                <a:solidFill>
-                  <a:srgbClr val="FF0000"/>
-                </a:solidFill>
-                <a:latin typeface="Arial" pitchFamily="34" charset="0"/>
-              </a:rPr>
-              <a:t>PMOD		               </a:t>
-            </a:r>
-          </a:p>
-          <a:p>
-            <a:pPr algn="r" eaLnBrk="0" hangingPunct="0">
-              <a:spcBef>
-                <a:spcPct val="0"/>
-              </a:spcBef>
-            </a:pPr>
-            <a:r>
-              <a:rPr lang="en-US" sz="1400" dirty="0" smtClean="0">
-                <a:solidFill>
-                  <a:srgbClr val="FF0000"/>
-                </a:solidFill>
-                <a:latin typeface="Arial" pitchFamily="34" charset="0"/>
-              </a:rPr>
-              <a:t>Connector	                 </a:t>
-            </a:r>
-          </a:p>
-          <a:p>
-            <a:pPr algn="r" eaLnBrk="0" hangingPunct="0">
-              <a:spcBef>
-                <a:spcPct val="0"/>
-              </a:spcBef>
-            </a:pPr>
-            <a:r>
-              <a:rPr lang="en-US" sz="1400" dirty="0" smtClean="0">
-                <a:solidFill>
-                  <a:srgbClr val="FF0000"/>
-                </a:solidFill>
-                <a:latin typeface="Arial" pitchFamily="34" charset="0"/>
-              </a:rPr>
-              <a:t>For Test Signals                 </a:t>
-            </a:r>
-            <a:endParaRPr lang="en-US" sz="1400" dirty="0">
-              <a:solidFill>
-                <a:srgbClr val="FF0000"/>
-              </a:solidFill>
-              <a:latin typeface="Arial" pitchFamily="34" charset="0"/>
-            </a:endParaRPr>
-          </a:p>
-        </p:txBody>
-      </p:sp>
-      <p:sp>
-        <p:nvSpPr>
-          <p:cNvPr id="15" name="Oval 14"/>
-          <p:cNvSpPr/>
-          <p:nvPr/>
-        </p:nvSpPr>
-        <p:spPr bwMode="auto">
-          <a:xfrm>
-            <a:off x="2226876" y="5256655"/>
-            <a:ext cx="805200" cy="495954"/>
-          </a:xfrm>
-          <a:prstGeom prst="ellipse">
-            <a:avLst/>
-          </a:prstGeom>
-          <a:noFill/>
-          <a:ln w="38100" cap="flat" cmpd="sng" algn="ctr">
-            <a:solidFill>
-              <a:srgbClr val="FF0000"/>
-            </a:solidFill>
-            <a:prstDash val="solid"/>
-            <a:round/>
-            <a:headEnd type="none" w="med" len="med"/>
-            <a:tailEnd type="none" w="med" len="med"/>
-          </a:ln>
-          <a:effectLst/>
-        </p:spPr>
-        <p:txBody>
-          <a:bodyPr vert="horz" wrap="none" lIns="91440" tIns="45720" rIns="91440" bIns="45720" numCol="1" rtlCol="0" anchor="t" anchorCtr="0" compatLnSpc="1">
-            <a:prstTxWarp prst="textNoShape">
-              <a:avLst/>
-            </a:prstTxWarp>
-          </a:bodyPr>
-          <a:lstStyle/>
-          <a:p>
-            <a:pPr algn="r" eaLnBrk="0" hangingPunct="0">
-              <a:spcBef>
-                <a:spcPct val="0"/>
-              </a:spcBef>
-            </a:pPr>
-            <a:r>
-              <a:rPr lang="en-US" sz="2000" dirty="0" smtClean="0">
-                <a:solidFill>
-                  <a:srgbClr val="FF0000"/>
-                </a:solidFill>
-                <a:latin typeface="Arial" pitchFamily="34" charset="0"/>
-              </a:rPr>
-              <a:t>USB UART </a:t>
-            </a:r>
-            <a:r>
-              <a:rPr lang="en-US" sz="2000" dirty="0">
-                <a:solidFill>
-                  <a:srgbClr val="FF0000"/>
-                </a:solidFill>
-                <a:latin typeface="Arial" pitchFamily="34" charset="0"/>
-              </a:rPr>
-              <a:t>		</a:t>
-            </a:r>
-            <a:r>
-              <a:rPr lang="en-US" sz="2000" dirty="0" smtClean="0">
-                <a:solidFill>
-                  <a:srgbClr val="FF0000"/>
-                </a:solidFill>
-                <a:latin typeface="Arial" pitchFamily="34" charset="0"/>
-              </a:rPr>
-              <a:t>  </a:t>
-            </a:r>
-            <a:endParaRPr lang="en-US" sz="2000" dirty="0">
-              <a:solidFill>
-                <a:srgbClr val="FF0000"/>
-              </a:solidFill>
-              <a:latin typeface="Arial" pitchFamily="34" charset="0"/>
-            </a:endParaRPr>
-          </a:p>
-        </p:txBody>
-      </p:sp>
     </p:spTree>
+    <p:custDataLst>
+      <p:tags r:id="rId1"/>
+    </p:custDataLst>
     <p:extLst>
       <p:ext uri="{BB962C8B-B14F-4D97-AF65-F5344CB8AC3E}">
-        <p14:creationId xmlns:p14="http://schemas.microsoft.com/office/powerpoint/2010/main" val="2541485686"/>
+        <p14:creationId xmlns:p14="http://schemas.microsoft.com/office/powerpoint/2010/main" val="2217696780"/>
       </p:ext>
     </p:extLst>
   </p:cSld>
@@ -14808,6 +16360,943 @@
           <a:p>
             <a:r>
               <a:rPr lang="en-US" dirty="0"/>
+              <a:t>Lab </a:t>
+            </a:r>
+            <a:r>
+              <a:rPr lang="en-US" dirty="0" smtClean="0"/>
+              <a:t>3 </a:t>
+            </a:r>
+            <a:r>
+              <a:rPr lang="en-US" dirty="0"/>
+              <a:t>– </a:t>
+            </a:r>
+            <a:r>
+              <a:rPr lang="en-US" dirty="0" smtClean="0"/>
+              <a:t>Connections</a:t>
+            </a:r>
+            <a:endParaRPr lang="en-US" dirty="0"/>
+          </a:p>
+        </p:txBody>
+      </p:sp>
+      <p:sp>
+        <p:nvSpPr>
+          <p:cNvPr id="4" name="Content Placeholder 3"/>
+          <p:cNvSpPr>
+            <a:spLocks noGrp="1"/>
+          </p:cNvSpPr>
+          <p:nvPr>
+            <p:ph idx="1"/>
+          </p:nvPr>
+        </p:nvSpPr>
+        <p:spPr>
+          <a:xfrm>
+            <a:off x="581736" y="1523052"/>
+            <a:ext cx="8131175" cy="4324350"/>
+          </a:xfrm>
+        </p:spPr>
+        <p:txBody>
+          <a:bodyPr/>
+          <a:lstStyle/>
+          <a:p>
+            <a:endParaRPr lang="en-US" b="0" dirty="0"/>
+          </a:p>
+        </p:txBody>
+      </p:sp>
+      <p:sp>
+        <p:nvSpPr>
+          <p:cNvPr id="5" name="Slide Number Placeholder 3"/>
+          <p:cNvSpPr>
+            <a:spLocks noGrp="1"/>
+          </p:cNvSpPr>
+          <p:nvPr>
+            <p:ph type="sldNum" sz="quarter" idx="10"/>
+          </p:nvPr>
+        </p:nvSpPr>
+        <p:spPr>
+          <a:xfrm>
+            <a:off x="6942160" y="6381750"/>
+            <a:ext cx="2133600" cy="476250"/>
+          </a:xfrm>
+        </p:spPr>
+        <p:txBody>
+          <a:bodyPr/>
+          <a:lstStyle/>
+          <a:p>
+            <a:pPr>
+              <a:defRPr/>
+            </a:pPr>
+            <a:fld id="{62D6D4B2-7611-498F-8780-1EDC26277454}" type="slidenum">
+              <a:rPr lang="en-US" smtClean="0">
+                <a:solidFill>
+                  <a:srgbClr val="000000"/>
+                </a:solidFill>
+              </a:rPr>
+              <a:pPr>
+                <a:defRPr/>
+              </a:pPr>
+              <a:t>7</a:t>
+            </a:fld>
+            <a:endParaRPr lang="en-US" dirty="0">
+              <a:solidFill>
+                <a:srgbClr val="000000"/>
+              </a:solidFill>
+            </a:endParaRPr>
+          </a:p>
+        </p:txBody>
+      </p:sp>
+      <p:pic>
+        <p:nvPicPr>
+          <p:cNvPr id="11" name="Picture 4" descr="https://reference.digilentinc.com/_media/reference/programmable-logic/nexys-video/nexys-video-2.png"/>
+          <p:cNvPicPr>
+            <a:picLocks noChangeAspect="1" noChangeArrowheads="1"/>
+          </p:cNvPicPr>
+          <p:nvPr/>
+        </p:nvPicPr>
+        <p:blipFill>
+          <a:blip r:embed="rId3">
+            <a:extLst>
+              <a:ext uri="{28A0092B-C50C-407E-A947-70E740481C1C}">
+                <a14:useLocalDpi xmlns:a14="http://schemas.microsoft.com/office/drawing/2010/main" val="0"/>
+              </a:ext>
+            </a:extLst>
+          </a:blip>
+          <a:srcRect/>
+          <a:stretch>
+            <a:fillRect/>
+          </a:stretch>
+        </p:blipFill>
+        <p:spPr bwMode="auto">
+          <a:xfrm>
+            <a:off x="1748625" y="1608170"/>
+            <a:ext cx="5715000" cy="5181601"/>
+          </a:xfrm>
+          <a:prstGeom prst="rect">
+            <a:avLst/>
+          </a:prstGeom>
+          <a:noFill/>
+          <a:extLst>
+            <a:ext uri="{909E8E84-426E-40DD-AFC4-6F175D3DCCD1}">
+              <a14:hiddenFill xmlns:a14="http://schemas.microsoft.com/office/drawing/2010/main">
+                <a:solidFill>
+                  <a:srgbClr val="FFFFFF"/>
+                </a:solidFill>
+              </a14:hiddenFill>
+            </a:ext>
+          </a:extLst>
+        </p:spPr>
+      </p:pic>
+      <p:sp>
+        <p:nvSpPr>
+          <p:cNvPr id="6" name="Oval 5"/>
+          <p:cNvSpPr/>
+          <p:nvPr/>
+        </p:nvSpPr>
+        <p:spPr bwMode="auto">
+          <a:xfrm>
+            <a:off x="5240751" y="5158855"/>
+            <a:ext cx="1050878" cy="982640"/>
+          </a:xfrm>
+          <a:prstGeom prst="ellipse">
+            <a:avLst/>
+          </a:prstGeom>
+          <a:noFill/>
+          <a:ln w="38100" cap="flat" cmpd="sng" algn="ctr">
+            <a:solidFill>
+              <a:srgbClr val="FF0000"/>
+            </a:solidFill>
+            <a:prstDash val="solid"/>
+            <a:round/>
+            <a:headEnd type="none" w="med" len="med"/>
+            <a:tailEnd type="none" w="med" len="med"/>
+          </a:ln>
+          <a:effectLst/>
+        </p:spPr>
+        <p:txBody>
+          <a:bodyPr vert="horz" wrap="none" lIns="91440" tIns="45720" rIns="91440" bIns="45720" numCol="1" rtlCol="0" anchor="t" anchorCtr="0" compatLnSpc="1">
+            <a:prstTxWarp prst="textNoShape">
+              <a:avLst/>
+            </a:prstTxWarp>
+          </a:bodyPr>
+          <a:lstStyle/>
+          <a:p>
+            <a:pPr eaLnBrk="0" hangingPunct="0">
+              <a:spcBef>
+                <a:spcPct val="0"/>
+              </a:spcBef>
+            </a:pPr>
+            <a:endParaRPr lang="en-US" sz="1400" dirty="0" smtClean="0">
+              <a:solidFill>
+                <a:srgbClr val="FF0000"/>
+              </a:solidFill>
+              <a:latin typeface="Arial" pitchFamily="34" charset="0"/>
+            </a:endParaRPr>
+          </a:p>
+          <a:p>
+            <a:pPr eaLnBrk="0" hangingPunct="0">
+              <a:spcBef>
+                <a:spcPct val="0"/>
+              </a:spcBef>
+            </a:pPr>
+            <a:r>
+              <a:rPr lang="en-US" sz="2000" dirty="0" smtClean="0">
+                <a:solidFill>
+                  <a:srgbClr val="FF0000"/>
+                </a:solidFill>
+                <a:latin typeface="Arial" pitchFamily="34" charset="0"/>
+              </a:rPr>
+              <a:t>	       Buttons</a:t>
+            </a:r>
+            <a:endParaRPr lang="en-US" sz="2000" dirty="0">
+              <a:solidFill>
+                <a:srgbClr val="FF0000"/>
+              </a:solidFill>
+              <a:latin typeface="Arial" pitchFamily="34" charset="0"/>
+            </a:endParaRPr>
+          </a:p>
+        </p:txBody>
+      </p:sp>
+      <p:sp>
+        <p:nvSpPr>
+          <p:cNvPr id="7" name="Oval 6"/>
+          <p:cNvSpPr/>
+          <p:nvPr/>
+        </p:nvSpPr>
+        <p:spPr bwMode="auto">
+          <a:xfrm>
+            <a:off x="2101764" y="2322401"/>
+            <a:ext cx="1050877" cy="736979"/>
+          </a:xfrm>
+          <a:prstGeom prst="ellipse">
+            <a:avLst/>
+          </a:prstGeom>
+          <a:noFill/>
+          <a:ln w="38100" cap="flat" cmpd="sng" algn="ctr">
+            <a:solidFill>
+              <a:srgbClr val="FF0000"/>
+            </a:solidFill>
+            <a:prstDash val="solid"/>
+            <a:round/>
+            <a:headEnd type="none" w="med" len="med"/>
+            <a:tailEnd type="none" w="med" len="med"/>
+          </a:ln>
+          <a:effectLst/>
+        </p:spPr>
+        <p:txBody>
+          <a:bodyPr vert="horz" wrap="none" lIns="91440" tIns="45720" rIns="91440" bIns="45720" numCol="1" rtlCol="0" anchor="ctr" anchorCtr="0" compatLnSpc="1">
+            <a:prstTxWarp prst="textNoShape">
+              <a:avLst/>
+            </a:prstTxWarp>
+          </a:bodyPr>
+          <a:lstStyle/>
+          <a:p>
+            <a:pPr algn="r" eaLnBrk="0" hangingPunct="0">
+              <a:spcBef>
+                <a:spcPct val="0"/>
+              </a:spcBef>
+            </a:pPr>
+            <a:r>
+              <a:rPr lang="en-US" sz="2000" dirty="0" smtClean="0">
+                <a:solidFill>
+                  <a:srgbClr val="FF0000"/>
+                </a:solidFill>
+                <a:latin typeface="Arial" pitchFamily="34" charset="0"/>
+              </a:rPr>
+              <a:t>Power		         </a:t>
+            </a:r>
+            <a:endParaRPr lang="en-US" sz="2000" dirty="0">
+              <a:solidFill>
+                <a:srgbClr val="FF0000"/>
+              </a:solidFill>
+              <a:latin typeface="Arial" pitchFamily="34" charset="0"/>
+            </a:endParaRPr>
+          </a:p>
+        </p:txBody>
+      </p:sp>
+      <p:sp>
+        <p:nvSpPr>
+          <p:cNvPr id="8" name="Oval 7"/>
+          <p:cNvSpPr/>
+          <p:nvPr/>
+        </p:nvSpPr>
+        <p:spPr bwMode="auto">
+          <a:xfrm>
+            <a:off x="3152642" y="1778764"/>
+            <a:ext cx="1050877" cy="736979"/>
+          </a:xfrm>
+          <a:prstGeom prst="ellipse">
+            <a:avLst/>
+          </a:prstGeom>
+          <a:noFill/>
+          <a:ln w="38100" cap="flat" cmpd="sng" algn="ctr">
+            <a:solidFill>
+              <a:srgbClr val="FF0000"/>
+            </a:solidFill>
+            <a:prstDash val="solid"/>
+            <a:round/>
+            <a:headEnd type="none" w="med" len="med"/>
+            <a:tailEnd type="none" w="med" len="med"/>
+          </a:ln>
+          <a:effectLst/>
+        </p:spPr>
+        <p:txBody>
+          <a:bodyPr vert="horz" wrap="none" lIns="91440" tIns="45720" rIns="91440" bIns="45720" numCol="1" rtlCol="0" anchor="b" anchorCtr="0" compatLnSpc="1">
+            <a:prstTxWarp prst="textNoShape">
+              <a:avLst/>
+            </a:prstTxWarp>
+          </a:bodyPr>
+          <a:lstStyle/>
+          <a:p>
+            <a:pPr algn="ctr" eaLnBrk="0" hangingPunct="0">
+              <a:spcBef>
+                <a:spcPct val="0"/>
+              </a:spcBef>
+            </a:pPr>
+            <a:r>
+              <a:rPr lang="en-US" sz="2000" dirty="0" smtClean="0">
+                <a:solidFill>
+                  <a:srgbClr val="FF0000"/>
+                </a:solidFill>
+                <a:latin typeface="Arial" pitchFamily="34" charset="0"/>
+              </a:rPr>
+              <a:t>HDMI Out</a:t>
+            </a:r>
+          </a:p>
+          <a:p>
+            <a:pPr algn="ctr" eaLnBrk="0" hangingPunct="0">
+              <a:spcBef>
+                <a:spcPct val="0"/>
+              </a:spcBef>
+            </a:pPr>
+            <a:endParaRPr lang="en-US" sz="1400" dirty="0">
+              <a:solidFill>
+                <a:srgbClr val="FF0000"/>
+              </a:solidFill>
+              <a:latin typeface="Arial" pitchFamily="34" charset="0"/>
+            </a:endParaRPr>
+          </a:p>
+          <a:p>
+            <a:pPr algn="ctr" eaLnBrk="0" hangingPunct="0">
+              <a:spcBef>
+                <a:spcPct val="0"/>
+              </a:spcBef>
+            </a:pPr>
+            <a:endParaRPr lang="en-US" sz="1400" dirty="0" smtClean="0">
+              <a:solidFill>
+                <a:srgbClr val="FF0000"/>
+              </a:solidFill>
+              <a:latin typeface="Arial" pitchFamily="34" charset="0"/>
+            </a:endParaRPr>
+          </a:p>
+          <a:p>
+            <a:pPr algn="ctr" eaLnBrk="0" hangingPunct="0">
+              <a:spcBef>
+                <a:spcPct val="0"/>
+              </a:spcBef>
+            </a:pPr>
+            <a:r>
+              <a:rPr lang="en-US" sz="1400" dirty="0" smtClean="0">
+                <a:solidFill>
+                  <a:srgbClr val="FF0000"/>
+                </a:solidFill>
+                <a:latin typeface="Arial" pitchFamily="34" charset="0"/>
+              </a:rPr>
+              <a:t>         </a:t>
+            </a:r>
+            <a:endParaRPr lang="en-US" sz="1400" dirty="0">
+              <a:solidFill>
+                <a:srgbClr val="FF0000"/>
+              </a:solidFill>
+              <a:latin typeface="Arial" pitchFamily="34" charset="0"/>
+            </a:endParaRPr>
+          </a:p>
+        </p:txBody>
+      </p:sp>
+      <p:sp>
+        <p:nvSpPr>
+          <p:cNvPr id="9" name="Oval 8"/>
+          <p:cNvSpPr/>
+          <p:nvPr/>
+        </p:nvSpPr>
+        <p:spPr bwMode="auto">
+          <a:xfrm>
+            <a:off x="2224604" y="5650175"/>
+            <a:ext cx="805200" cy="495954"/>
+          </a:xfrm>
+          <a:prstGeom prst="ellipse">
+            <a:avLst/>
+          </a:prstGeom>
+          <a:noFill/>
+          <a:ln w="38100" cap="flat" cmpd="sng" algn="ctr">
+            <a:solidFill>
+              <a:srgbClr val="FF0000"/>
+            </a:solidFill>
+            <a:prstDash val="solid"/>
+            <a:round/>
+            <a:headEnd type="none" w="med" len="med"/>
+            <a:tailEnd type="none" w="med" len="med"/>
+          </a:ln>
+          <a:effectLst/>
+        </p:spPr>
+        <p:txBody>
+          <a:bodyPr vert="horz" wrap="none" lIns="91440" tIns="45720" rIns="91440" bIns="45720" numCol="1" rtlCol="0" anchor="t" anchorCtr="0" compatLnSpc="1">
+            <a:prstTxWarp prst="textNoShape">
+              <a:avLst/>
+            </a:prstTxWarp>
+          </a:bodyPr>
+          <a:lstStyle/>
+          <a:p>
+            <a:pPr algn="r" eaLnBrk="0" hangingPunct="0">
+              <a:spcBef>
+                <a:spcPct val="0"/>
+              </a:spcBef>
+            </a:pPr>
+            <a:r>
+              <a:rPr lang="en-US" sz="2000" dirty="0" smtClean="0">
+                <a:solidFill>
+                  <a:srgbClr val="FF0000"/>
+                </a:solidFill>
+                <a:latin typeface="Arial" pitchFamily="34" charset="0"/>
+              </a:rPr>
+              <a:t>USB </a:t>
+            </a:r>
+            <a:r>
+              <a:rPr lang="en-US" sz="2000" dirty="0" err="1" smtClean="0">
+                <a:solidFill>
+                  <a:srgbClr val="FF0000"/>
+                </a:solidFill>
+                <a:latin typeface="Arial" pitchFamily="34" charset="0"/>
+              </a:rPr>
+              <a:t>Prog</a:t>
+            </a:r>
+            <a:r>
+              <a:rPr lang="en-US" sz="2000" dirty="0">
+                <a:solidFill>
+                  <a:srgbClr val="FF0000"/>
+                </a:solidFill>
+                <a:latin typeface="Arial" pitchFamily="34" charset="0"/>
+              </a:rPr>
+              <a:t>		</a:t>
+            </a:r>
+          </a:p>
+        </p:txBody>
+      </p:sp>
+      <p:sp>
+        <p:nvSpPr>
+          <p:cNvPr id="10" name="Oval 9"/>
+          <p:cNvSpPr/>
+          <p:nvPr/>
+        </p:nvSpPr>
+        <p:spPr bwMode="auto">
+          <a:xfrm>
+            <a:off x="5445477" y="3166278"/>
+            <a:ext cx="477650" cy="418552"/>
+          </a:xfrm>
+          <a:prstGeom prst="ellipse">
+            <a:avLst/>
+          </a:prstGeom>
+          <a:noFill/>
+          <a:ln w="38100" cap="flat" cmpd="sng" algn="ctr">
+            <a:solidFill>
+              <a:srgbClr val="FF0000"/>
+            </a:solidFill>
+            <a:prstDash val="solid"/>
+            <a:round/>
+            <a:headEnd type="none" w="med" len="med"/>
+            <a:tailEnd type="none" w="med" len="med"/>
+          </a:ln>
+          <a:effectLst/>
+        </p:spPr>
+        <p:txBody>
+          <a:bodyPr vert="horz" wrap="none" lIns="91440" tIns="45720" rIns="91440" bIns="45720" numCol="1" rtlCol="0" anchor="t" anchorCtr="0" compatLnSpc="1">
+            <a:prstTxWarp prst="textNoShape">
+              <a:avLst/>
+            </a:prstTxWarp>
+          </a:bodyPr>
+          <a:lstStyle/>
+          <a:p>
+            <a:pPr eaLnBrk="0" hangingPunct="0">
+              <a:spcBef>
+                <a:spcPct val="0"/>
+              </a:spcBef>
+            </a:pPr>
+            <a:r>
+              <a:rPr lang="en-US" sz="2000" dirty="0" smtClean="0">
+                <a:solidFill>
+                  <a:srgbClr val="FF0000"/>
+                </a:solidFill>
+                <a:latin typeface="Arial" pitchFamily="34" charset="0"/>
+              </a:rPr>
+              <a:t>	    CPU Reset</a:t>
+            </a:r>
+            <a:endParaRPr lang="en-US" sz="2000" dirty="0">
+              <a:solidFill>
+                <a:srgbClr val="FF0000"/>
+              </a:solidFill>
+              <a:latin typeface="Arial" pitchFamily="34" charset="0"/>
+            </a:endParaRPr>
+          </a:p>
+        </p:txBody>
+      </p:sp>
+      <p:sp>
+        <p:nvSpPr>
+          <p:cNvPr id="12" name="Oval 11"/>
+          <p:cNvSpPr/>
+          <p:nvPr/>
+        </p:nvSpPr>
+        <p:spPr bwMode="auto">
+          <a:xfrm>
+            <a:off x="5088403" y="1781036"/>
+            <a:ext cx="595900" cy="736979"/>
+          </a:xfrm>
+          <a:prstGeom prst="ellipse">
+            <a:avLst/>
+          </a:prstGeom>
+          <a:noFill/>
+          <a:ln w="38100" cap="flat" cmpd="sng" algn="ctr">
+            <a:solidFill>
+              <a:srgbClr val="FF0000"/>
+            </a:solidFill>
+            <a:prstDash val="solid"/>
+            <a:round/>
+            <a:headEnd type="none" w="med" len="med"/>
+            <a:tailEnd type="none" w="med" len="med"/>
+          </a:ln>
+          <a:effectLst/>
+        </p:spPr>
+        <p:txBody>
+          <a:bodyPr vert="horz" wrap="none" lIns="91440" tIns="45720" rIns="91440" bIns="45720" numCol="1" rtlCol="0" anchor="b" anchorCtr="0" compatLnSpc="1">
+            <a:prstTxWarp prst="textNoShape">
+              <a:avLst/>
+            </a:prstTxWarp>
+          </a:bodyPr>
+          <a:lstStyle/>
+          <a:p>
+            <a:pPr algn="ctr" eaLnBrk="0" hangingPunct="0">
+              <a:spcBef>
+                <a:spcPct val="0"/>
+              </a:spcBef>
+            </a:pPr>
+            <a:r>
+              <a:rPr lang="en-US" sz="2000" dirty="0" smtClean="0">
+                <a:solidFill>
+                  <a:srgbClr val="FF0000"/>
+                </a:solidFill>
+                <a:latin typeface="Arial" pitchFamily="34" charset="0"/>
+              </a:rPr>
+              <a:t>Audio </a:t>
+            </a:r>
+          </a:p>
+          <a:p>
+            <a:pPr algn="ctr" eaLnBrk="0" hangingPunct="0">
+              <a:spcBef>
+                <a:spcPct val="0"/>
+              </a:spcBef>
+            </a:pPr>
+            <a:r>
+              <a:rPr lang="en-US" sz="2000" dirty="0" smtClean="0">
+                <a:solidFill>
+                  <a:srgbClr val="FF0000"/>
+                </a:solidFill>
+                <a:latin typeface="Arial" pitchFamily="34" charset="0"/>
+              </a:rPr>
+              <a:t>Input </a:t>
+            </a:r>
+          </a:p>
+          <a:p>
+            <a:pPr algn="ctr" eaLnBrk="0" hangingPunct="0">
+              <a:spcBef>
+                <a:spcPct val="0"/>
+              </a:spcBef>
+            </a:pPr>
+            <a:endParaRPr lang="en-US" sz="1400" dirty="0">
+              <a:solidFill>
+                <a:srgbClr val="FF0000"/>
+              </a:solidFill>
+              <a:latin typeface="Arial" pitchFamily="34" charset="0"/>
+            </a:endParaRPr>
+          </a:p>
+          <a:p>
+            <a:pPr algn="ctr" eaLnBrk="0" hangingPunct="0">
+              <a:spcBef>
+                <a:spcPct val="0"/>
+              </a:spcBef>
+            </a:pPr>
+            <a:endParaRPr lang="en-US" sz="1400" dirty="0" smtClean="0">
+              <a:solidFill>
+                <a:srgbClr val="FF0000"/>
+              </a:solidFill>
+              <a:latin typeface="Arial" pitchFamily="34" charset="0"/>
+            </a:endParaRPr>
+          </a:p>
+          <a:p>
+            <a:pPr algn="ctr" eaLnBrk="0" hangingPunct="0">
+              <a:spcBef>
+                <a:spcPct val="0"/>
+              </a:spcBef>
+            </a:pPr>
+            <a:r>
+              <a:rPr lang="en-US" sz="1400" dirty="0" smtClean="0">
+                <a:solidFill>
+                  <a:srgbClr val="FF0000"/>
+                </a:solidFill>
+                <a:latin typeface="Arial" pitchFamily="34" charset="0"/>
+              </a:rPr>
+              <a:t>         </a:t>
+            </a:r>
+            <a:endParaRPr lang="en-US" sz="1400" dirty="0">
+              <a:solidFill>
+                <a:srgbClr val="FF0000"/>
+              </a:solidFill>
+              <a:latin typeface="Arial" pitchFamily="34" charset="0"/>
+            </a:endParaRPr>
+          </a:p>
+        </p:txBody>
+      </p:sp>
+      <p:sp>
+        <p:nvSpPr>
+          <p:cNvPr id="13" name="Oval 12"/>
+          <p:cNvSpPr/>
+          <p:nvPr/>
+        </p:nvSpPr>
+        <p:spPr bwMode="auto">
+          <a:xfrm>
+            <a:off x="5735610" y="1783308"/>
+            <a:ext cx="595900" cy="736979"/>
+          </a:xfrm>
+          <a:prstGeom prst="ellipse">
+            <a:avLst/>
+          </a:prstGeom>
+          <a:noFill/>
+          <a:ln w="38100" cap="flat" cmpd="sng" algn="ctr">
+            <a:solidFill>
+              <a:srgbClr val="FF0000"/>
+            </a:solidFill>
+            <a:prstDash val="solid"/>
+            <a:round/>
+            <a:headEnd type="none" w="med" len="med"/>
+            <a:tailEnd type="none" w="med" len="med"/>
+          </a:ln>
+          <a:effectLst/>
+        </p:spPr>
+        <p:txBody>
+          <a:bodyPr vert="horz" wrap="none" lIns="91440" tIns="45720" rIns="91440" bIns="45720" numCol="1" rtlCol="0" anchor="b" anchorCtr="0" compatLnSpc="1">
+            <a:prstTxWarp prst="textNoShape">
+              <a:avLst/>
+            </a:prstTxWarp>
+          </a:bodyPr>
+          <a:lstStyle/>
+          <a:p>
+            <a:pPr algn="ctr" eaLnBrk="0" hangingPunct="0">
+              <a:spcBef>
+                <a:spcPct val="0"/>
+              </a:spcBef>
+            </a:pPr>
+            <a:r>
+              <a:rPr lang="en-US" sz="2000" dirty="0" smtClean="0">
+                <a:solidFill>
+                  <a:srgbClr val="FF0000"/>
+                </a:solidFill>
+                <a:latin typeface="Arial" pitchFamily="34" charset="0"/>
+              </a:rPr>
+              <a:t> Audio</a:t>
+            </a:r>
+          </a:p>
+          <a:p>
+            <a:pPr algn="ctr" eaLnBrk="0" hangingPunct="0">
+              <a:spcBef>
+                <a:spcPct val="0"/>
+              </a:spcBef>
+            </a:pPr>
+            <a:r>
+              <a:rPr lang="en-US" sz="2000" dirty="0" smtClean="0">
+                <a:solidFill>
+                  <a:srgbClr val="FF0000"/>
+                </a:solidFill>
+                <a:latin typeface="Arial" pitchFamily="34" charset="0"/>
+              </a:rPr>
+              <a:t>  Output</a:t>
+            </a:r>
+          </a:p>
+          <a:p>
+            <a:pPr algn="ctr" eaLnBrk="0" hangingPunct="0">
+              <a:spcBef>
+                <a:spcPct val="0"/>
+              </a:spcBef>
+            </a:pPr>
+            <a:endParaRPr lang="en-US" sz="1400" dirty="0">
+              <a:solidFill>
+                <a:srgbClr val="FF0000"/>
+              </a:solidFill>
+              <a:latin typeface="Arial" pitchFamily="34" charset="0"/>
+            </a:endParaRPr>
+          </a:p>
+          <a:p>
+            <a:pPr algn="ctr" eaLnBrk="0" hangingPunct="0">
+              <a:spcBef>
+                <a:spcPct val="0"/>
+              </a:spcBef>
+            </a:pPr>
+            <a:endParaRPr lang="en-US" sz="1400" dirty="0" smtClean="0">
+              <a:solidFill>
+                <a:srgbClr val="FF0000"/>
+              </a:solidFill>
+              <a:latin typeface="Arial" pitchFamily="34" charset="0"/>
+            </a:endParaRPr>
+          </a:p>
+          <a:p>
+            <a:pPr algn="ctr" eaLnBrk="0" hangingPunct="0">
+              <a:spcBef>
+                <a:spcPct val="0"/>
+              </a:spcBef>
+            </a:pPr>
+            <a:r>
+              <a:rPr lang="en-US" sz="1400" dirty="0" smtClean="0">
+                <a:solidFill>
+                  <a:srgbClr val="FF0000"/>
+                </a:solidFill>
+                <a:latin typeface="Arial" pitchFamily="34" charset="0"/>
+              </a:rPr>
+              <a:t>         </a:t>
+            </a:r>
+            <a:endParaRPr lang="en-US" sz="1400" dirty="0">
+              <a:solidFill>
+                <a:srgbClr val="FF0000"/>
+              </a:solidFill>
+              <a:latin typeface="Arial" pitchFamily="34" charset="0"/>
+            </a:endParaRPr>
+          </a:p>
+        </p:txBody>
+      </p:sp>
+      <p:sp>
+        <p:nvSpPr>
+          <p:cNvPr id="14" name="Oval 13"/>
+          <p:cNvSpPr/>
+          <p:nvPr/>
+        </p:nvSpPr>
+        <p:spPr bwMode="auto">
+          <a:xfrm>
+            <a:off x="2047171" y="3871424"/>
+            <a:ext cx="1050877" cy="736979"/>
+          </a:xfrm>
+          <a:prstGeom prst="ellipse">
+            <a:avLst/>
+          </a:prstGeom>
+          <a:noFill/>
+          <a:ln w="38100" cap="flat" cmpd="sng" algn="ctr">
+            <a:solidFill>
+              <a:srgbClr val="FF0000"/>
+            </a:solidFill>
+            <a:prstDash val="solid"/>
+            <a:round/>
+            <a:headEnd type="none" w="med" len="med"/>
+            <a:tailEnd type="none" w="med" len="med"/>
+          </a:ln>
+          <a:effectLst/>
+        </p:spPr>
+        <p:txBody>
+          <a:bodyPr vert="horz" wrap="none" lIns="91440" tIns="45720" rIns="91440" bIns="45720" numCol="1" rtlCol="0" anchor="t" anchorCtr="0" compatLnSpc="1">
+            <a:prstTxWarp prst="textNoShape">
+              <a:avLst/>
+            </a:prstTxWarp>
+          </a:bodyPr>
+          <a:lstStyle/>
+          <a:p>
+            <a:pPr algn="r" eaLnBrk="0" hangingPunct="0">
+              <a:spcBef>
+                <a:spcPct val="0"/>
+              </a:spcBef>
+            </a:pPr>
+            <a:r>
+              <a:rPr lang="en-US" sz="1400" dirty="0" smtClean="0">
+                <a:solidFill>
+                  <a:srgbClr val="FF0000"/>
+                </a:solidFill>
+                <a:latin typeface="Arial" pitchFamily="34" charset="0"/>
+              </a:rPr>
+              <a:t>JB </a:t>
+            </a:r>
+            <a:r>
+              <a:rPr lang="en-US" sz="1400" dirty="0">
+                <a:solidFill>
+                  <a:srgbClr val="FF0000"/>
+                </a:solidFill>
+                <a:latin typeface="Arial" pitchFamily="34" charset="0"/>
+              </a:rPr>
+              <a:t>PMOD		               </a:t>
+            </a:r>
+          </a:p>
+          <a:p>
+            <a:pPr algn="r" eaLnBrk="0" hangingPunct="0">
+              <a:spcBef>
+                <a:spcPct val="0"/>
+              </a:spcBef>
+            </a:pPr>
+            <a:r>
+              <a:rPr lang="en-US" sz="1400" dirty="0" smtClean="0">
+                <a:solidFill>
+                  <a:srgbClr val="FF0000"/>
+                </a:solidFill>
+                <a:latin typeface="Arial" pitchFamily="34" charset="0"/>
+              </a:rPr>
+              <a:t>Connector	                 </a:t>
+            </a:r>
+          </a:p>
+          <a:p>
+            <a:pPr algn="r" eaLnBrk="0" hangingPunct="0">
+              <a:spcBef>
+                <a:spcPct val="0"/>
+              </a:spcBef>
+            </a:pPr>
+            <a:r>
+              <a:rPr lang="en-US" sz="1400" dirty="0" smtClean="0">
+                <a:solidFill>
+                  <a:srgbClr val="FF0000"/>
+                </a:solidFill>
+                <a:latin typeface="Arial" pitchFamily="34" charset="0"/>
+              </a:rPr>
+              <a:t>For Test Signals                 </a:t>
+            </a:r>
+            <a:endParaRPr lang="en-US" sz="1400" dirty="0">
+              <a:solidFill>
+                <a:srgbClr val="FF0000"/>
+              </a:solidFill>
+              <a:latin typeface="Arial" pitchFamily="34" charset="0"/>
+            </a:endParaRPr>
+          </a:p>
+        </p:txBody>
+      </p:sp>
+      <p:sp>
+        <p:nvSpPr>
+          <p:cNvPr id="15" name="Oval 14"/>
+          <p:cNvSpPr/>
+          <p:nvPr/>
+        </p:nvSpPr>
+        <p:spPr bwMode="auto">
+          <a:xfrm>
+            <a:off x="2226876" y="5256655"/>
+            <a:ext cx="805200" cy="495954"/>
+          </a:xfrm>
+          <a:prstGeom prst="ellipse">
+            <a:avLst/>
+          </a:prstGeom>
+          <a:noFill/>
+          <a:ln w="38100" cap="flat" cmpd="sng" algn="ctr">
+            <a:solidFill>
+              <a:srgbClr val="FF0000"/>
+            </a:solidFill>
+            <a:prstDash val="solid"/>
+            <a:round/>
+            <a:headEnd type="none" w="med" len="med"/>
+            <a:tailEnd type="none" w="med" len="med"/>
+          </a:ln>
+          <a:effectLst/>
+        </p:spPr>
+        <p:txBody>
+          <a:bodyPr vert="horz" wrap="none" lIns="91440" tIns="45720" rIns="91440" bIns="45720" numCol="1" rtlCol="0" anchor="t" anchorCtr="0" compatLnSpc="1">
+            <a:prstTxWarp prst="textNoShape">
+              <a:avLst/>
+            </a:prstTxWarp>
+          </a:bodyPr>
+          <a:lstStyle/>
+          <a:p>
+            <a:pPr algn="r" eaLnBrk="0" hangingPunct="0">
+              <a:spcBef>
+                <a:spcPct val="0"/>
+              </a:spcBef>
+            </a:pPr>
+            <a:r>
+              <a:rPr lang="en-US" sz="2000" dirty="0" smtClean="0">
+                <a:solidFill>
+                  <a:srgbClr val="FF0000"/>
+                </a:solidFill>
+                <a:latin typeface="Arial" pitchFamily="34" charset="0"/>
+              </a:rPr>
+              <a:t>USB UART </a:t>
+            </a:r>
+            <a:r>
+              <a:rPr lang="en-US" sz="2000" dirty="0">
+                <a:solidFill>
+                  <a:srgbClr val="FF0000"/>
+                </a:solidFill>
+                <a:latin typeface="Arial" pitchFamily="34" charset="0"/>
+              </a:rPr>
+              <a:t>		</a:t>
+            </a:r>
+            <a:r>
+              <a:rPr lang="en-US" sz="2000" dirty="0" smtClean="0">
+                <a:solidFill>
+                  <a:srgbClr val="FF0000"/>
+                </a:solidFill>
+                <a:latin typeface="Arial" pitchFamily="34" charset="0"/>
+              </a:rPr>
+              <a:t>  </a:t>
+            </a:r>
+            <a:endParaRPr lang="en-US" sz="2000" dirty="0">
+              <a:solidFill>
+                <a:srgbClr val="FF0000"/>
+              </a:solidFill>
+              <a:latin typeface="Arial" pitchFamily="34" charset="0"/>
+            </a:endParaRPr>
+          </a:p>
+        </p:txBody>
+      </p:sp>
+    </p:spTree>
+    <p:custDataLst>
+      <p:tags r:id="rId1"/>
+    </p:custDataLst>
+    <p:extLst>
+      <p:ext uri="{BB962C8B-B14F-4D97-AF65-F5344CB8AC3E}">
+        <p14:creationId xmlns:p14="http://schemas.microsoft.com/office/powerpoint/2010/main" val="2541485686"/>
+      </p:ext>
+    </p:extLst>
+  </p:cSld>
+  <p:clrMapOvr>
+    <a:masterClrMapping/>
+  </p:clrMapOvr>
+  <p:timing>
+    <p:tnLst>
+      <p:par>
+        <p:cTn id="1" dur="indefinite" restart="never" nodeType="tmRoot"/>
+      </p:par>
+    </p:tnLst>
+  </p:timing>
+</p:sld>
+</file>
+
+<file path=ppt/slides/slide8.xml><?xml version="1.0" encoding="utf-8"?>
+<p:sld xmlns:a="http://schemas.openxmlformats.org/drawingml/2006/main" xmlns:r="http://schemas.openxmlformats.org/officeDocument/2006/relationships" xmlns:p="http://schemas.openxmlformats.org/presentationml/2006/main">
+  <p:cSld>
+    <p:spTree>
+      <p:nvGrpSpPr>
+        <p:cNvPr id="1" name=""/>
+        <p:cNvGrpSpPr/>
+        <p:nvPr/>
+      </p:nvGrpSpPr>
+      <p:grpSpPr>
+        <a:xfrm>
+          <a:off x="0" y="0"/>
+          <a:ext cx="0" cy="0"/>
+          <a:chOff x="0" y="0"/>
+          <a:chExt cx="0" cy="0"/>
+        </a:xfrm>
+      </p:grpSpPr>
+      <p:sp>
+        <p:nvSpPr>
+          <p:cNvPr id="2" name="Title 1"/>
+          <p:cNvSpPr>
+            <a:spLocks noGrp="1"/>
+          </p:cNvSpPr>
+          <p:nvPr>
+            <p:ph type="title"/>
+          </p:nvPr>
+        </p:nvSpPr>
+        <p:spPr/>
+        <p:txBody>
+          <a:bodyPr/>
+          <a:lstStyle/>
+          <a:p>
+            <a:r>
+              <a:rPr lang="en-US" dirty="0"/>
               <a:t>Lab 2 – </a:t>
             </a:r>
             <a:r>
@@ -14851,7 +17340,7 @@
           <p:nvPr/>
         </p:nvPicPr>
         <p:blipFill>
-          <a:blip r:embed="rId2">
+          <a:blip r:embed="rId3">
             <a:extLst>
               <a:ext uri="{28A0092B-C50C-407E-A947-70E740481C1C}">
                 <a14:useLocalDpi xmlns:a14="http://schemas.microsoft.com/office/drawing/2010/main" val="0"/>
@@ -14914,7 +17403,7 @@
               <a:pPr>
                 <a:defRPr/>
               </a:pPr>
-              <a:t>7</a:t>
+              <a:t>8</a:t>
             </a:fld>
             <a:endParaRPr lang="en-US" dirty="0">
               <a:solidFill>
@@ -14925,6 +17414,9 @@
         </p:txBody>
       </p:sp>
     </p:spTree>
+    <p:custDataLst>
+      <p:tags r:id="rId1"/>
+    </p:custDataLst>
     <p:extLst>
       <p:ext uri="{BB962C8B-B14F-4D97-AF65-F5344CB8AC3E}">
         <p14:creationId xmlns:p14="http://schemas.microsoft.com/office/powerpoint/2010/main" val="3603252488"/>
@@ -14944,7 +17436,7 @@
 </p:sld>
 </file>
 
-<file path=ppt/slides/slide8.xml><?xml version="1.0" encoding="utf-8"?>
+<file path=ppt/slides/slide9.xml><?xml version="1.0" encoding="utf-8"?>
 <p:sld xmlns:a="http://schemas.openxmlformats.org/drawingml/2006/main" xmlns:r="http://schemas.openxmlformats.org/officeDocument/2006/relationships" xmlns:p="http://schemas.openxmlformats.org/presentationml/2006/main">
   <p:cSld>
     <p:spTree>
@@ -17515,7 +20007,7 @@
               <a:pPr>
                 <a:defRPr/>
               </a:pPr>
-              <a:t>8</a:t>
+              <a:t>9</a:t>
             </a:fld>
             <a:endParaRPr lang="en-US" dirty="0">
               <a:solidFill>
@@ -17526,6 +20018,9 @@
         </p:txBody>
       </p:sp>
     </p:spTree>
+    <p:custDataLst>
+      <p:tags r:id="rId1"/>
+    </p:custDataLst>
     <p:extLst>
       <p:ext uri="{BB962C8B-B14F-4D97-AF65-F5344CB8AC3E}">
         <p14:creationId xmlns:p14="http://schemas.microsoft.com/office/powerpoint/2010/main" val="371163663"/>
@@ -17744,201 +20239,212 @@
 </p:sld>
 </file>
 
-<file path=ppt/slides/slide9.xml><?xml version="1.0" encoding="utf-8"?>
-<p:sld xmlns:a="http://schemas.openxmlformats.org/drawingml/2006/main" xmlns:r="http://schemas.openxmlformats.org/officeDocument/2006/relationships" xmlns:p="http://schemas.openxmlformats.org/presentationml/2006/main">
-  <p:cSld>
-    <p:spTree>
-      <p:nvGrpSpPr>
-        <p:cNvPr id="1" name=""/>
-        <p:cNvGrpSpPr/>
-        <p:nvPr/>
-      </p:nvGrpSpPr>
-      <p:grpSpPr>
-        <a:xfrm>
-          <a:off x="0" y="0"/>
-          <a:ext cx="0" cy="0"/>
-          <a:chOff x="0" y="0"/>
-          <a:chExt cx="0" cy="0"/>
-        </a:xfrm>
-      </p:grpSpPr>
-      <p:sp>
-        <p:nvSpPr>
-          <p:cNvPr id="2" name="Title 1"/>
-          <p:cNvSpPr>
-            <a:spLocks noGrp="1"/>
-          </p:cNvSpPr>
-          <p:nvPr>
-            <p:ph type="title"/>
-          </p:nvPr>
-        </p:nvSpPr>
-        <p:spPr/>
-        <p:txBody>
-          <a:bodyPr/>
-          <a:lstStyle/>
-          <a:p>
-            <a:r>
-              <a:rPr lang="en-US" dirty="0"/>
-              <a:t>Lab </a:t>
-            </a:r>
-            <a:r>
-              <a:rPr lang="en-US" dirty="0" smtClean="0"/>
-              <a:t>3 </a:t>
-            </a:r>
-            <a:r>
-              <a:rPr lang="en-US" dirty="0"/>
-              <a:t>– </a:t>
-            </a:r>
-            <a:r>
-              <a:rPr lang="en-US" dirty="0" smtClean="0"/>
-              <a:t>UART Note</a:t>
-            </a:r>
-            <a:endParaRPr lang="en-US" dirty="0"/>
-          </a:p>
-        </p:txBody>
-      </p:sp>
-      <p:sp>
-        <p:nvSpPr>
-          <p:cNvPr id="4" name="Content Placeholder 3"/>
-          <p:cNvSpPr>
-            <a:spLocks noGrp="1"/>
-          </p:cNvSpPr>
-          <p:nvPr>
-            <p:ph idx="1"/>
-          </p:nvPr>
-        </p:nvSpPr>
-        <p:spPr>
-          <a:xfrm>
-            <a:off x="581736" y="1523052"/>
-            <a:ext cx="8131175" cy="4324350"/>
-          </a:xfrm>
-        </p:spPr>
-        <p:txBody>
-          <a:bodyPr/>
-          <a:lstStyle/>
-          <a:p>
-            <a:r>
-              <a:rPr lang="en-US" dirty="0"/>
-              <a:t>Note:</a:t>
-            </a:r>
-            <a:r>
-              <a:rPr lang="en-US" b="0" dirty="0"/>
-              <a:t> In your program, you may want to check if the users has hit the key on the keyboard without having to </a:t>
-            </a:r>
-            <a:r>
-              <a:rPr lang="en-US" b="0" dirty="0" smtClean="0"/>
-              <a:t>actually </a:t>
-            </a:r>
-            <a:r>
-              <a:rPr lang="en-US" b="0" dirty="0"/>
-              <a:t>read the key. For these cases the following command will prove useful. Note that "</a:t>
-            </a:r>
-            <a:r>
-              <a:rPr lang="en-US" b="0" dirty="0" err="1"/>
-              <a:t>uartRecReg</a:t>
-            </a:r>
-            <a:r>
-              <a:rPr lang="en-US" b="0" dirty="0"/>
-              <a:t>" is a constant, the address of the </a:t>
-            </a:r>
-            <a:r>
-              <a:rPr lang="en-US" b="0" dirty="0" err="1"/>
-              <a:t>uart</a:t>
-            </a:r>
-            <a:r>
-              <a:rPr lang="en-US" b="0" dirty="0"/>
-              <a:t>.</a:t>
-            </a:r>
-            <a:r>
-              <a:rPr lang="en-US" dirty="0"/>
-              <a:t/>
-            </a:r>
-            <a:br>
-              <a:rPr lang="en-US" dirty="0"/>
-            </a:br>
-            <a:r>
-              <a:rPr lang="en-US" dirty="0" smtClean="0"/>
-              <a:t>	</a:t>
-            </a:r>
-            <a:r>
-              <a:rPr lang="en-US" dirty="0" err="1" smtClean="0"/>
-              <a:t>XUartLite_IsReceiveEmpty</a:t>
-            </a:r>
-            <a:r>
-              <a:rPr lang="en-US" dirty="0" smtClean="0"/>
-              <a:t>(</a:t>
-            </a:r>
-            <a:r>
-              <a:rPr lang="en-US" dirty="0" err="1" smtClean="0"/>
-              <a:t>uartRecReg</a:t>
-            </a:r>
-            <a:r>
-              <a:rPr lang="en-US" dirty="0"/>
-              <a:t>);</a:t>
-            </a:r>
-            <a:endParaRPr lang="en-US" b="0" dirty="0"/>
-          </a:p>
-        </p:txBody>
-      </p:sp>
-      <p:sp>
-        <p:nvSpPr>
-          <p:cNvPr id="6" name="Slide Number Placeholder 3"/>
-          <p:cNvSpPr>
-            <a:spLocks noGrp="1"/>
-          </p:cNvSpPr>
-          <p:nvPr>
-            <p:ph type="sldNum" sz="quarter" idx="10"/>
-          </p:nvPr>
-        </p:nvSpPr>
-        <p:spPr>
-          <a:xfrm>
-            <a:off x="6942160" y="6381750"/>
-            <a:ext cx="2133600" cy="476250"/>
-          </a:xfrm>
-        </p:spPr>
-        <p:txBody>
-          <a:bodyPr/>
-          <a:lstStyle/>
-          <a:p>
-            <a:pPr>
-              <a:defRPr/>
-            </a:pPr>
-            <a:fld id="{62D6D4B2-7611-498F-8780-1EDC26277454}" type="slidenum">
-              <a:rPr lang="en-US" smtClean="0">
-                <a:solidFill>
-                  <a:srgbClr val="000000"/>
-                </a:solidFill>
-              </a:rPr>
-              <a:pPr>
-                <a:defRPr/>
-              </a:pPr>
-              <a:t>9</a:t>
-            </a:fld>
-            <a:endParaRPr lang="en-US" dirty="0">
-              <a:solidFill>
-                <a:srgbClr val="000000"/>
-              </a:solidFill>
-            </a:endParaRPr>
-          </a:p>
-        </p:txBody>
-      </p:sp>
-    </p:spTree>
-    <p:extLst>
-      <p:ext uri="{BB962C8B-B14F-4D97-AF65-F5344CB8AC3E}">
-        <p14:creationId xmlns:p14="http://schemas.microsoft.com/office/powerpoint/2010/main" val="105213148"/>
-      </p:ext>
-    </p:extLst>
-  </p:cSld>
-  <p:clrMapOvr>
-    <a:masterClrMapping/>
-  </p:clrMapOvr>
-  <p:timing>
-    <p:tnLst>
-      <p:par>
-        <p:cTn id="1" dur="indefinite" restart="never" nodeType="tmRoot"/>
-      </p:par>
-    </p:tnLst>
-  </p:timing>
-</p:sld>
+<file path=ppt/tags/tag1.xml><?xml version="1.0" encoding="utf-8"?>
+<p:tagLst xmlns:a="http://schemas.openxmlformats.org/drawingml/2006/main" xmlns:r="http://schemas.openxmlformats.org/officeDocument/2006/relationships" xmlns:p="http://schemas.openxmlformats.org/presentationml/2006/main">
+  <p:tag name="SHOWBARVISIBLE" val="True"/>
+  <p:tag name="CSVFORMAT" val="0"/>
+  <p:tag name="COUNTDOWNSTYLE" val="-1"/>
+  <p:tag name="COUNTDOWNSECONDS" val="10"/>
+  <p:tag name="BACKUPSESSIONS" val="True"/>
+  <p:tag name="REVIEWONLY" val="False"/>
+  <p:tag name="RACEENDPOINTS" val="100"/>
+  <p:tag name="PARTICIPANTSINLEADERBOARD" val="5"/>
+  <p:tag name="BUBBLESIZEVISIBLE" val="True"/>
+  <p:tag name="CUSTOMGRIDBACKCOLOR" val="-722948"/>
+  <p:tag name="CUSTOMCELLBACKCOLOR3" val="-268652"/>
+  <p:tag name="DISPLAYDEVICENUMBER" val="True"/>
+  <p:tag name="AUTOSIZEGRID" val="True"/>
+  <p:tag name="POLLINGCYCLE" val="2"/>
+  <p:tag name="INCLUDENONRESPONDERS" val="False"/>
+  <p:tag name="CORRECTPOINTVALUE" val="1"/>
+  <p:tag name="ZEROBASED" val="False"/>
+  <p:tag name="FIBDISPLAYRESULTS" val="True"/>
+  <p:tag name="PRRESPONSE1" val="10"/>
+  <p:tag name="PRRESPONSE5" val="6"/>
+  <p:tag name="PRRESPONSE9" val="2"/>
+  <p:tag name="TASKPANEKEY" val="4134a464-a361-4b12-bc26-6e8a748f744b"/>
+  <p:tag name="USESECONDARYMONITOR" val="True"/>
+  <p:tag name="ANSWERNOWTEXT" val="Answer Now"/>
+  <p:tag name="INPUTSOURCE" val="1"/>
+  <p:tag name="CHARTVALUEFORMAT" val="0%"/>
+  <p:tag name="STDCHART" val="1"/>
+  <p:tag name="TEAMSINLEADERBOARD" val="5"/>
+  <p:tag name="BUBBLEGROUPING" val="3"/>
+  <p:tag name="CUSTOMCELLBACKCOLOR2" val="-13395457"/>
+  <p:tag name="DISPLAYDEVICEID" val="True"/>
+  <p:tag name="GRIDPOSITION" val="1"/>
+  <p:tag name="RESETCHARTS" val="True"/>
+  <p:tag name="INCORRECTPOINTVALUE" val="0"/>
+  <p:tag name="CHARTSCALE" val="True"/>
+  <p:tag name="FIBDISPLAYKEYWORDS" val="True"/>
+  <p:tag name="PRRESPONSE6" val="5"/>
+  <p:tag name="SHOWFLASHWARNING" val="True"/>
+  <p:tag name="EXPANDSHOWBAR" val="True"/>
+  <p:tag name="RESPCOUNTERSTYLE" val="-1"/>
+  <p:tag name="ALLOWDUPLICATES" val="False"/>
+  <p:tag name="AUTOUPDATEALIASES" val="True"/>
+  <p:tag name="MAXRESPONDERS" val="5"/>
+  <p:tag name="CUSTOMCELLFORECOLOR" val="-16777216"/>
+  <p:tag name="DISPLAYNAME" val="True"/>
+  <p:tag name="GRIDFONTSIZE" val="12"/>
+  <p:tag name="INCLUDEPPT" val="True"/>
+  <p:tag name="AUTOADJUSTPARTRANGE" val="True"/>
+  <p:tag name="PRRESPONSE2" val="9"/>
+  <p:tag name="PRRESPONSE8" val="3"/>
+  <p:tag name="POWERPOINTVERSION" val="14.0"/>
+  <p:tag name="RESPCOUNTERFORMAT" val="0"/>
+  <p:tag name="AUTOADVANCE" val="False"/>
+  <p:tag name="SKIPREMAININGRACESLIDES" val="True"/>
+  <p:tag name="CUSTOMCELLBACKCOLOR1" val="-657956"/>
+  <p:tag name="GRIDROTATIONINTERVAL" val="2"/>
+  <p:tag name="MULTIRESPDIVISOR" val="1"/>
+  <p:tag name="ADVANCEDSETTINGSVIEW" val="False"/>
+  <p:tag name="PRRESPONSE4" val="7"/>
+  <p:tag name="TPVERSION" val="2008"/>
+  <p:tag name="RESPTABLESTYLE" val="-1"/>
+  <p:tag name="RACERSMAXDISPLAYED" val="5"/>
+  <p:tag name="DEFAULTNUMTEAMS" val="5"/>
+  <p:tag name="GRIDSIZE" val="{Width=800, Height=600}"/>
+  <p:tag name="REALTIMEBACKUP" val="False"/>
+  <p:tag name="PRRESPONSE3" val="8"/>
+  <p:tag name="SAVECSVWITHSESSION" val="True"/>
+  <p:tag name="BACKUPMAINTENANCE" val="7"/>
+  <p:tag name="BUBBLEVALUEFORMAT" val="0.0"/>
+  <p:tag name="CHARTCOLORS" val="0"/>
+  <p:tag name="FIBNUMRESULTS" val="5"/>
+  <p:tag name="ALWAYSOPENPOLL" val="False"/>
+  <p:tag name="ROTATIONINTERVAL" val="2"/>
+  <p:tag name="USESCHEMECOLORS" val="True"/>
+  <p:tag name="REALTIMEBACKUPPATH" val="(None)"/>
+  <p:tag name="BULLETTYPE" val="3"/>
+  <p:tag name="BUBBLENAMEVISIBLE" val="True"/>
+  <p:tag name="ALLOWUSERFEEDBACK" val="True"/>
+  <p:tag name="ANSWERNOWSTYLE" val="-1"/>
+  <p:tag name="GRIDOPACITY" val="90"/>
+  <p:tag name="PRRESPONSE10" val="1"/>
+  <p:tag name="CHARTLABELS" val="1"/>
+  <p:tag name="RACEANIMATIONSPEED" val="3"/>
+  <p:tag name="NUMRESPONSES" val="1"/>
+  <p:tag name="CUSTOMCELLBACKCOLOR4" val="-8355712"/>
+  <p:tag name="PRRESPONSE7" val="4"/>
+  <p:tag name="FIBINCLUDEOTHER" val="True"/>
+  <p:tag name="DELIMITERS" val="3.1"/>
+  <p:tag name="TPFULLVERSION" val="4.5.0.2212"/>
+</p:tagLst>
+</file>
+
+<file path=ppt/tags/tag10.xml><?xml version="1.0" encoding="utf-8"?>
+<p:tagLst xmlns:a="http://schemas.openxmlformats.org/drawingml/2006/main" xmlns:r="http://schemas.openxmlformats.org/officeDocument/2006/relationships" xmlns:p="http://schemas.openxmlformats.org/presentationml/2006/main">
+  <p:tag name="NOPREFERENCE" val="False"/>
+</p:tagLst>
+</file>
+
+<file path=ppt/tags/tag11.xml><?xml version="1.0" encoding="utf-8"?>
+<p:tagLst xmlns:a="http://schemas.openxmlformats.org/drawingml/2006/main" xmlns:r="http://schemas.openxmlformats.org/officeDocument/2006/relationships" xmlns:p="http://schemas.openxmlformats.org/presentationml/2006/main">
+  <p:tag name="NOPREFERENCE" val="False"/>
+</p:tagLst>
+</file>
+
+<file path=ppt/tags/tag12.xml><?xml version="1.0" encoding="utf-8"?>
+<p:tagLst xmlns:a="http://schemas.openxmlformats.org/drawingml/2006/main" xmlns:r="http://schemas.openxmlformats.org/officeDocument/2006/relationships" xmlns:p="http://schemas.openxmlformats.org/presentationml/2006/main">
+  <p:tag name="NOPREFERENCE" val="False"/>
+</p:tagLst>
+</file>
+
+<file path=ppt/tags/tag13.xml><?xml version="1.0" encoding="utf-8"?>
+<p:tagLst xmlns:a="http://schemas.openxmlformats.org/drawingml/2006/main" xmlns:r="http://schemas.openxmlformats.org/officeDocument/2006/relationships" xmlns:p="http://schemas.openxmlformats.org/presentationml/2006/main">
+  <p:tag name="NOPREFERENCE" val="False"/>
+</p:tagLst>
+</file>
+
+<file path=ppt/tags/tag14.xml><?xml version="1.0" encoding="utf-8"?>
+<p:tagLst xmlns:a="http://schemas.openxmlformats.org/drawingml/2006/main" xmlns:r="http://schemas.openxmlformats.org/officeDocument/2006/relationships" xmlns:p="http://schemas.openxmlformats.org/presentationml/2006/main">
+  <p:tag name="NOPREFERENCE" val="False"/>
+</p:tagLst>
+</file>
+
+<file path=ppt/tags/tag15.xml><?xml version="1.0" encoding="utf-8"?>
+<p:tagLst xmlns:a="http://schemas.openxmlformats.org/drawingml/2006/main" xmlns:r="http://schemas.openxmlformats.org/officeDocument/2006/relationships" xmlns:p="http://schemas.openxmlformats.org/presentationml/2006/main">
+  <p:tag name="NOPREFERENCE" val="False"/>
+</p:tagLst>
+</file>
+
+<file path=ppt/tags/tag16.xml><?xml version="1.0" encoding="utf-8"?>
+<p:tagLst xmlns:a="http://schemas.openxmlformats.org/drawingml/2006/main" xmlns:r="http://schemas.openxmlformats.org/officeDocument/2006/relationships" xmlns:p="http://schemas.openxmlformats.org/presentationml/2006/main">
+  <p:tag name="NOPREFERENCE" val="False"/>
+</p:tagLst>
+</file>
+
+<file path=ppt/tags/tag17.xml><?xml version="1.0" encoding="utf-8"?>
+<p:tagLst xmlns:a="http://schemas.openxmlformats.org/drawingml/2006/main" xmlns:r="http://schemas.openxmlformats.org/officeDocument/2006/relationships" xmlns:p="http://schemas.openxmlformats.org/presentationml/2006/main">
+  <p:tag name="NOPREFERENCE" val="False"/>
+</p:tagLst>
+</file>
+
+<file path=ppt/tags/tag18.xml><?xml version="1.0" encoding="utf-8"?>
+<p:tagLst xmlns:a="http://schemas.openxmlformats.org/drawingml/2006/main" xmlns:r="http://schemas.openxmlformats.org/officeDocument/2006/relationships" xmlns:p="http://schemas.openxmlformats.org/presentationml/2006/main">
+  <p:tag name="NOPREFERENCE" val="False"/>
+</p:tagLst>
+</file>
+
+<file path=ppt/tags/tag19.xml><?xml version="1.0" encoding="utf-8"?>
+<p:tagLst xmlns:a="http://schemas.openxmlformats.org/drawingml/2006/main" xmlns:r="http://schemas.openxmlformats.org/officeDocument/2006/relationships" xmlns:p="http://schemas.openxmlformats.org/presentationml/2006/main">
+  <p:tag name="NOPREFERENCE" val="False"/>
+</p:tagLst>
+</file>
+
+<file path=ppt/tags/tag2.xml><?xml version="1.0" encoding="utf-8"?>
+<p:tagLst xmlns:a="http://schemas.openxmlformats.org/drawingml/2006/main" xmlns:r="http://schemas.openxmlformats.org/officeDocument/2006/relationships" xmlns:p="http://schemas.openxmlformats.org/presentationml/2006/main">
+  <p:tag name="NOPREFERENCE" val="False"/>
+</p:tagLst>
+</file>
+
+<file path=ppt/tags/tag20.xml><?xml version="1.0" encoding="utf-8"?>
+<p:tagLst xmlns:a="http://schemas.openxmlformats.org/drawingml/2006/main" xmlns:r="http://schemas.openxmlformats.org/officeDocument/2006/relationships" xmlns:p="http://schemas.openxmlformats.org/presentationml/2006/main">
+  <p:tag name="NOPREFERENCE" val="False"/>
+</p:tagLst>
+</file>
+
+<file path=ppt/tags/tag3.xml><?xml version="1.0" encoding="utf-8"?>
+<p:tagLst xmlns:a="http://schemas.openxmlformats.org/drawingml/2006/main" xmlns:r="http://schemas.openxmlformats.org/officeDocument/2006/relationships" xmlns:p="http://schemas.openxmlformats.org/presentationml/2006/main">
+  <p:tag name="NOPREFERENCE" val="False"/>
+</p:tagLst>
+</file>
+
+<file path=ppt/tags/tag4.xml><?xml version="1.0" encoding="utf-8"?>
+<p:tagLst xmlns:a="http://schemas.openxmlformats.org/drawingml/2006/main" xmlns:r="http://schemas.openxmlformats.org/officeDocument/2006/relationships" xmlns:p="http://schemas.openxmlformats.org/presentationml/2006/main">
+  <p:tag name="NOPREFERENCE" val="False"/>
+</p:tagLst>
+</file>
+
+<file path=ppt/tags/tag5.xml><?xml version="1.0" encoding="utf-8"?>
+<p:tagLst xmlns:a="http://schemas.openxmlformats.org/drawingml/2006/main" xmlns:r="http://schemas.openxmlformats.org/officeDocument/2006/relationships" xmlns:p="http://schemas.openxmlformats.org/presentationml/2006/main">
+  <p:tag name="NOPREFERENCE" val="False"/>
+</p:tagLst>
+</file>
+
+<file path=ppt/tags/tag6.xml><?xml version="1.0" encoding="utf-8"?>
+<p:tagLst xmlns:a="http://schemas.openxmlformats.org/drawingml/2006/main" xmlns:r="http://schemas.openxmlformats.org/officeDocument/2006/relationships" xmlns:p="http://schemas.openxmlformats.org/presentationml/2006/main">
+  <p:tag name="NOPREFERENCE" val="False"/>
+</p:tagLst>
+</file>
+
+<file path=ppt/tags/tag7.xml><?xml version="1.0" encoding="utf-8"?>
+<p:tagLst xmlns:a="http://schemas.openxmlformats.org/drawingml/2006/main" xmlns:r="http://schemas.openxmlformats.org/officeDocument/2006/relationships" xmlns:p="http://schemas.openxmlformats.org/presentationml/2006/main">
+  <p:tag name="NOPREFERENCE" val="False"/>
+</p:tagLst>
+</file>
+
+<file path=ppt/tags/tag8.xml><?xml version="1.0" encoding="utf-8"?>
+<p:tagLst xmlns:a="http://schemas.openxmlformats.org/drawingml/2006/main" xmlns:r="http://schemas.openxmlformats.org/officeDocument/2006/relationships" xmlns:p="http://schemas.openxmlformats.org/presentationml/2006/main">
+  <p:tag name="NOPREFERENCE" val="False"/>
+</p:tagLst>
+</file>
+
+<file path=ppt/tags/tag9.xml><?xml version="1.0" encoding="utf-8"?>
+<p:tagLst xmlns:a="http://schemas.openxmlformats.org/drawingml/2006/main" xmlns:r="http://schemas.openxmlformats.org/officeDocument/2006/relationships" xmlns:p="http://schemas.openxmlformats.org/presentationml/2006/main">
+  <p:tag name="NOPREFERENCE" val="False"/>
+</p:tagLst>
 </file>
 
 <file path=ppt/theme/theme1.xml><?xml version="1.0" encoding="utf-8"?>
